--- a/lecture-materials/Security/aws_artifact/data.pptx
+++ b/lecture-materials/Security/aws_artifact/data.pptx
@@ -2,22 +2,12 @@
 <file path=ppt/presentation.xml><?xml version="1.0" encoding="utf-8"?>
 <p:presentation xmlns:a="http://schemas.openxmlformats.org/drawingml/2006/main" xmlns:r="http://schemas.openxmlformats.org/officeDocument/2006/relationships" xmlns:p="http://schemas.openxmlformats.org/presentationml/2006/main" saveSubsetFonts="1" autoCompressPictures="0">
   <p:sldMasterIdLst>
-    <p:sldMasterId id="2147483648" r:id="rId1"/>
+    <p:sldMasterId id="2147483725" r:id="rId1"/>
   </p:sldMasterIdLst>
   <p:sldIdLst>
     <p:sldId id="256" r:id="rId2"/>
     <p:sldId id="257" r:id="rId3"/>
     <p:sldId id="258" r:id="rId4"/>
-    <p:sldId id="259" r:id="rId5"/>
-    <p:sldId id="260" r:id="rId6"/>
-    <p:sldId id="261" r:id="rId7"/>
-    <p:sldId id="262" r:id="rId8"/>
-    <p:sldId id="263" r:id="rId9"/>
-    <p:sldId id="264" r:id="rId10"/>
-    <p:sldId id="265" r:id="rId11"/>
-    <p:sldId id="266" r:id="rId12"/>
-    <p:sldId id="267" r:id="rId13"/>
-    <p:sldId id="268" r:id="rId14"/>
   </p:sldIdLst>
   <p:sldSz cx="12192000" cy="6858000"/>
   <p:notesSz cx="6858000" cy="9144000"/>
@@ -116,6 +106,11 @@
       </a:defRPr>
     </a:lvl9pPr>
   </p:defaultTextStyle>
+  <p:extLst>
+    <p:ext uri="{EFAFB233-063F-42B5-8137-9DF3F51BA10A}">
+      <p15:sldGuideLst xmlns:p15="http://schemas.microsoft.com/office/powerpoint/2012/main"/>
+    </p:ext>
+  </p:extLst>
 </p:presentation>
 </file>
 
@@ -141,7 +136,7 @@
           <p:cNvPr id="2" name="Title 1">
             <a:extLst>
               <a:ext uri="{FF2B5EF4-FFF2-40B4-BE49-F238E27FC236}">
-                <a16:creationId xmlns:a16="http://schemas.microsoft.com/office/drawing/2014/main" id="{70A6CF7B-BC99-DF18-CE0D-FDE15A29DB3F}"/>
+                <a16:creationId xmlns:a16="http://schemas.microsoft.com/office/drawing/2014/main" id="{898DE6C8-AB1D-4204-BC9C-3366B0BF0435}"/>
               </a:ext>
             </a:extLst>
           </p:cNvPr>
@@ -154,23 +149,24 @@
         </p:nvSpPr>
         <p:spPr>
           <a:xfrm>
-            <a:off x="1524000" y="1122363"/>
-            <a:ext cx="9144000" cy="2387600"/>
+            <a:off x="678426" y="889820"/>
+            <a:ext cx="9989574" cy="3598606"/>
           </a:xfrm>
         </p:spPr>
         <p:txBody>
-          <a:bodyPr anchor="b"/>
+          <a:bodyPr anchor="t">
+            <a:normAutofit/>
+          </a:bodyPr>
           <a:lstStyle>
-            <a:lvl1pPr algn="ctr">
-              <a:defRPr sz="6000"/>
+            <a:lvl1pPr algn="l">
+              <a:defRPr sz="5400"/>
             </a:lvl1pPr>
           </a:lstStyle>
           <a:p>
             <a:r>
-              <a:rPr lang="en-GB"/>
+              <a:rPr lang="en-US" dirty="0"/>
               <a:t>Click to edit Master title style</a:t>
             </a:r>
-            <a:endParaRPr lang="en-CH"/>
           </a:p>
         </p:txBody>
       </p:sp>
@@ -179,7 +175,7 @@
           <p:cNvPr id="3" name="Subtitle 2">
             <a:extLst>
               <a:ext uri="{FF2B5EF4-FFF2-40B4-BE49-F238E27FC236}">
-                <a16:creationId xmlns:a16="http://schemas.microsoft.com/office/drawing/2014/main" id="{2D84D4C9-17E3-F7CE-1BE1-28C188E4FCF5}"/>
+                <a16:creationId xmlns:a16="http://schemas.microsoft.com/office/drawing/2014/main" id="{7A7B9009-EE50-4EE5-B6EB-CD6EC83D3FA3}"/>
               </a:ext>
             </a:extLst>
           </p:cNvPr>
@@ -192,16 +188,18 @@
         </p:nvSpPr>
         <p:spPr>
           <a:xfrm>
-            <a:off x="1524000" y="3602038"/>
-            <a:ext cx="9144000" cy="1655762"/>
+            <a:off x="678426" y="4488426"/>
+            <a:ext cx="6991776" cy="1302774"/>
           </a:xfrm>
         </p:spPr>
         <p:txBody>
-          <a:bodyPr/>
+          <a:bodyPr anchor="b">
+            <a:normAutofit/>
+          </a:bodyPr>
           <a:lstStyle>
-            <a:lvl1pPr marL="0" indent="0" algn="ctr">
-              <a:buNone/>
-              <a:defRPr sz="2400"/>
+            <a:lvl1pPr marL="0" indent="0" algn="l">
+              <a:buNone/>
+              <a:defRPr sz="2000"/>
             </a:lvl1pPr>
             <a:lvl2pPr marL="457200" indent="0" algn="ctr">
               <a:buNone/>
@@ -238,10 +236,9 @@
           </a:lstStyle>
           <a:p>
             <a:r>
-              <a:rPr lang="en-GB"/>
+              <a:rPr lang="en-US" dirty="0"/>
               <a:t>Click to edit Master subtitle style</a:t>
             </a:r>
-            <a:endParaRPr lang="en-CH"/>
           </a:p>
         </p:txBody>
       </p:sp>
@@ -250,7 +247,7 @@
           <p:cNvPr id="4" name="Date Placeholder 3">
             <a:extLst>
               <a:ext uri="{FF2B5EF4-FFF2-40B4-BE49-F238E27FC236}">
-                <a16:creationId xmlns:a16="http://schemas.microsoft.com/office/drawing/2014/main" id="{43C4FF75-85A0-D3D8-C2C6-3C579A3AC3C7}"/>
+                <a16:creationId xmlns:a16="http://schemas.microsoft.com/office/drawing/2014/main" id="{99C8667E-058A-436F-B8EA-5B3A99D43D09}"/>
               </a:ext>
             </a:extLst>
           </p:cNvPr>
@@ -266,11 +263,11 @@
           <a:bodyPr/>
           <a:lstStyle/>
           <a:p>
-            <a:fld id="{322C9020-58D6-4B4B-AE71-CBBD8D6FD410}" type="datetimeFigureOut">
-              <a:rPr lang="en-CH" smtClean="0"/>
-              <a:t>06.08.23</a:t>
+            <a:fld id="{2F3E8B1C-86EF-43CF-8304-249481088644}" type="datetimeFigureOut">
+              <a:rPr lang="en-US" smtClean="0"/>
+              <a:t>9/3/23</a:t>
             </a:fld>
-            <a:endParaRPr lang="en-CH"/>
+            <a:endParaRPr lang="en-US"/>
           </a:p>
         </p:txBody>
       </p:sp>
@@ -279,7 +276,7 @@
           <p:cNvPr id="5" name="Footer Placeholder 4">
             <a:extLst>
               <a:ext uri="{FF2B5EF4-FFF2-40B4-BE49-F238E27FC236}">
-                <a16:creationId xmlns:a16="http://schemas.microsoft.com/office/drawing/2014/main" id="{50FECE30-1BA0-E91E-E69B-EBBDD0D33C48}"/>
+                <a16:creationId xmlns:a16="http://schemas.microsoft.com/office/drawing/2014/main" id="{52680305-1AD7-482D-BFFD-6CDB83AB39A4}"/>
               </a:ext>
             </a:extLst>
           </p:cNvPr>
@@ -295,7 +292,7 @@
           <a:bodyPr/>
           <a:lstStyle/>
           <a:p>
-            <a:endParaRPr lang="en-CH"/>
+            <a:endParaRPr lang="en-US"/>
           </a:p>
         </p:txBody>
       </p:sp>
@@ -304,7 +301,7 @@
           <p:cNvPr id="6" name="Slide Number Placeholder 5">
             <a:extLst>
               <a:ext uri="{FF2B5EF4-FFF2-40B4-BE49-F238E27FC236}">
-                <a16:creationId xmlns:a16="http://schemas.microsoft.com/office/drawing/2014/main" id="{07E308F0-B5A7-CB50-32C7-23CF8953BB01}"/>
+                <a16:creationId xmlns:a16="http://schemas.microsoft.com/office/drawing/2014/main" id="{BE5762A1-52E9-402D-B65E-DF193E44CE83}"/>
               </a:ext>
             </a:extLst>
           </p:cNvPr>
@@ -320,18 +317,18 @@
           <a:bodyPr/>
           <a:lstStyle/>
           <a:p>
-            <a:fld id="{44A51453-4106-7949-847C-1FA663AA342B}" type="slidenum">
-              <a:rPr lang="en-CH" smtClean="0"/>
+            <a:fld id="{C3DB2ADC-AF19-4574-8C10-79B5B04FCA27}" type="slidenum">
+              <a:rPr lang="en-US" smtClean="0"/>
               <a:t>‹#›</a:t>
             </a:fld>
-            <a:endParaRPr lang="en-CH"/>
+            <a:endParaRPr lang="en-US"/>
           </a:p>
         </p:txBody>
       </p:sp>
     </p:spTree>
     <p:extLst>
       <p:ext uri="{BB962C8B-B14F-4D97-AF65-F5344CB8AC3E}">
-        <p14:creationId xmlns:p14="http://schemas.microsoft.com/office/powerpoint/2010/main" val="1428391941"/>
+        <p14:creationId xmlns:p14="http://schemas.microsoft.com/office/powerpoint/2010/main" val="2754200867"/>
       </p:ext>
     </p:extLst>
   </p:cSld>
@@ -363,7 +360,7 @@
           <p:cNvPr id="2" name="Title 1">
             <a:extLst>
               <a:ext uri="{FF2B5EF4-FFF2-40B4-BE49-F238E27FC236}">
-                <a16:creationId xmlns:a16="http://schemas.microsoft.com/office/drawing/2014/main" id="{483F29AA-C576-75DE-05C7-3761B884425A}"/>
+                <a16:creationId xmlns:a16="http://schemas.microsoft.com/office/drawing/2014/main" id="{7D6359C1-C098-4BF4-A55D-782F4E606B8A}"/>
               </a:ext>
             </a:extLst>
           </p:cNvPr>
@@ -380,10 +377,9 @@
           <a:lstStyle/>
           <a:p>
             <a:r>
-              <a:rPr lang="en-GB"/>
+              <a:rPr lang="en-US"/>
               <a:t>Click to edit Master title style</a:t>
             </a:r>
-            <a:endParaRPr lang="en-CH"/>
           </a:p>
         </p:txBody>
       </p:sp>
@@ -392,7 +388,7 @@
           <p:cNvPr id="3" name="Vertical Text Placeholder 2">
             <a:extLst>
               <a:ext uri="{FF2B5EF4-FFF2-40B4-BE49-F238E27FC236}">
-                <a16:creationId xmlns:a16="http://schemas.microsoft.com/office/drawing/2014/main" id="{BEFAAEFB-943D-EA63-92B1-D47C97432D99}"/>
+                <a16:creationId xmlns:a16="http://schemas.microsoft.com/office/drawing/2014/main" id="{3D343C7E-1E8B-4D38-9B81-1AA2A8978EDE}"/>
               </a:ext>
             </a:extLst>
           </p:cNvPr>
@@ -410,38 +406,37 @@
           <a:p>
             <a:pPr lvl="0"/>
             <a:r>
-              <a:rPr lang="en-GB"/>
+              <a:rPr lang="en-US"/>
               <a:t>Click to edit Master text styles</a:t>
             </a:r>
           </a:p>
           <a:p>
             <a:pPr lvl="1"/>
             <a:r>
-              <a:rPr lang="en-GB"/>
+              <a:rPr lang="en-US"/>
               <a:t>Second level</a:t>
             </a:r>
           </a:p>
           <a:p>
             <a:pPr lvl="2"/>
             <a:r>
-              <a:rPr lang="en-GB"/>
+              <a:rPr lang="en-US"/>
               <a:t>Third level</a:t>
             </a:r>
           </a:p>
           <a:p>
             <a:pPr lvl="3"/>
             <a:r>
-              <a:rPr lang="en-GB"/>
+              <a:rPr lang="en-US"/>
               <a:t>Fourth level</a:t>
             </a:r>
           </a:p>
           <a:p>
             <a:pPr lvl="4"/>
             <a:r>
-              <a:rPr lang="en-GB"/>
+              <a:rPr lang="en-US"/>
               <a:t>Fifth level</a:t>
             </a:r>
-            <a:endParaRPr lang="en-CH"/>
           </a:p>
         </p:txBody>
       </p:sp>
@@ -450,7 +445,7 @@
           <p:cNvPr id="4" name="Date Placeholder 3">
             <a:extLst>
               <a:ext uri="{FF2B5EF4-FFF2-40B4-BE49-F238E27FC236}">
-                <a16:creationId xmlns:a16="http://schemas.microsoft.com/office/drawing/2014/main" id="{31C13001-E9B2-B896-7FE6-E33DC7895F37}"/>
+                <a16:creationId xmlns:a16="http://schemas.microsoft.com/office/drawing/2014/main" id="{C8A70B00-53AE-4D3F-91BE-A8D789ED9864}"/>
               </a:ext>
             </a:extLst>
           </p:cNvPr>
@@ -466,11 +461,11 @@
           <a:bodyPr/>
           <a:lstStyle/>
           <a:p>
-            <a:fld id="{322C9020-58D6-4B4B-AE71-CBBD8D6FD410}" type="datetimeFigureOut">
-              <a:rPr lang="en-CH" smtClean="0"/>
-              <a:t>06.08.23</a:t>
+            <a:fld id="{2F3E8B1C-86EF-43CF-8304-249481088644}" type="datetimeFigureOut">
+              <a:rPr lang="en-US" smtClean="0"/>
+              <a:t>9/3/23</a:t>
             </a:fld>
-            <a:endParaRPr lang="en-CH"/>
+            <a:endParaRPr lang="en-US"/>
           </a:p>
         </p:txBody>
       </p:sp>
@@ -479,7 +474,7 @@
           <p:cNvPr id="5" name="Footer Placeholder 4">
             <a:extLst>
               <a:ext uri="{FF2B5EF4-FFF2-40B4-BE49-F238E27FC236}">
-                <a16:creationId xmlns:a16="http://schemas.microsoft.com/office/drawing/2014/main" id="{C089020C-EFBE-9711-DB6A-2C1F9102A9AF}"/>
+                <a16:creationId xmlns:a16="http://schemas.microsoft.com/office/drawing/2014/main" id="{06647FC7-8124-4F70-A849-B6BCC5189CC3}"/>
               </a:ext>
             </a:extLst>
           </p:cNvPr>
@@ -495,7 +490,7 @@
           <a:bodyPr/>
           <a:lstStyle/>
           <a:p>
-            <a:endParaRPr lang="en-CH"/>
+            <a:endParaRPr lang="en-US"/>
           </a:p>
         </p:txBody>
       </p:sp>
@@ -504,7 +499,7 @@
           <p:cNvPr id="6" name="Slide Number Placeholder 5">
             <a:extLst>
               <a:ext uri="{FF2B5EF4-FFF2-40B4-BE49-F238E27FC236}">
-                <a16:creationId xmlns:a16="http://schemas.microsoft.com/office/drawing/2014/main" id="{9C5BD7D3-A42E-33ED-DE4C-296F280ABEEA}"/>
+                <a16:creationId xmlns:a16="http://schemas.microsoft.com/office/drawing/2014/main" id="{B47CEBE4-50DC-47DB-B699-CCC024336C9F}"/>
               </a:ext>
             </a:extLst>
           </p:cNvPr>
@@ -520,18 +515,18 @@
           <a:bodyPr/>
           <a:lstStyle/>
           <a:p>
-            <a:fld id="{44A51453-4106-7949-847C-1FA663AA342B}" type="slidenum">
-              <a:rPr lang="en-CH" smtClean="0"/>
+            <a:fld id="{C3DB2ADC-AF19-4574-8C10-79B5B04FCA27}" type="slidenum">
+              <a:rPr lang="en-US" smtClean="0"/>
               <a:t>‹#›</a:t>
             </a:fld>
-            <a:endParaRPr lang="en-CH"/>
+            <a:endParaRPr lang="en-US"/>
           </a:p>
         </p:txBody>
       </p:sp>
     </p:spTree>
     <p:extLst>
       <p:ext uri="{BB962C8B-B14F-4D97-AF65-F5344CB8AC3E}">
-        <p14:creationId xmlns:p14="http://schemas.microsoft.com/office/powerpoint/2010/main" val="3670968290"/>
+        <p14:creationId xmlns:p14="http://schemas.microsoft.com/office/powerpoint/2010/main" val="2348517062"/>
       </p:ext>
     </p:extLst>
   </p:cSld>
@@ -563,7 +558,7 @@
           <p:cNvPr id="2" name="Vertical Title 1">
             <a:extLst>
               <a:ext uri="{FF2B5EF4-FFF2-40B4-BE49-F238E27FC236}">
-                <a16:creationId xmlns:a16="http://schemas.microsoft.com/office/drawing/2014/main" id="{EE31CB33-C99C-73B8-ADAC-E381FD38D94B}"/>
+                <a16:creationId xmlns:a16="http://schemas.microsoft.com/office/drawing/2014/main" id="{4B418279-D3B8-4C6A-AB74-9DE377771270}"/>
               </a:ext>
             </a:extLst>
           </p:cNvPr>
@@ -576,8 +571,8 @@
         </p:nvSpPr>
         <p:spPr>
           <a:xfrm>
-            <a:off x="8724900" y="365125"/>
-            <a:ext cx="2628900" cy="5811838"/>
+            <a:off x="9242322" y="997974"/>
+            <a:ext cx="2349043" cy="4984956"/>
           </a:xfrm>
         </p:spPr>
         <p:txBody>
@@ -585,10 +580,9 @@
           <a:lstStyle/>
           <a:p>
             <a:r>
-              <a:rPr lang="en-GB"/>
+              <a:rPr lang="en-US" dirty="0"/>
               <a:t>Click to edit Master title style</a:t>
             </a:r>
-            <a:endParaRPr lang="en-CH"/>
           </a:p>
         </p:txBody>
       </p:sp>
@@ -597,7 +591,7 @@
           <p:cNvPr id="3" name="Vertical Text Placeholder 2">
             <a:extLst>
               <a:ext uri="{FF2B5EF4-FFF2-40B4-BE49-F238E27FC236}">
-                <a16:creationId xmlns:a16="http://schemas.microsoft.com/office/drawing/2014/main" id="{5B96DC8E-DA32-428A-3838-21630E5EF066}"/>
+                <a16:creationId xmlns:a16="http://schemas.microsoft.com/office/drawing/2014/main" id="{E28F733C-9309-4197-BACA-207CDC8935C9}"/>
               </a:ext>
             </a:extLst>
           </p:cNvPr>
@@ -610,8 +604,8 @@
         </p:nvSpPr>
         <p:spPr>
           <a:xfrm>
-            <a:off x="838200" y="365125"/>
-            <a:ext cx="7734300" cy="5811838"/>
+            <a:off x="838200" y="997973"/>
+            <a:ext cx="8404122" cy="4984956"/>
           </a:xfrm>
         </p:spPr>
         <p:txBody>
@@ -620,38 +614,37 @@
           <a:p>
             <a:pPr lvl="0"/>
             <a:r>
-              <a:rPr lang="en-GB"/>
+              <a:rPr lang="en-US" dirty="0"/>
               <a:t>Click to edit Master text styles</a:t>
             </a:r>
           </a:p>
           <a:p>
             <a:pPr lvl="1"/>
             <a:r>
-              <a:rPr lang="en-GB"/>
+              <a:rPr lang="en-US" dirty="0"/>
               <a:t>Second level</a:t>
             </a:r>
           </a:p>
           <a:p>
             <a:pPr lvl="2"/>
             <a:r>
-              <a:rPr lang="en-GB"/>
+              <a:rPr lang="en-US" dirty="0"/>
               <a:t>Third level</a:t>
             </a:r>
           </a:p>
           <a:p>
             <a:pPr lvl="3"/>
             <a:r>
-              <a:rPr lang="en-GB"/>
+              <a:rPr lang="en-US" dirty="0"/>
               <a:t>Fourth level</a:t>
             </a:r>
           </a:p>
           <a:p>
             <a:pPr lvl="4"/>
             <a:r>
-              <a:rPr lang="en-GB"/>
+              <a:rPr lang="en-US" dirty="0"/>
               <a:t>Fifth level</a:t>
             </a:r>
-            <a:endParaRPr lang="en-CH"/>
           </a:p>
         </p:txBody>
       </p:sp>
@@ -660,7 +653,7 @@
           <p:cNvPr id="4" name="Date Placeholder 3">
             <a:extLst>
               <a:ext uri="{FF2B5EF4-FFF2-40B4-BE49-F238E27FC236}">
-                <a16:creationId xmlns:a16="http://schemas.microsoft.com/office/drawing/2014/main" id="{AEBBE0F9-EE75-F498-8C44-9633991F48CA}"/>
+                <a16:creationId xmlns:a16="http://schemas.microsoft.com/office/drawing/2014/main" id="{56ACD4D0-5BE6-412D-B08B-5DFFD593513E}"/>
               </a:ext>
             </a:extLst>
           </p:cNvPr>
@@ -676,11 +669,11 @@
           <a:bodyPr/>
           <a:lstStyle/>
           <a:p>
-            <a:fld id="{322C9020-58D6-4B4B-AE71-CBBD8D6FD410}" type="datetimeFigureOut">
-              <a:rPr lang="en-CH" smtClean="0"/>
-              <a:t>06.08.23</a:t>
+            <a:fld id="{2F3E8B1C-86EF-43CF-8304-249481088644}" type="datetimeFigureOut">
+              <a:rPr lang="en-US" smtClean="0"/>
+              <a:t>9/3/23</a:t>
             </a:fld>
-            <a:endParaRPr lang="en-CH"/>
+            <a:endParaRPr lang="en-US"/>
           </a:p>
         </p:txBody>
       </p:sp>
@@ -689,7 +682,7 @@
           <p:cNvPr id="5" name="Footer Placeholder 4">
             <a:extLst>
               <a:ext uri="{FF2B5EF4-FFF2-40B4-BE49-F238E27FC236}">
-                <a16:creationId xmlns:a16="http://schemas.microsoft.com/office/drawing/2014/main" id="{ABADD194-B54F-383D-43CC-DCCFDD29B04B}"/>
+                <a16:creationId xmlns:a16="http://schemas.microsoft.com/office/drawing/2014/main" id="{55021651-B786-4A39-A10F-F5231D0A2C5E}"/>
               </a:ext>
             </a:extLst>
           </p:cNvPr>
@@ -705,7 +698,7 @@
           <a:bodyPr/>
           <a:lstStyle/>
           <a:p>
-            <a:endParaRPr lang="en-CH"/>
+            <a:endParaRPr lang="en-US"/>
           </a:p>
         </p:txBody>
       </p:sp>
@@ -714,7 +707,7 @@
           <p:cNvPr id="6" name="Slide Number Placeholder 5">
             <a:extLst>
               <a:ext uri="{FF2B5EF4-FFF2-40B4-BE49-F238E27FC236}">
-                <a16:creationId xmlns:a16="http://schemas.microsoft.com/office/drawing/2014/main" id="{2E99EC78-1D9B-755E-D4B7-E6EAA4C898D4}"/>
+                <a16:creationId xmlns:a16="http://schemas.microsoft.com/office/drawing/2014/main" id="{74504D2D-9379-40DE-9F45-3004BE54F16B}"/>
               </a:ext>
             </a:extLst>
           </p:cNvPr>
@@ -730,18 +723,18 @@
           <a:bodyPr/>
           <a:lstStyle/>
           <a:p>
-            <a:fld id="{44A51453-4106-7949-847C-1FA663AA342B}" type="slidenum">
-              <a:rPr lang="en-CH" smtClean="0"/>
+            <a:fld id="{C3DB2ADC-AF19-4574-8C10-79B5B04FCA27}" type="slidenum">
+              <a:rPr lang="en-US" smtClean="0"/>
               <a:t>‹#›</a:t>
             </a:fld>
-            <a:endParaRPr lang="en-CH"/>
+            <a:endParaRPr lang="en-US"/>
           </a:p>
         </p:txBody>
       </p:sp>
     </p:spTree>
     <p:extLst>
       <p:ext uri="{BB962C8B-B14F-4D97-AF65-F5344CB8AC3E}">
-        <p14:creationId xmlns:p14="http://schemas.microsoft.com/office/powerpoint/2010/main" val="2958345857"/>
+        <p14:creationId xmlns:p14="http://schemas.microsoft.com/office/powerpoint/2010/main" val="4268382702"/>
       </p:ext>
     </p:extLst>
   </p:cSld>
@@ -773,7 +766,7 @@
           <p:cNvPr id="2" name="Title 1">
             <a:extLst>
               <a:ext uri="{FF2B5EF4-FFF2-40B4-BE49-F238E27FC236}">
-                <a16:creationId xmlns:a16="http://schemas.microsoft.com/office/drawing/2014/main" id="{FB247260-2540-D64D-2528-D7346228E6A2}"/>
+                <a16:creationId xmlns:a16="http://schemas.microsoft.com/office/drawing/2014/main" id="{5A987CA6-BFD9-4CB1-8892-F6B062E82445}"/>
               </a:ext>
             </a:extLst>
           </p:cNvPr>
@@ -790,10 +783,9 @@
           <a:lstStyle/>
           <a:p>
             <a:r>
-              <a:rPr lang="en-GB"/>
+              <a:rPr lang="en-US"/>
               <a:t>Click to edit Master title style</a:t>
             </a:r>
-            <a:endParaRPr lang="en-CH"/>
           </a:p>
         </p:txBody>
       </p:sp>
@@ -802,7 +794,7 @@
           <p:cNvPr id="3" name="Content Placeholder 2">
             <a:extLst>
               <a:ext uri="{FF2B5EF4-FFF2-40B4-BE49-F238E27FC236}">
-                <a16:creationId xmlns:a16="http://schemas.microsoft.com/office/drawing/2014/main" id="{E79D9037-D1AD-02DD-5275-6C219E03328D}"/>
+                <a16:creationId xmlns:a16="http://schemas.microsoft.com/office/drawing/2014/main" id="{E0CDA8C3-9C0C-4E52-9A62-E4DB159E6B0E}"/>
               </a:ext>
             </a:extLst>
           </p:cNvPr>
@@ -820,38 +812,37 @@
           <a:p>
             <a:pPr lvl="0"/>
             <a:r>
-              <a:rPr lang="en-GB"/>
+              <a:rPr lang="en-US"/>
               <a:t>Click to edit Master text styles</a:t>
             </a:r>
           </a:p>
           <a:p>
             <a:pPr lvl="1"/>
             <a:r>
-              <a:rPr lang="en-GB"/>
+              <a:rPr lang="en-US"/>
               <a:t>Second level</a:t>
             </a:r>
           </a:p>
           <a:p>
             <a:pPr lvl="2"/>
             <a:r>
-              <a:rPr lang="en-GB"/>
+              <a:rPr lang="en-US"/>
               <a:t>Third level</a:t>
             </a:r>
           </a:p>
           <a:p>
             <a:pPr lvl="3"/>
             <a:r>
-              <a:rPr lang="en-GB"/>
+              <a:rPr lang="en-US"/>
               <a:t>Fourth level</a:t>
             </a:r>
           </a:p>
           <a:p>
             <a:pPr lvl="4"/>
             <a:r>
-              <a:rPr lang="en-GB"/>
+              <a:rPr lang="en-US"/>
               <a:t>Fifth level</a:t>
             </a:r>
-            <a:endParaRPr lang="en-CH"/>
           </a:p>
         </p:txBody>
       </p:sp>
@@ -860,7 +851,7 @@
           <p:cNvPr id="4" name="Date Placeholder 3">
             <a:extLst>
               <a:ext uri="{FF2B5EF4-FFF2-40B4-BE49-F238E27FC236}">
-                <a16:creationId xmlns:a16="http://schemas.microsoft.com/office/drawing/2014/main" id="{36360EAD-2229-9A4A-81B7-57EEAEA4ABA1}"/>
+                <a16:creationId xmlns:a16="http://schemas.microsoft.com/office/drawing/2014/main" id="{7CC3EC35-E02F-41FF-9232-F90692A902FC}"/>
               </a:ext>
             </a:extLst>
           </p:cNvPr>
@@ -876,11 +867,11 @@
           <a:bodyPr/>
           <a:lstStyle/>
           <a:p>
-            <a:fld id="{322C9020-58D6-4B4B-AE71-CBBD8D6FD410}" type="datetimeFigureOut">
-              <a:rPr lang="en-CH" smtClean="0"/>
-              <a:t>06.08.23</a:t>
+            <a:fld id="{2F3E8B1C-86EF-43CF-8304-249481088644}" type="datetimeFigureOut">
+              <a:rPr lang="en-US" smtClean="0"/>
+              <a:t>9/3/23</a:t>
             </a:fld>
-            <a:endParaRPr lang="en-CH"/>
+            <a:endParaRPr lang="en-US"/>
           </a:p>
         </p:txBody>
       </p:sp>
@@ -889,7 +880,7 @@
           <p:cNvPr id="5" name="Footer Placeholder 4">
             <a:extLst>
               <a:ext uri="{FF2B5EF4-FFF2-40B4-BE49-F238E27FC236}">
-                <a16:creationId xmlns:a16="http://schemas.microsoft.com/office/drawing/2014/main" id="{1B78B1F6-87FB-24E5-4291-4E759A0492B3}"/>
+                <a16:creationId xmlns:a16="http://schemas.microsoft.com/office/drawing/2014/main" id="{39D13D38-5DF1-443B-8A12-71E834FDC6A1}"/>
               </a:ext>
             </a:extLst>
           </p:cNvPr>
@@ -905,7 +896,7 @@
           <a:bodyPr/>
           <a:lstStyle/>
           <a:p>
-            <a:endParaRPr lang="en-CH"/>
+            <a:endParaRPr lang="en-US"/>
           </a:p>
         </p:txBody>
       </p:sp>
@@ -914,7 +905,7 @@
           <p:cNvPr id="6" name="Slide Number Placeholder 5">
             <a:extLst>
               <a:ext uri="{FF2B5EF4-FFF2-40B4-BE49-F238E27FC236}">
-                <a16:creationId xmlns:a16="http://schemas.microsoft.com/office/drawing/2014/main" id="{7B78C72F-B6E7-5926-8E0A-09EF6B3EAB36}"/>
+                <a16:creationId xmlns:a16="http://schemas.microsoft.com/office/drawing/2014/main" id="{F25E644A-4A37-4757-9809-5B035E2874E6}"/>
               </a:ext>
             </a:extLst>
           </p:cNvPr>
@@ -930,18 +921,18 @@
           <a:bodyPr/>
           <a:lstStyle/>
           <a:p>
-            <a:fld id="{44A51453-4106-7949-847C-1FA663AA342B}" type="slidenum">
-              <a:rPr lang="en-CH" smtClean="0"/>
+            <a:fld id="{C3DB2ADC-AF19-4574-8C10-79B5B04FCA27}" type="slidenum">
+              <a:rPr lang="en-US" smtClean="0"/>
               <a:t>‹#›</a:t>
             </a:fld>
-            <a:endParaRPr lang="en-CH"/>
+            <a:endParaRPr lang="en-US"/>
           </a:p>
         </p:txBody>
       </p:sp>
     </p:spTree>
     <p:extLst>
       <p:ext uri="{BB962C8B-B14F-4D97-AF65-F5344CB8AC3E}">
-        <p14:creationId xmlns:p14="http://schemas.microsoft.com/office/powerpoint/2010/main" val="868399961"/>
+        <p14:creationId xmlns:p14="http://schemas.microsoft.com/office/powerpoint/2010/main" val="299172276"/>
       </p:ext>
     </p:extLst>
   </p:cSld>
@@ -973,7 +964,7 @@
           <p:cNvPr id="2" name="Title 1">
             <a:extLst>
               <a:ext uri="{FF2B5EF4-FFF2-40B4-BE49-F238E27FC236}">
-                <a16:creationId xmlns:a16="http://schemas.microsoft.com/office/drawing/2014/main" id="{F68EF950-C753-EED1-64A3-7909EBC965D1}"/>
+                <a16:creationId xmlns:a16="http://schemas.microsoft.com/office/drawing/2014/main" id="{70E6578B-CD85-4BF1-A729-E8E8079B595F}"/>
               </a:ext>
             </a:extLst>
           </p:cNvPr>
@@ -986,8 +977,8 @@
         </p:nvSpPr>
         <p:spPr>
           <a:xfrm>
-            <a:off x="831850" y="1709738"/>
-            <a:ext cx="10515600" cy="2852737"/>
+            <a:off x="715383" y="1709738"/>
+            <a:ext cx="10632067" cy="2852737"/>
           </a:xfrm>
         </p:spPr>
         <p:txBody>
@@ -999,10 +990,9 @@
           </a:lstStyle>
           <a:p>
             <a:r>
-              <a:rPr lang="en-GB"/>
+              <a:rPr lang="en-US" dirty="0"/>
               <a:t>Click to edit Master title style</a:t>
             </a:r>
-            <a:endParaRPr lang="en-CH"/>
           </a:p>
         </p:txBody>
       </p:sp>
@@ -1011,7 +1001,7 @@
           <p:cNvPr id="3" name="Text Placeholder 2">
             <a:extLst>
               <a:ext uri="{FF2B5EF4-FFF2-40B4-BE49-F238E27FC236}">
-                <a16:creationId xmlns:a16="http://schemas.microsoft.com/office/drawing/2014/main" id="{0F3EBA2A-BBA3-343B-3922-3B6B9CED7D96}"/>
+                <a16:creationId xmlns:a16="http://schemas.microsoft.com/office/drawing/2014/main" id="{A58448C1-C13F-4826-8347-EEB00A6643D6}"/>
               </a:ext>
             </a:extLst>
           </p:cNvPr>
@@ -1024,8 +1014,8 @@
         </p:nvSpPr>
         <p:spPr>
           <a:xfrm>
-            <a:off x="831850" y="4589463"/>
-            <a:ext cx="10515600" cy="1500187"/>
+            <a:off x="715383" y="4589463"/>
+            <a:ext cx="10632067" cy="1500187"/>
           </a:xfrm>
         </p:spPr>
         <p:txBody>
@@ -1125,7 +1115,7 @@
           <a:p>
             <a:pPr lvl="0"/>
             <a:r>
-              <a:rPr lang="en-GB"/>
+              <a:rPr lang="en-US"/>
               <a:t>Click to edit Master text styles</a:t>
             </a:r>
           </a:p>
@@ -1136,7 +1126,7 @@
           <p:cNvPr id="4" name="Date Placeholder 3">
             <a:extLst>
               <a:ext uri="{FF2B5EF4-FFF2-40B4-BE49-F238E27FC236}">
-                <a16:creationId xmlns:a16="http://schemas.microsoft.com/office/drawing/2014/main" id="{B4C301F9-9C97-D1E6-4444-3F84DEF4F0AE}"/>
+                <a16:creationId xmlns:a16="http://schemas.microsoft.com/office/drawing/2014/main" id="{5806546A-957F-4C4D-9744-1177AD258E10}"/>
               </a:ext>
             </a:extLst>
           </p:cNvPr>
@@ -1152,11 +1142,11 @@
           <a:bodyPr/>
           <a:lstStyle/>
           <a:p>
-            <a:fld id="{322C9020-58D6-4B4B-AE71-CBBD8D6FD410}" type="datetimeFigureOut">
-              <a:rPr lang="en-CH" smtClean="0"/>
-              <a:t>06.08.23</a:t>
+            <a:fld id="{2F3E8B1C-86EF-43CF-8304-249481088644}" type="datetimeFigureOut">
+              <a:rPr lang="en-US" smtClean="0"/>
+              <a:t>9/3/23</a:t>
             </a:fld>
-            <a:endParaRPr lang="en-CH"/>
+            <a:endParaRPr lang="en-US"/>
           </a:p>
         </p:txBody>
       </p:sp>
@@ -1165,7 +1155,7 @@
           <p:cNvPr id="5" name="Footer Placeholder 4">
             <a:extLst>
               <a:ext uri="{FF2B5EF4-FFF2-40B4-BE49-F238E27FC236}">
-                <a16:creationId xmlns:a16="http://schemas.microsoft.com/office/drawing/2014/main" id="{F25858E8-CA9D-D3B8-BE46-A6DC94F89D32}"/>
+                <a16:creationId xmlns:a16="http://schemas.microsoft.com/office/drawing/2014/main" id="{B1DB149C-CC63-4E3A-A83D-EF637EB51979}"/>
               </a:ext>
             </a:extLst>
           </p:cNvPr>
@@ -1181,7 +1171,7 @@
           <a:bodyPr/>
           <a:lstStyle/>
           <a:p>
-            <a:endParaRPr lang="en-CH"/>
+            <a:endParaRPr lang="en-US"/>
           </a:p>
         </p:txBody>
       </p:sp>
@@ -1190,7 +1180,7 @@
           <p:cNvPr id="6" name="Slide Number Placeholder 5">
             <a:extLst>
               <a:ext uri="{FF2B5EF4-FFF2-40B4-BE49-F238E27FC236}">
-                <a16:creationId xmlns:a16="http://schemas.microsoft.com/office/drawing/2014/main" id="{FDBF5689-72EC-5C6A-7361-8574FBBEE380}"/>
+                <a16:creationId xmlns:a16="http://schemas.microsoft.com/office/drawing/2014/main" id="{EDB94775-7982-41EC-B584-D51224D38F77}"/>
               </a:ext>
             </a:extLst>
           </p:cNvPr>
@@ -1206,18 +1196,18 @@
           <a:bodyPr/>
           <a:lstStyle/>
           <a:p>
-            <a:fld id="{44A51453-4106-7949-847C-1FA663AA342B}" type="slidenum">
-              <a:rPr lang="en-CH" smtClean="0"/>
+            <a:fld id="{C3DB2ADC-AF19-4574-8C10-79B5B04FCA27}" type="slidenum">
+              <a:rPr lang="en-US" smtClean="0"/>
               <a:t>‹#›</a:t>
             </a:fld>
-            <a:endParaRPr lang="en-CH"/>
+            <a:endParaRPr lang="en-US"/>
           </a:p>
         </p:txBody>
       </p:sp>
     </p:spTree>
     <p:extLst>
       <p:ext uri="{BB962C8B-B14F-4D97-AF65-F5344CB8AC3E}">
-        <p14:creationId xmlns:p14="http://schemas.microsoft.com/office/powerpoint/2010/main" val="901165976"/>
+        <p14:creationId xmlns:p14="http://schemas.microsoft.com/office/powerpoint/2010/main" val="2876033466"/>
       </p:ext>
     </p:extLst>
   </p:cSld>
@@ -1249,7 +1239,7 @@
           <p:cNvPr id="2" name="Title 1">
             <a:extLst>
               <a:ext uri="{FF2B5EF4-FFF2-40B4-BE49-F238E27FC236}">
-                <a16:creationId xmlns:a16="http://schemas.microsoft.com/office/drawing/2014/main" id="{D43F43F8-E718-1850-AD03-80F64C9BD6EF}"/>
+                <a16:creationId xmlns:a16="http://schemas.microsoft.com/office/drawing/2014/main" id="{88CE4BD8-507D-48E4-A624-F16A741C3609}"/>
               </a:ext>
             </a:extLst>
           </p:cNvPr>
@@ -1258,104 +1248,45 @@
           </p:cNvSpPr>
           <p:nvPr>
             <p:ph type="title"/>
-          </p:nvPr>
-        </p:nvSpPr>
-        <p:spPr/>
-        <p:txBody>
-          <a:bodyPr/>
-          <a:lstStyle/>
-          <a:p>
-            <a:r>
-              <a:rPr lang="en-GB"/>
-              <a:t>Click to edit Master title style</a:t>
-            </a:r>
-            <a:endParaRPr lang="en-CH"/>
-          </a:p>
-        </p:txBody>
-      </p:sp>
-      <p:sp>
-        <p:nvSpPr>
-          <p:cNvPr id="3" name="Content Placeholder 2">
-            <a:extLst>
-              <a:ext uri="{FF2B5EF4-FFF2-40B4-BE49-F238E27FC236}">
-                <a16:creationId xmlns:a16="http://schemas.microsoft.com/office/drawing/2014/main" id="{41AE6A76-3A24-4160-B0BF-C09050E5B87E}"/>
-              </a:ext>
-            </a:extLst>
-          </p:cNvPr>
-          <p:cNvSpPr>
-            <a:spLocks noGrp="1"/>
-          </p:cNvSpPr>
-          <p:nvPr>
-            <p:ph sz="half" idx="1"/>
           </p:nvPr>
         </p:nvSpPr>
         <p:spPr>
           <a:xfrm>
-            <a:off x="838200" y="1825625"/>
-            <a:ext cx="5181600" cy="4351338"/>
+            <a:off x="700635" y="922096"/>
+            <a:ext cx="10691265" cy="1127930"/>
           </a:xfrm>
         </p:spPr>
         <p:txBody>
           <a:bodyPr/>
           <a:lstStyle/>
           <a:p>
-            <a:pPr lvl="0"/>
-            <a:r>
-              <a:rPr lang="en-GB"/>
-              <a:t>Click to edit Master text styles</a:t>
-            </a:r>
-          </a:p>
-          <a:p>
-            <a:pPr lvl="1"/>
-            <a:r>
-              <a:rPr lang="en-GB"/>
-              <a:t>Second level</a:t>
-            </a:r>
-          </a:p>
-          <a:p>
-            <a:pPr lvl="2"/>
-            <a:r>
-              <a:rPr lang="en-GB"/>
-              <a:t>Third level</a:t>
-            </a:r>
-          </a:p>
-          <a:p>
-            <a:pPr lvl="3"/>
-            <a:r>
-              <a:rPr lang="en-GB"/>
-              <a:t>Fourth level</a:t>
-            </a:r>
-          </a:p>
-          <a:p>
-            <a:pPr lvl="4"/>
-            <a:r>
-              <a:rPr lang="en-GB"/>
-              <a:t>Fifth level</a:t>
-            </a:r>
-            <a:endParaRPr lang="en-CH"/>
-          </a:p>
-        </p:txBody>
-      </p:sp>
-      <p:sp>
-        <p:nvSpPr>
-          <p:cNvPr id="4" name="Content Placeholder 3">
-            <a:extLst>
-              <a:ext uri="{FF2B5EF4-FFF2-40B4-BE49-F238E27FC236}">
-                <a16:creationId xmlns:a16="http://schemas.microsoft.com/office/drawing/2014/main" id="{73F019C5-E78B-A00C-7B6E-B3316322A311}"/>
-              </a:ext>
-            </a:extLst>
-          </p:cNvPr>
-          <p:cNvSpPr>
-            <a:spLocks noGrp="1"/>
-          </p:cNvSpPr>
-          <p:nvPr>
-            <p:ph sz="half" idx="2"/>
+            <a:r>
+              <a:rPr lang="en-US" dirty="0"/>
+              <a:t>Click to edit Master title style</a:t>
+            </a:r>
+          </a:p>
+        </p:txBody>
+      </p:sp>
+      <p:sp>
+        <p:nvSpPr>
+          <p:cNvPr id="3" name="Content Placeholder 2">
+            <a:extLst>
+              <a:ext uri="{FF2B5EF4-FFF2-40B4-BE49-F238E27FC236}">
+                <a16:creationId xmlns:a16="http://schemas.microsoft.com/office/drawing/2014/main" id="{810A07E4-3A39-457C-A059-7DFB6039D947}"/>
+              </a:ext>
+            </a:extLst>
+          </p:cNvPr>
+          <p:cNvSpPr>
+            <a:spLocks noGrp="1"/>
+          </p:cNvSpPr>
+          <p:nvPr>
+            <p:ph sz="half" idx="1"/>
           </p:nvPr>
         </p:nvSpPr>
         <p:spPr>
           <a:xfrm>
-            <a:off x="6172200" y="1825625"/>
-            <a:ext cx="5181600" cy="4351338"/>
+            <a:off x="715383" y="2128684"/>
+            <a:ext cx="5304417" cy="3844414"/>
           </a:xfrm>
         </p:spPr>
         <p:txBody>
@@ -1364,38 +1295,99 @@
           <a:p>
             <a:pPr lvl="0"/>
             <a:r>
-              <a:rPr lang="en-GB"/>
+              <a:rPr lang="en-US" dirty="0"/>
               <a:t>Click to edit Master text styles</a:t>
             </a:r>
           </a:p>
           <a:p>
             <a:pPr lvl="1"/>
             <a:r>
-              <a:rPr lang="en-GB"/>
+              <a:rPr lang="en-US" dirty="0"/>
               <a:t>Second level</a:t>
             </a:r>
           </a:p>
           <a:p>
             <a:pPr lvl="2"/>
             <a:r>
-              <a:rPr lang="en-GB"/>
+              <a:rPr lang="en-US" dirty="0"/>
               <a:t>Third level</a:t>
             </a:r>
           </a:p>
           <a:p>
             <a:pPr lvl="3"/>
             <a:r>
-              <a:rPr lang="en-GB"/>
+              <a:rPr lang="en-US" dirty="0"/>
               <a:t>Fourth level</a:t>
             </a:r>
           </a:p>
           <a:p>
             <a:pPr lvl="4"/>
             <a:r>
-              <a:rPr lang="en-GB"/>
+              <a:rPr lang="en-US" dirty="0"/>
               <a:t>Fifth level</a:t>
             </a:r>
-            <a:endParaRPr lang="en-CH"/>
+          </a:p>
+        </p:txBody>
+      </p:sp>
+      <p:sp>
+        <p:nvSpPr>
+          <p:cNvPr id="4" name="Content Placeholder 3">
+            <a:extLst>
+              <a:ext uri="{FF2B5EF4-FFF2-40B4-BE49-F238E27FC236}">
+                <a16:creationId xmlns:a16="http://schemas.microsoft.com/office/drawing/2014/main" id="{7B141E17-47CE-4A78-B0FA-0E9786DA67C5}"/>
+              </a:ext>
+            </a:extLst>
+          </p:cNvPr>
+          <p:cNvSpPr>
+            <a:spLocks noGrp="1"/>
+          </p:cNvSpPr>
+          <p:nvPr>
+            <p:ph sz="half" idx="2"/>
+          </p:nvPr>
+        </p:nvSpPr>
+        <p:spPr>
+          <a:xfrm>
+            <a:off x="6172200" y="2128684"/>
+            <a:ext cx="5219700" cy="3844414"/>
+          </a:xfrm>
+        </p:spPr>
+        <p:txBody>
+          <a:bodyPr/>
+          <a:lstStyle/>
+          <a:p>
+            <a:pPr lvl="0"/>
+            <a:r>
+              <a:rPr lang="en-US" dirty="0"/>
+              <a:t>Click to edit Master text styles</a:t>
+            </a:r>
+          </a:p>
+          <a:p>
+            <a:pPr lvl="1"/>
+            <a:r>
+              <a:rPr lang="en-US" dirty="0"/>
+              <a:t>Second level</a:t>
+            </a:r>
+          </a:p>
+          <a:p>
+            <a:pPr lvl="2"/>
+            <a:r>
+              <a:rPr lang="en-US" dirty="0"/>
+              <a:t>Third level</a:t>
+            </a:r>
+          </a:p>
+          <a:p>
+            <a:pPr lvl="3"/>
+            <a:r>
+              <a:rPr lang="en-US" dirty="0"/>
+              <a:t>Fourth level</a:t>
+            </a:r>
+          </a:p>
+          <a:p>
+            <a:pPr lvl="4"/>
+            <a:r>
+              <a:rPr lang="en-US" dirty="0"/>
+              <a:t>Fifth level</a:t>
+            </a:r>
           </a:p>
         </p:txBody>
       </p:sp>
@@ -1404,7 +1396,7 @@
           <p:cNvPr id="5" name="Date Placeholder 4">
             <a:extLst>
               <a:ext uri="{FF2B5EF4-FFF2-40B4-BE49-F238E27FC236}">
-                <a16:creationId xmlns:a16="http://schemas.microsoft.com/office/drawing/2014/main" id="{817061B6-C92E-2B4D-D16F-A3327F66BCDE}"/>
+                <a16:creationId xmlns:a16="http://schemas.microsoft.com/office/drawing/2014/main" id="{89F02C13-D3ED-4044-9716-F29D79A184C9}"/>
               </a:ext>
             </a:extLst>
           </p:cNvPr>
@@ -1420,11 +1412,11 @@
           <a:bodyPr/>
           <a:lstStyle/>
           <a:p>
-            <a:fld id="{322C9020-58D6-4B4B-AE71-CBBD8D6FD410}" type="datetimeFigureOut">
-              <a:rPr lang="en-CH" smtClean="0"/>
-              <a:t>06.08.23</a:t>
+            <a:fld id="{2F3E8B1C-86EF-43CF-8304-249481088644}" type="datetimeFigureOut">
+              <a:rPr lang="en-US" smtClean="0"/>
+              <a:t>9/3/23</a:t>
             </a:fld>
-            <a:endParaRPr lang="en-CH"/>
+            <a:endParaRPr lang="en-US"/>
           </a:p>
         </p:txBody>
       </p:sp>
@@ -1433,7 +1425,7 @@
           <p:cNvPr id="6" name="Footer Placeholder 5">
             <a:extLst>
               <a:ext uri="{FF2B5EF4-FFF2-40B4-BE49-F238E27FC236}">
-                <a16:creationId xmlns:a16="http://schemas.microsoft.com/office/drawing/2014/main" id="{404275D0-6991-7E5B-2AE8-596ECC22C7F1}"/>
+                <a16:creationId xmlns:a16="http://schemas.microsoft.com/office/drawing/2014/main" id="{8AF334AD-FB29-4355-B5CF-85E61B4F3409}"/>
               </a:ext>
             </a:extLst>
           </p:cNvPr>
@@ -1449,7 +1441,7 @@
           <a:bodyPr/>
           <a:lstStyle/>
           <a:p>
-            <a:endParaRPr lang="en-CH"/>
+            <a:endParaRPr lang="en-US"/>
           </a:p>
         </p:txBody>
       </p:sp>
@@ -1458,7 +1450,7 @@
           <p:cNvPr id="7" name="Slide Number Placeholder 6">
             <a:extLst>
               <a:ext uri="{FF2B5EF4-FFF2-40B4-BE49-F238E27FC236}">
-                <a16:creationId xmlns:a16="http://schemas.microsoft.com/office/drawing/2014/main" id="{AA7F5ED2-894A-C254-FF98-843BCE87DE33}"/>
+                <a16:creationId xmlns:a16="http://schemas.microsoft.com/office/drawing/2014/main" id="{BA5AA154-790C-4774-9C21-8C543E733F26}"/>
               </a:ext>
             </a:extLst>
           </p:cNvPr>
@@ -1474,18 +1466,18 @@
           <a:bodyPr/>
           <a:lstStyle/>
           <a:p>
-            <a:fld id="{44A51453-4106-7949-847C-1FA663AA342B}" type="slidenum">
-              <a:rPr lang="en-CH" smtClean="0"/>
+            <a:fld id="{C3DB2ADC-AF19-4574-8C10-79B5B04FCA27}" type="slidenum">
+              <a:rPr lang="en-US" smtClean="0"/>
               <a:t>‹#›</a:t>
             </a:fld>
-            <a:endParaRPr lang="en-CH"/>
+            <a:endParaRPr lang="en-US"/>
           </a:p>
         </p:txBody>
       </p:sp>
     </p:spTree>
     <p:extLst>
       <p:ext uri="{BB962C8B-B14F-4D97-AF65-F5344CB8AC3E}">
-        <p14:creationId xmlns:p14="http://schemas.microsoft.com/office/powerpoint/2010/main" val="322751795"/>
+        <p14:creationId xmlns:p14="http://schemas.microsoft.com/office/powerpoint/2010/main" val="51446073"/>
       </p:ext>
     </p:extLst>
   </p:cSld>
@@ -1517,7 +1509,7 @@
           <p:cNvPr id="2" name="Title 1">
             <a:extLst>
               <a:ext uri="{FF2B5EF4-FFF2-40B4-BE49-F238E27FC236}">
-                <a16:creationId xmlns:a16="http://schemas.microsoft.com/office/drawing/2014/main" id="{1DDBF018-3716-0252-E5F8-A058BAE279D6}"/>
+                <a16:creationId xmlns:a16="http://schemas.microsoft.com/office/drawing/2014/main" id="{9E07DD35-7673-4F88-86B0-634883B5E345}"/>
               </a:ext>
             </a:extLst>
           </p:cNvPr>
@@ -1530,8 +1522,8 @@
         </p:nvSpPr>
         <p:spPr>
           <a:xfrm>
-            <a:off x="839788" y="365125"/>
-            <a:ext cx="10515600" cy="1325563"/>
+            <a:off x="685887" y="929148"/>
+            <a:ext cx="10640005" cy="761540"/>
           </a:xfrm>
         </p:spPr>
         <p:txBody>
@@ -1539,10 +1531,9 @@
           <a:lstStyle/>
           <a:p>
             <a:r>
-              <a:rPr lang="en-GB"/>
+              <a:rPr lang="en-US" dirty="0"/>
               <a:t>Click to edit Master title style</a:t>
             </a:r>
-            <a:endParaRPr lang="en-CH"/>
           </a:p>
         </p:txBody>
       </p:sp>
@@ -1551,7 +1542,7 @@
           <p:cNvPr id="3" name="Text Placeholder 2">
             <a:extLst>
               <a:ext uri="{FF2B5EF4-FFF2-40B4-BE49-F238E27FC236}">
-                <a16:creationId xmlns:a16="http://schemas.microsoft.com/office/drawing/2014/main" id="{45BBA4A2-03EB-84B1-E67F-B6ABC71D9FA9}"/>
+                <a16:creationId xmlns:a16="http://schemas.microsoft.com/office/drawing/2014/main" id="{5EC820D7-3E0B-47C6-A583-C4C839C5AF03}"/>
               </a:ext>
             </a:extLst>
           </p:cNvPr>
@@ -1564,16 +1555,20 @@
         </p:nvSpPr>
         <p:spPr>
           <a:xfrm>
-            <a:off x="839788" y="1681163"/>
-            <a:ext cx="5157787" cy="823912"/>
+            <a:off x="715384" y="1681163"/>
+            <a:ext cx="5282192" cy="657225"/>
           </a:xfrm>
         </p:spPr>
         <p:txBody>
-          <a:bodyPr anchor="b"/>
+          <a:bodyPr anchor="b">
+            <a:normAutofit/>
+          </a:bodyPr>
           <a:lstStyle>
             <a:lvl1pPr marL="0" indent="0">
               <a:buNone/>
-              <a:defRPr sz="2400" b="1"/>
+              <a:defRPr sz="1600" b="1">
+                <a:latin typeface="+mj-lt"/>
+              </a:defRPr>
             </a:lvl1pPr>
             <a:lvl2pPr marL="457200" indent="0">
               <a:buNone/>
@@ -1611,7 +1606,7 @@
           <a:p>
             <a:pPr lvl="0"/>
             <a:r>
-              <a:rPr lang="en-GB"/>
+              <a:rPr lang="en-US" dirty="0"/>
               <a:t>Click to edit Master text styles</a:t>
             </a:r>
           </a:p>
@@ -1622,7 +1617,7 @@
           <p:cNvPr id="4" name="Content Placeholder 3">
             <a:extLst>
               <a:ext uri="{FF2B5EF4-FFF2-40B4-BE49-F238E27FC236}">
-                <a16:creationId xmlns:a16="http://schemas.microsoft.com/office/drawing/2014/main" id="{A861E446-5167-5471-D41D-B91084121688}"/>
+                <a16:creationId xmlns:a16="http://schemas.microsoft.com/office/drawing/2014/main" id="{6A839A7B-97D5-400F-B802-A0FF28FE9F15}"/>
               </a:ext>
             </a:extLst>
           </p:cNvPr>
@@ -1635,8 +1630,8 @@
         </p:nvSpPr>
         <p:spPr>
           <a:xfrm>
-            <a:off x="839788" y="2505075"/>
-            <a:ext cx="5157787" cy="3684588"/>
+            <a:off x="715384" y="2505075"/>
+            <a:ext cx="5282192" cy="3423777"/>
           </a:xfrm>
         </p:spPr>
         <p:txBody>
@@ -1645,38 +1640,37 @@
           <a:p>
             <a:pPr lvl="0"/>
             <a:r>
-              <a:rPr lang="en-GB"/>
+              <a:rPr lang="en-US" dirty="0"/>
               <a:t>Click to edit Master text styles</a:t>
             </a:r>
           </a:p>
           <a:p>
             <a:pPr lvl="1"/>
             <a:r>
-              <a:rPr lang="en-GB"/>
+              <a:rPr lang="en-US" dirty="0"/>
               <a:t>Second level</a:t>
             </a:r>
           </a:p>
           <a:p>
             <a:pPr lvl="2"/>
             <a:r>
-              <a:rPr lang="en-GB"/>
+              <a:rPr lang="en-US" dirty="0"/>
               <a:t>Third level</a:t>
             </a:r>
           </a:p>
           <a:p>
             <a:pPr lvl="3"/>
             <a:r>
-              <a:rPr lang="en-GB"/>
+              <a:rPr lang="en-US" dirty="0"/>
               <a:t>Fourth level</a:t>
             </a:r>
           </a:p>
           <a:p>
             <a:pPr lvl="4"/>
             <a:r>
-              <a:rPr lang="en-GB"/>
+              <a:rPr lang="en-US" dirty="0"/>
               <a:t>Fifth level</a:t>
             </a:r>
-            <a:endParaRPr lang="en-CH"/>
           </a:p>
         </p:txBody>
       </p:sp>
@@ -1685,7 +1679,7 @@
           <p:cNvPr id="5" name="Text Placeholder 4">
             <a:extLst>
               <a:ext uri="{FF2B5EF4-FFF2-40B4-BE49-F238E27FC236}">
-                <a16:creationId xmlns:a16="http://schemas.microsoft.com/office/drawing/2014/main" id="{C71440AA-BBA1-CFE9-1485-16E0F70E6A8E}"/>
+                <a16:creationId xmlns:a16="http://schemas.microsoft.com/office/drawing/2014/main" id="{C2E0ECA2-DBF1-4681-9DFA-93AFD1B371DB}"/>
               </a:ext>
             </a:extLst>
           </p:cNvPr>
@@ -1699,15 +1693,19 @@
         <p:spPr>
           <a:xfrm>
             <a:off x="6172200" y="1681163"/>
-            <a:ext cx="5183188" cy="823912"/>
+            <a:ext cx="5183188" cy="657225"/>
           </a:xfrm>
         </p:spPr>
         <p:txBody>
-          <a:bodyPr anchor="b"/>
+          <a:bodyPr anchor="b">
+            <a:normAutofit/>
+          </a:bodyPr>
           <a:lstStyle>
             <a:lvl1pPr marL="0" indent="0">
               <a:buNone/>
-              <a:defRPr sz="2400" b="1"/>
+              <a:defRPr sz="1600" b="1">
+                <a:latin typeface="+mj-lt"/>
+              </a:defRPr>
             </a:lvl1pPr>
             <a:lvl2pPr marL="457200" indent="0">
               <a:buNone/>
@@ -1745,7 +1743,7 @@
           <a:p>
             <a:pPr lvl="0"/>
             <a:r>
-              <a:rPr lang="en-GB"/>
+              <a:rPr lang="en-US" dirty="0"/>
               <a:t>Click to edit Master text styles</a:t>
             </a:r>
           </a:p>
@@ -1756,7 +1754,7 @@
           <p:cNvPr id="6" name="Content Placeholder 5">
             <a:extLst>
               <a:ext uri="{FF2B5EF4-FFF2-40B4-BE49-F238E27FC236}">
-                <a16:creationId xmlns:a16="http://schemas.microsoft.com/office/drawing/2014/main" id="{6B96D822-6CDA-40DB-D58E-07A5CF831C42}"/>
+                <a16:creationId xmlns:a16="http://schemas.microsoft.com/office/drawing/2014/main" id="{390EBBBB-517F-4ED7-9E51-CF0F7590B4D4}"/>
               </a:ext>
             </a:extLst>
           </p:cNvPr>
@@ -1770,7 +1768,7 @@
         <p:spPr>
           <a:xfrm>
             <a:off x="6172200" y="2505075"/>
-            <a:ext cx="5183188" cy="3684588"/>
+            <a:ext cx="5183188" cy="3423777"/>
           </a:xfrm>
         </p:spPr>
         <p:txBody>
@@ -1779,38 +1777,37 @@
           <a:p>
             <a:pPr lvl="0"/>
             <a:r>
-              <a:rPr lang="en-GB"/>
+              <a:rPr lang="en-US"/>
               <a:t>Click to edit Master text styles</a:t>
             </a:r>
           </a:p>
           <a:p>
             <a:pPr lvl="1"/>
             <a:r>
-              <a:rPr lang="en-GB"/>
+              <a:rPr lang="en-US"/>
               <a:t>Second level</a:t>
             </a:r>
           </a:p>
           <a:p>
             <a:pPr lvl="2"/>
             <a:r>
-              <a:rPr lang="en-GB"/>
+              <a:rPr lang="en-US"/>
               <a:t>Third level</a:t>
             </a:r>
           </a:p>
           <a:p>
             <a:pPr lvl="3"/>
             <a:r>
-              <a:rPr lang="en-GB"/>
+              <a:rPr lang="en-US"/>
               <a:t>Fourth level</a:t>
             </a:r>
           </a:p>
           <a:p>
             <a:pPr lvl="4"/>
             <a:r>
-              <a:rPr lang="en-GB"/>
+              <a:rPr lang="en-US"/>
               <a:t>Fifth level</a:t>
             </a:r>
-            <a:endParaRPr lang="en-CH"/>
           </a:p>
         </p:txBody>
       </p:sp>
@@ -1819,7 +1816,7 @@
           <p:cNvPr id="7" name="Date Placeholder 6">
             <a:extLst>
               <a:ext uri="{FF2B5EF4-FFF2-40B4-BE49-F238E27FC236}">
-                <a16:creationId xmlns:a16="http://schemas.microsoft.com/office/drawing/2014/main" id="{AFD17D69-A4DD-F8CC-A675-E64114F84752}"/>
+                <a16:creationId xmlns:a16="http://schemas.microsoft.com/office/drawing/2014/main" id="{2511B5C7-1E37-478F-B4B0-C7202FFE41B9}"/>
               </a:ext>
             </a:extLst>
           </p:cNvPr>
@@ -1835,11 +1832,11 @@
           <a:bodyPr/>
           <a:lstStyle/>
           <a:p>
-            <a:fld id="{322C9020-58D6-4B4B-AE71-CBBD8D6FD410}" type="datetimeFigureOut">
-              <a:rPr lang="en-CH" smtClean="0"/>
-              <a:t>06.08.23</a:t>
+            <a:fld id="{2F3E8B1C-86EF-43CF-8304-249481088644}" type="datetimeFigureOut">
+              <a:rPr lang="en-US" smtClean="0"/>
+              <a:t>9/3/23</a:t>
             </a:fld>
-            <a:endParaRPr lang="en-CH"/>
+            <a:endParaRPr lang="en-US"/>
           </a:p>
         </p:txBody>
       </p:sp>
@@ -1848,7 +1845,7 @@
           <p:cNvPr id="8" name="Footer Placeholder 7">
             <a:extLst>
               <a:ext uri="{FF2B5EF4-FFF2-40B4-BE49-F238E27FC236}">
-                <a16:creationId xmlns:a16="http://schemas.microsoft.com/office/drawing/2014/main" id="{EF67C424-9E5C-1F7A-F0D9-4FA8676123CA}"/>
+                <a16:creationId xmlns:a16="http://schemas.microsoft.com/office/drawing/2014/main" id="{9153F7EF-507C-4CB3-86C5-8B34FFFC1D86}"/>
               </a:ext>
             </a:extLst>
           </p:cNvPr>
@@ -1864,7 +1861,7 @@
           <a:bodyPr/>
           <a:lstStyle/>
           <a:p>
-            <a:endParaRPr lang="en-CH"/>
+            <a:endParaRPr lang="en-US"/>
           </a:p>
         </p:txBody>
       </p:sp>
@@ -1873,7 +1870,7 @@
           <p:cNvPr id="9" name="Slide Number Placeholder 8">
             <a:extLst>
               <a:ext uri="{FF2B5EF4-FFF2-40B4-BE49-F238E27FC236}">
-                <a16:creationId xmlns:a16="http://schemas.microsoft.com/office/drawing/2014/main" id="{EEF79C7C-8E73-4AD1-B045-E284A1456884}"/>
+                <a16:creationId xmlns:a16="http://schemas.microsoft.com/office/drawing/2014/main" id="{58E3DEA6-E4EB-4C2A-8B4F-55EC965B6219}"/>
               </a:ext>
             </a:extLst>
           </p:cNvPr>
@@ -1889,18 +1886,18 @@
           <a:bodyPr/>
           <a:lstStyle/>
           <a:p>
-            <a:fld id="{44A51453-4106-7949-847C-1FA663AA342B}" type="slidenum">
-              <a:rPr lang="en-CH" smtClean="0"/>
+            <a:fld id="{C3DB2ADC-AF19-4574-8C10-79B5B04FCA27}" type="slidenum">
+              <a:rPr lang="en-US" smtClean="0"/>
               <a:t>‹#›</a:t>
             </a:fld>
-            <a:endParaRPr lang="en-CH"/>
+            <a:endParaRPr lang="en-US"/>
           </a:p>
         </p:txBody>
       </p:sp>
     </p:spTree>
     <p:extLst>
       <p:ext uri="{BB962C8B-B14F-4D97-AF65-F5344CB8AC3E}">
-        <p14:creationId xmlns:p14="http://schemas.microsoft.com/office/powerpoint/2010/main" val="3595163072"/>
+        <p14:creationId xmlns:p14="http://schemas.microsoft.com/office/powerpoint/2010/main" val="2068869975"/>
       </p:ext>
     </p:extLst>
   </p:cSld>
@@ -1932,7 +1929,7 @@
           <p:cNvPr id="2" name="Title 1">
             <a:extLst>
               <a:ext uri="{FF2B5EF4-FFF2-40B4-BE49-F238E27FC236}">
-                <a16:creationId xmlns:a16="http://schemas.microsoft.com/office/drawing/2014/main" id="{C58EEFF6-21F5-45EC-9F3B-B2FD4A4CBAD9}"/>
+                <a16:creationId xmlns:a16="http://schemas.microsoft.com/office/drawing/2014/main" id="{38032964-A933-4B98-A141-A4B316DAFA9F}"/>
               </a:ext>
             </a:extLst>
           </p:cNvPr>
@@ -1949,10 +1946,9 @@
           <a:lstStyle/>
           <a:p>
             <a:r>
-              <a:rPr lang="en-GB"/>
+              <a:rPr lang="en-US" dirty="0"/>
               <a:t>Click to edit Master title style</a:t>
             </a:r>
-            <a:endParaRPr lang="en-CH"/>
           </a:p>
         </p:txBody>
       </p:sp>
@@ -1961,7 +1957,7 @@
           <p:cNvPr id="3" name="Date Placeholder 2">
             <a:extLst>
               <a:ext uri="{FF2B5EF4-FFF2-40B4-BE49-F238E27FC236}">
-                <a16:creationId xmlns:a16="http://schemas.microsoft.com/office/drawing/2014/main" id="{09F9B50A-575F-13A9-1DA7-F60D25BEE074}"/>
+                <a16:creationId xmlns:a16="http://schemas.microsoft.com/office/drawing/2014/main" id="{5D684C9D-23DA-42B0-9DD3-7592F72E8DC9}"/>
               </a:ext>
             </a:extLst>
           </p:cNvPr>
@@ -1977,11 +1973,11 @@
           <a:bodyPr/>
           <a:lstStyle/>
           <a:p>
-            <a:fld id="{322C9020-58D6-4B4B-AE71-CBBD8D6FD410}" type="datetimeFigureOut">
-              <a:rPr lang="en-CH" smtClean="0"/>
-              <a:t>06.08.23</a:t>
+            <a:fld id="{2F3E8B1C-86EF-43CF-8304-249481088644}" type="datetimeFigureOut">
+              <a:rPr lang="en-US" smtClean="0"/>
+              <a:t>9/3/23</a:t>
             </a:fld>
-            <a:endParaRPr lang="en-CH"/>
+            <a:endParaRPr lang="en-US"/>
           </a:p>
         </p:txBody>
       </p:sp>
@@ -1990,7 +1986,7 @@
           <p:cNvPr id="4" name="Footer Placeholder 3">
             <a:extLst>
               <a:ext uri="{FF2B5EF4-FFF2-40B4-BE49-F238E27FC236}">
-                <a16:creationId xmlns:a16="http://schemas.microsoft.com/office/drawing/2014/main" id="{41DB648E-BF9D-5DF0-C66C-641C1918C2B6}"/>
+                <a16:creationId xmlns:a16="http://schemas.microsoft.com/office/drawing/2014/main" id="{68BF8F05-876F-49D8-AE30-5BB2A91ECD59}"/>
               </a:ext>
             </a:extLst>
           </p:cNvPr>
@@ -2006,7 +2002,7 @@
           <a:bodyPr/>
           <a:lstStyle/>
           <a:p>
-            <a:endParaRPr lang="en-CH"/>
+            <a:endParaRPr lang="en-US"/>
           </a:p>
         </p:txBody>
       </p:sp>
@@ -2015,7 +2011,7 @@
           <p:cNvPr id="5" name="Slide Number Placeholder 4">
             <a:extLst>
               <a:ext uri="{FF2B5EF4-FFF2-40B4-BE49-F238E27FC236}">
-                <a16:creationId xmlns:a16="http://schemas.microsoft.com/office/drawing/2014/main" id="{F68E8585-E870-6735-1A1A-6994328DA7B6}"/>
+                <a16:creationId xmlns:a16="http://schemas.microsoft.com/office/drawing/2014/main" id="{153D20DA-9260-4577-BB51-789570A243AF}"/>
               </a:ext>
             </a:extLst>
           </p:cNvPr>
@@ -2031,18 +2027,18 @@
           <a:bodyPr/>
           <a:lstStyle/>
           <a:p>
-            <a:fld id="{44A51453-4106-7949-847C-1FA663AA342B}" type="slidenum">
-              <a:rPr lang="en-CH" smtClean="0"/>
+            <a:fld id="{C3DB2ADC-AF19-4574-8C10-79B5B04FCA27}" type="slidenum">
+              <a:rPr lang="en-US" smtClean="0"/>
               <a:t>‹#›</a:t>
             </a:fld>
-            <a:endParaRPr lang="en-CH"/>
+            <a:endParaRPr lang="en-US"/>
           </a:p>
         </p:txBody>
       </p:sp>
     </p:spTree>
     <p:extLst>
       <p:ext uri="{BB962C8B-B14F-4D97-AF65-F5344CB8AC3E}">
-        <p14:creationId xmlns:p14="http://schemas.microsoft.com/office/powerpoint/2010/main" val="1825692565"/>
+        <p14:creationId xmlns:p14="http://schemas.microsoft.com/office/powerpoint/2010/main" val="2468020909"/>
       </p:ext>
     </p:extLst>
   </p:cSld>
@@ -2074,7 +2070,7 @@
           <p:cNvPr id="2" name="Date Placeholder 1">
             <a:extLst>
               <a:ext uri="{FF2B5EF4-FFF2-40B4-BE49-F238E27FC236}">
-                <a16:creationId xmlns:a16="http://schemas.microsoft.com/office/drawing/2014/main" id="{3E75436E-D0EE-EE45-81E6-39A398A84036}"/>
+                <a16:creationId xmlns:a16="http://schemas.microsoft.com/office/drawing/2014/main" id="{AD2C1F24-E0A1-45A7-8EF5-92CD9799341C}"/>
               </a:ext>
             </a:extLst>
           </p:cNvPr>
@@ -2090,11 +2086,11 @@
           <a:bodyPr/>
           <a:lstStyle/>
           <a:p>
-            <a:fld id="{322C9020-58D6-4B4B-AE71-CBBD8D6FD410}" type="datetimeFigureOut">
-              <a:rPr lang="en-CH" smtClean="0"/>
-              <a:t>06.08.23</a:t>
+            <a:fld id="{2F3E8B1C-86EF-43CF-8304-249481088644}" type="datetimeFigureOut">
+              <a:rPr lang="en-US" smtClean="0"/>
+              <a:t>9/3/23</a:t>
             </a:fld>
-            <a:endParaRPr lang="en-CH"/>
+            <a:endParaRPr lang="en-US"/>
           </a:p>
         </p:txBody>
       </p:sp>
@@ -2103,7 +2099,7 @@
           <p:cNvPr id="3" name="Footer Placeholder 2">
             <a:extLst>
               <a:ext uri="{FF2B5EF4-FFF2-40B4-BE49-F238E27FC236}">
-                <a16:creationId xmlns:a16="http://schemas.microsoft.com/office/drawing/2014/main" id="{2852AA8B-967C-42E6-AC46-7A17828C9171}"/>
+                <a16:creationId xmlns:a16="http://schemas.microsoft.com/office/drawing/2014/main" id="{3E021C19-210E-46B0-9036-5D8AECC9260C}"/>
               </a:ext>
             </a:extLst>
           </p:cNvPr>
@@ -2119,7 +2115,7 @@
           <a:bodyPr/>
           <a:lstStyle/>
           <a:p>
-            <a:endParaRPr lang="en-CH"/>
+            <a:endParaRPr lang="en-US"/>
           </a:p>
         </p:txBody>
       </p:sp>
@@ -2128,7 +2124,7 @@
           <p:cNvPr id="4" name="Slide Number Placeholder 3">
             <a:extLst>
               <a:ext uri="{FF2B5EF4-FFF2-40B4-BE49-F238E27FC236}">
-                <a16:creationId xmlns:a16="http://schemas.microsoft.com/office/drawing/2014/main" id="{03EA0FFF-DEDB-4884-988E-94D68BB499C8}"/>
+                <a16:creationId xmlns:a16="http://schemas.microsoft.com/office/drawing/2014/main" id="{1A880FEF-487E-44DF-8615-DF2210419602}"/>
               </a:ext>
             </a:extLst>
           </p:cNvPr>
@@ -2144,18 +2140,18 @@
           <a:bodyPr/>
           <a:lstStyle/>
           <a:p>
-            <a:fld id="{44A51453-4106-7949-847C-1FA663AA342B}" type="slidenum">
-              <a:rPr lang="en-CH" smtClean="0"/>
+            <a:fld id="{C3DB2ADC-AF19-4574-8C10-79B5B04FCA27}" type="slidenum">
+              <a:rPr lang="en-US" smtClean="0"/>
               <a:t>‹#›</a:t>
             </a:fld>
-            <a:endParaRPr lang="en-CH"/>
+            <a:endParaRPr lang="en-US"/>
           </a:p>
         </p:txBody>
       </p:sp>
     </p:spTree>
     <p:extLst>
       <p:ext uri="{BB962C8B-B14F-4D97-AF65-F5344CB8AC3E}">
-        <p14:creationId xmlns:p14="http://schemas.microsoft.com/office/powerpoint/2010/main" val="2004282981"/>
+        <p14:creationId xmlns:p14="http://schemas.microsoft.com/office/powerpoint/2010/main" val="2869480231"/>
       </p:ext>
     </p:extLst>
   </p:cSld>
@@ -2187,7 +2183,7 @@
           <p:cNvPr id="2" name="Title 1">
             <a:extLst>
               <a:ext uri="{FF2B5EF4-FFF2-40B4-BE49-F238E27FC236}">
-                <a16:creationId xmlns:a16="http://schemas.microsoft.com/office/drawing/2014/main" id="{5DE92665-57D5-2C5C-BF79-CA9624CF44BE}"/>
+                <a16:creationId xmlns:a16="http://schemas.microsoft.com/office/drawing/2014/main" id="{11A568EE-74C8-43A6-90BC-2DDD965CF64A}"/>
               </a:ext>
             </a:extLst>
           </p:cNvPr>
@@ -2200,8 +2196,8 @@
         </p:nvSpPr>
         <p:spPr>
           <a:xfrm>
-            <a:off x="839788" y="457200"/>
-            <a:ext cx="3932237" cy="1600200"/>
+            <a:off x="678426" y="781665"/>
+            <a:ext cx="4093599" cy="1223452"/>
           </a:xfrm>
         </p:spPr>
         <p:txBody>
@@ -2213,10 +2209,9 @@
           </a:lstStyle>
           <a:p>
             <a:r>
-              <a:rPr lang="en-GB"/>
+              <a:rPr lang="en-US" dirty="0"/>
               <a:t>Click to edit Master title style</a:t>
             </a:r>
-            <a:endParaRPr lang="en-CH"/>
           </a:p>
         </p:txBody>
       </p:sp>
@@ -2225,7 +2220,7 @@
           <p:cNvPr id="3" name="Content Placeholder 2">
             <a:extLst>
               <a:ext uri="{FF2B5EF4-FFF2-40B4-BE49-F238E27FC236}">
-                <a16:creationId xmlns:a16="http://schemas.microsoft.com/office/drawing/2014/main" id="{26030588-F0AD-53F9-3DDD-FAB7C18CE552}"/>
+                <a16:creationId xmlns:a16="http://schemas.microsoft.com/office/drawing/2014/main" id="{971C35AC-CAE3-48CF-A3E4-A075C9FDD71B}"/>
               </a:ext>
             </a:extLst>
           </p:cNvPr>
@@ -2276,38 +2271,37 @@
           <a:p>
             <a:pPr lvl="0"/>
             <a:r>
-              <a:rPr lang="en-GB"/>
+              <a:rPr lang="en-US" dirty="0"/>
               <a:t>Click to edit Master text styles</a:t>
             </a:r>
           </a:p>
           <a:p>
             <a:pPr lvl="1"/>
             <a:r>
-              <a:rPr lang="en-GB"/>
+              <a:rPr lang="en-US" dirty="0"/>
               <a:t>Second level</a:t>
             </a:r>
           </a:p>
           <a:p>
             <a:pPr lvl="2"/>
             <a:r>
-              <a:rPr lang="en-GB"/>
+              <a:rPr lang="en-US" dirty="0"/>
               <a:t>Third level</a:t>
             </a:r>
           </a:p>
           <a:p>
             <a:pPr lvl="3"/>
             <a:r>
-              <a:rPr lang="en-GB"/>
+              <a:rPr lang="en-US" dirty="0"/>
               <a:t>Fourth level</a:t>
             </a:r>
           </a:p>
           <a:p>
             <a:pPr lvl="4"/>
             <a:r>
-              <a:rPr lang="en-GB"/>
+              <a:rPr lang="en-US" dirty="0"/>
               <a:t>Fifth level</a:t>
             </a:r>
-            <a:endParaRPr lang="en-CH"/>
           </a:p>
         </p:txBody>
       </p:sp>
@@ -2316,7 +2310,7 @@
           <p:cNvPr id="4" name="Text Placeholder 3">
             <a:extLst>
               <a:ext uri="{FF2B5EF4-FFF2-40B4-BE49-F238E27FC236}">
-                <a16:creationId xmlns:a16="http://schemas.microsoft.com/office/drawing/2014/main" id="{2677AD8C-8C0B-62CD-EA6E-8E96EA6024CB}"/>
+                <a16:creationId xmlns:a16="http://schemas.microsoft.com/office/drawing/2014/main" id="{2D9D03EA-5FAD-4609-A2B8-624E426847E3}"/>
               </a:ext>
             </a:extLst>
           </p:cNvPr>
@@ -2329,8 +2323,8 @@
         </p:nvSpPr>
         <p:spPr>
           <a:xfrm>
-            <a:off x="839788" y="2057400"/>
-            <a:ext cx="3932237" cy="3811588"/>
+            <a:off x="688258" y="2315497"/>
+            <a:ext cx="4093599" cy="3553491"/>
           </a:xfrm>
         </p:spPr>
         <p:txBody>
@@ -2376,7 +2370,7 @@
           <a:p>
             <a:pPr lvl="0"/>
             <a:r>
-              <a:rPr lang="en-GB"/>
+              <a:rPr lang="en-US" dirty="0"/>
               <a:t>Click to edit Master text styles</a:t>
             </a:r>
           </a:p>
@@ -2387,7 +2381,7 @@
           <p:cNvPr id="5" name="Date Placeholder 4">
             <a:extLst>
               <a:ext uri="{FF2B5EF4-FFF2-40B4-BE49-F238E27FC236}">
-                <a16:creationId xmlns:a16="http://schemas.microsoft.com/office/drawing/2014/main" id="{F63D3239-311A-A5ED-4100-B9769073A96B}"/>
+                <a16:creationId xmlns:a16="http://schemas.microsoft.com/office/drawing/2014/main" id="{0B58D2EA-2191-4216-B64D-067BDFE12375}"/>
               </a:ext>
             </a:extLst>
           </p:cNvPr>
@@ -2403,11 +2397,11 @@
           <a:bodyPr/>
           <a:lstStyle/>
           <a:p>
-            <a:fld id="{322C9020-58D6-4B4B-AE71-CBBD8D6FD410}" type="datetimeFigureOut">
-              <a:rPr lang="en-CH" smtClean="0"/>
-              <a:t>06.08.23</a:t>
+            <a:fld id="{2F3E8B1C-86EF-43CF-8304-249481088644}" type="datetimeFigureOut">
+              <a:rPr lang="en-US" smtClean="0"/>
+              <a:t>9/3/23</a:t>
             </a:fld>
-            <a:endParaRPr lang="en-CH"/>
+            <a:endParaRPr lang="en-US"/>
           </a:p>
         </p:txBody>
       </p:sp>
@@ -2416,7 +2410,7 @@
           <p:cNvPr id="6" name="Footer Placeholder 5">
             <a:extLst>
               <a:ext uri="{FF2B5EF4-FFF2-40B4-BE49-F238E27FC236}">
-                <a16:creationId xmlns:a16="http://schemas.microsoft.com/office/drawing/2014/main" id="{3EE56C61-A9F3-D6C0-28B7-0C49A712FDF5}"/>
+                <a16:creationId xmlns:a16="http://schemas.microsoft.com/office/drawing/2014/main" id="{78042128-DAB4-481C-BEE6-3523E8E88BAD}"/>
               </a:ext>
             </a:extLst>
           </p:cNvPr>
@@ -2432,7 +2426,7 @@
           <a:bodyPr/>
           <a:lstStyle/>
           <a:p>
-            <a:endParaRPr lang="en-CH"/>
+            <a:endParaRPr lang="en-US"/>
           </a:p>
         </p:txBody>
       </p:sp>
@@ -2441,7 +2435,7 @@
           <p:cNvPr id="7" name="Slide Number Placeholder 6">
             <a:extLst>
               <a:ext uri="{FF2B5EF4-FFF2-40B4-BE49-F238E27FC236}">
-                <a16:creationId xmlns:a16="http://schemas.microsoft.com/office/drawing/2014/main" id="{E5CA4E72-26E9-44CD-050D-E99BD885E422}"/>
+                <a16:creationId xmlns:a16="http://schemas.microsoft.com/office/drawing/2014/main" id="{AE50E382-C500-4A4C-A7C6-43860383AB91}"/>
               </a:ext>
             </a:extLst>
           </p:cNvPr>
@@ -2457,18 +2451,18 @@
           <a:bodyPr/>
           <a:lstStyle/>
           <a:p>
-            <a:fld id="{44A51453-4106-7949-847C-1FA663AA342B}" type="slidenum">
-              <a:rPr lang="en-CH" smtClean="0"/>
+            <a:fld id="{C3DB2ADC-AF19-4574-8C10-79B5B04FCA27}" type="slidenum">
+              <a:rPr lang="en-US" smtClean="0"/>
               <a:t>‹#›</a:t>
             </a:fld>
-            <a:endParaRPr lang="en-CH"/>
+            <a:endParaRPr lang="en-US"/>
           </a:p>
         </p:txBody>
       </p:sp>
     </p:spTree>
     <p:extLst>
       <p:ext uri="{BB962C8B-B14F-4D97-AF65-F5344CB8AC3E}">
-        <p14:creationId xmlns:p14="http://schemas.microsoft.com/office/powerpoint/2010/main" val="3778785747"/>
+        <p14:creationId xmlns:p14="http://schemas.microsoft.com/office/powerpoint/2010/main" val="3101409035"/>
       </p:ext>
     </p:extLst>
   </p:cSld>
@@ -2500,7 +2494,7 @@
           <p:cNvPr id="2" name="Title 1">
             <a:extLst>
               <a:ext uri="{FF2B5EF4-FFF2-40B4-BE49-F238E27FC236}">
-                <a16:creationId xmlns:a16="http://schemas.microsoft.com/office/drawing/2014/main" id="{25AD9776-D002-8C3B-1063-5C779623AECB}"/>
+                <a16:creationId xmlns:a16="http://schemas.microsoft.com/office/drawing/2014/main" id="{139FE98B-EACF-4251-A8AF-0D9EDD17C664}"/>
               </a:ext>
             </a:extLst>
           </p:cNvPr>
@@ -2513,8 +2507,8 @@
         </p:nvSpPr>
         <p:spPr>
           <a:xfrm>
-            <a:off x="839788" y="457200"/>
-            <a:ext cx="3932237" cy="1600200"/>
+            <a:off x="683342" y="1066800"/>
+            <a:ext cx="4103431" cy="1317523"/>
           </a:xfrm>
         </p:spPr>
         <p:txBody>
@@ -2526,10 +2520,9 @@
           </a:lstStyle>
           <a:p>
             <a:r>
-              <a:rPr lang="en-GB"/>
+              <a:rPr lang="en-US" dirty="0"/>
               <a:t>Click to edit Master title style</a:t>
             </a:r>
-            <a:endParaRPr lang="en-CH"/>
           </a:p>
         </p:txBody>
       </p:sp>
@@ -2538,7 +2531,7 @@
           <p:cNvPr id="3" name="Picture Placeholder 2">
             <a:extLst>
               <a:ext uri="{FF2B5EF4-FFF2-40B4-BE49-F238E27FC236}">
-                <a16:creationId xmlns:a16="http://schemas.microsoft.com/office/drawing/2014/main" id="{F79B032B-FA75-BAFB-E08C-1181B66EA54F}"/>
+                <a16:creationId xmlns:a16="http://schemas.microsoft.com/office/drawing/2014/main" id="{3905F473-761A-4002-AF70-9FF878D0139E}"/>
               </a:ext>
             </a:extLst>
           </p:cNvPr>
@@ -2551,8 +2544,8 @@
         </p:nvSpPr>
         <p:spPr>
           <a:xfrm>
-            <a:off x="5183188" y="987425"/>
-            <a:ext cx="6172200" cy="4873625"/>
+            <a:off x="5183188" y="1066800"/>
+            <a:ext cx="6172200" cy="4794250"/>
           </a:xfrm>
         </p:spPr>
         <p:txBody>
@@ -2596,7 +2589,7 @@
             </a:lvl9pPr>
           </a:lstStyle>
           <a:p>
-            <a:endParaRPr lang="en-CH"/>
+            <a:endParaRPr lang="en-US" dirty="0"/>
           </a:p>
         </p:txBody>
       </p:sp>
@@ -2605,7 +2598,7 @@
           <p:cNvPr id="4" name="Text Placeholder 3">
             <a:extLst>
               <a:ext uri="{FF2B5EF4-FFF2-40B4-BE49-F238E27FC236}">
-                <a16:creationId xmlns:a16="http://schemas.microsoft.com/office/drawing/2014/main" id="{28F387D7-1A19-5105-A490-0D0AA6B2C9F5}"/>
+                <a16:creationId xmlns:a16="http://schemas.microsoft.com/office/drawing/2014/main" id="{FA0C2E6A-F834-4540-BB00-E13CB45DC362}"/>
               </a:ext>
             </a:extLst>
           </p:cNvPr>
@@ -2618,8 +2611,8 @@
         </p:nvSpPr>
         <p:spPr>
           <a:xfrm>
-            <a:off x="839788" y="2057400"/>
-            <a:ext cx="3932237" cy="3811588"/>
+            <a:off x="683342" y="2552700"/>
+            <a:ext cx="4103431" cy="3316288"/>
           </a:xfrm>
         </p:spPr>
         <p:txBody>
@@ -2665,7 +2658,7 @@
           <a:p>
             <a:pPr lvl="0"/>
             <a:r>
-              <a:rPr lang="en-GB"/>
+              <a:rPr lang="en-US" dirty="0"/>
               <a:t>Click to edit Master text styles</a:t>
             </a:r>
           </a:p>
@@ -2676,7 +2669,7 @@
           <p:cNvPr id="5" name="Date Placeholder 4">
             <a:extLst>
               <a:ext uri="{FF2B5EF4-FFF2-40B4-BE49-F238E27FC236}">
-                <a16:creationId xmlns:a16="http://schemas.microsoft.com/office/drawing/2014/main" id="{75F0B1FE-009E-AFA6-4F97-708940B34FFC}"/>
+                <a16:creationId xmlns:a16="http://schemas.microsoft.com/office/drawing/2014/main" id="{F0C38EAB-AD63-415C-B263-BA1D8FBE3CB0}"/>
               </a:ext>
             </a:extLst>
           </p:cNvPr>
@@ -2692,11 +2685,11 @@
           <a:bodyPr/>
           <a:lstStyle/>
           <a:p>
-            <a:fld id="{322C9020-58D6-4B4B-AE71-CBBD8D6FD410}" type="datetimeFigureOut">
-              <a:rPr lang="en-CH" smtClean="0"/>
-              <a:t>06.08.23</a:t>
+            <a:fld id="{2F3E8B1C-86EF-43CF-8304-249481088644}" type="datetimeFigureOut">
+              <a:rPr lang="en-US" smtClean="0"/>
+              <a:t>9/3/23</a:t>
             </a:fld>
-            <a:endParaRPr lang="en-CH"/>
+            <a:endParaRPr lang="en-US"/>
           </a:p>
         </p:txBody>
       </p:sp>
@@ -2705,7 +2698,7 @@
           <p:cNvPr id="6" name="Footer Placeholder 5">
             <a:extLst>
               <a:ext uri="{FF2B5EF4-FFF2-40B4-BE49-F238E27FC236}">
-                <a16:creationId xmlns:a16="http://schemas.microsoft.com/office/drawing/2014/main" id="{EAA75DAD-BB92-30B2-A3C6-4D80BD74CD02}"/>
+                <a16:creationId xmlns:a16="http://schemas.microsoft.com/office/drawing/2014/main" id="{422E5541-B6DE-45E8-BCFE-0DFC4F574079}"/>
               </a:ext>
             </a:extLst>
           </p:cNvPr>
@@ -2721,7 +2714,7 @@
           <a:bodyPr/>
           <a:lstStyle/>
           <a:p>
-            <a:endParaRPr lang="en-CH"/>
+            <a:endParaRPr lang="en-US"/>
           </a:p>
         </p:txBody>
       </p:sp>
@@ -2730,7 +2723,7 @@
           <p:cNvPr id="7" name="Slide Number Placeholder 6">
             <a:extLst>
               <a:ext uri="{FF2B5EF4-FFF2-40B4-BE49-F238E27FC236}">
-                <a16:creationId xmlns:a16="http://schemas.microsoft.com/office/drawing/2014/main" id="{C1E91FFA-4FA0-5FBE-BDCF-0AF8A2E71EC6}"/>
+                <a16:creationId xmlns:a16="http://schemas.microsoft.com/office/drawing/2014/main" id="{DBB78D45-289B-46AF-8CB9-E6150BEA17ED}"/>
               </a:ext>
             </a:extLst>
           </p:cNvPr>
@@ -2746,18 +2739,18 @@
           <a:bodyPr/>
           <a:lstStyle/>
           <a:p>
-            <a:fld id="{44A51453-4106-7949-847C-1FA663AA342B}" type="slidenum">
-              <a:rPr lang="en-CH" smtClean="0"/>
+            <a:fld id="{C3DB2ADC-AF19-4574-8C10-79B5B04FCA27}" type="slidenum">
+              <a:rPr lang="en-US" smtClean="0"/>
               <a:t>‹#›</a:t>
             </a:fld>
-            <a:endParaRPr lang="en-CH"/>
+            <a:endParaRPr lang="en-US"/>
           </a:p>
         </p:txBody>
       </p:sp>
     </p:spTree>
     <p:extLst>
       <p:ext uri="{BB962C8B-B14F-4D97-AF65-F5344CB8AC3E}">
-        <p14:creationId xmlns:p14="http://schemas.microsoft.com/office/powerpoint/2010/main" val="2816077039"/>
+        <p14:creationId xmlns:p14="http://schemas.microsoft.com/office/powerpoint/2010/main" val="2033978186"/>
       </p:ext>
     </p:extLst>
   </p:cSld>
@@ -2794,7 +2787,7 @@
           <p:cNvPr id="2" name="Title Placeholder 1">
             <a:extLst>
               <a:ext uri="{FF2B5EF4-FFF2-40B4-BE49-F238E27FC236}">
-                <a16:creationId xmlns:a16="http://schemas.microsoft.com/office/drawing/2014/main" id="{AC91D697-D1DB-9013-3FB9-AB1CD55C8DB6}"/>
+                <a16:creationId xmlns:a16="http://schemas.microsoft.com/office/drawing/2014/main" id="{47A362AC-B59F-4AC7-B279-57DDD5336BCA}"/>
               </a:ext>
             </a:extLst>
           </p:cNvPr>
@@ -2807,24 +2800,23 @@
         </p:nvSpPr>
         <p:spPr>
           <a:xfrm>
-            <a:off x="838200" y="365125"/>
-            <a:ext cx="10515600" cy="1325563"/>
+            <a:off x="700635" y="922096"/>
+            <a:ext cx="10691265" cy="1371030"/>
           </a:xfrm>
           <a:prstGeom prst="rect">
             <a:avLst/>
           </a:prstGeom>
         </p:spPr>
         <p:txBody>
-          <a:bodyPr vert="horz" lIns="91440" tIns="45720" rIns="91440" bIns="45720" rtlCol="0" anchor="ctr">
+          <a:bodyPr vert="horz" lIns="91440" tIns="45720" rIns="91440" bIns="45720" rtlCol="0" anchor="t">
             <a:normAutofit/>
           </a:bodyPr>
           <a:lstStyle/>
           <a:p>
             <a:r>
-              <a:rPr lang="en-GB"/>
+              <a:rPr lang="en-US" dirty="0"/>
               <a:t>Click to edit Master title style</a:t>
             </a:r>
-            <a:endParaRPr lang="en-CH"/>
           </a:p>
         </p:txBody>
       </p:sp>
@@ -2833,7 +2825,7 @@
           <p:cNvPr id="3" name="Text Placeholder 2">
             <a:extLst>
               <a:ext uri="{FF2B5EF4-FFF2-40B4-BE49-F238E27FC236}">
-                <a16:creationId xmlns:a16="http://schemas.microsoft.com/office/drawing/2014/main" id="{2EBD13D2-C6C7-A236-3F68-5559321F9579}"/>
+                <a16:creationId xmlns:a16="http://schemas.microsoft.com/office/drawing/2014/main" id="{0E6042DB-75BD-4EC1-B6D9-8A72EF940CAA}"/>
               </a:ext>
             </a:extLst>
           </p:cNvPr>
@@ -2846,8 +2838,8 @@
         </p:nvSpPr>
         <p:spPr>
           <a:xfrm>
-            <a:off x="838200" y="1825625"/>
-            <a:ext cx="10515600" cy="4351338"/>
+            <a:off x="700635" y="2293126"/>
+            <a:ext cx="10691265" cy="3636088"/>
           </a:xfrm>
           <a:prstGeom prst="rect">
             <a:avLst/>
@@ -2861,38 +2853,37 @@
           <a:p>
             <a:pPr lvl="0"/>
             <a:r>
-              <a:rPr lang="en-GB"/>
+              <a:rPr lang="en-US" dirty="0"/>
               <a:t>Click to edit Master text styles</a:t>
             </a:r>
           </a:p>
           <a:p>
             <a:pPr lvl="1"/>
             <a:r>
-              <a:rPr lang="en-GB"/>
+              <a:rPr lang="en-US" dirty="0"/>
               <a:t>Second level</a:t>
             </a:r>
           </a:p>
           <a:p>
             <a:pPr lvl="2"/>
             <a:r>
-              <a:rPr lang="en-GB"/>
+              <a:rPr lang="en-US" dirty="0"/>
               <a:t>Third level</a:t>
             </a:r>
           </a:p>
           <a:p>
             <a:pPr lvl="3"/>
             <a:r>
-              <a:rPr lang="en-GB"/>
+              <a:rPr lang="en-US" dirty="0"/>
               <a:t>Fourth level</a:t>
             </a:r>
           </a:p>
           <a:p>
             <a:pPr lvl="4"/>
             <a:r>
-              <a:rPr lang="en-GB"/>
+              <a:rPr lang="en-US" dirty="0"/>
               <a:t>Fifth level</a:t>
             </a:r>
-            <a:endParaRPr lang="en-CH"/>
           </a:p>
         </p:txBody>
       </p:sp>
@@ -2901,7 +2892,7 @@
           <p:cNvPr id="4" name="Date Placeholder 3">
             <a:extLst>
               <a:ext uri="{FF2B5EF4-FFF2-40B4-BE49-F238E27FC236}">
-                <a16:creationId xmlns:a16="http://schemas.microsoft.com/office/drawing/2014/main" id="{1399E4B4-8FE7-DFF0-FB1C-AF817A1000B3}"/>
+                <a16:creationId xmlns:a16="http://schemas.microsoft.com/office/drawing/2014/main" id="{21DD1378-7C96-4079-B44C-3D86B4657596}"/>
               </a:ext>
             </a:extLst>
           </p:cNvPr>
@@ -2914,8 +2905,8 @@
         </p:nvSpPr>
         <p:spPr>
           <a:xfrm>
-            <a:off x="838200" y="6356350"/>
-            <a:ext cx="2743200" cy="365125"/>
+            <a:off x="8369448" y="6356350"/>
+            <a:ext cx="2592594" cy="365125"/>
           </a:xfrm>
           <a:prstGeom prst="rect">
             <a:avLst/>
@@ -2924,22 +2915,22 @@
         <p:txBody>
           <a:bodyPr vert="horz" lIns="91440" tIns="45720" rIns="91440" bIns="45720" rtlCol="0" anchor="ctr"/>
           <a:lstStyle>
-            <a:lvl1pPr algn="l">
-              <a:defRPr sz="1200">
+            <a:lvl1pPr algn="r">
+              <a:defRPr sz="1050">
                 <a:solidFill>
-                  <a:schemeClr val="tx1">
-                    <a:tint val="75000"/>
-                  </a:schemeClr>
+                  <a:schemeClr val="tx1"/>
                 </a:solidFill>
+                <a:latin typeface="+mj-lt"/>
               </a:defRPr>
             </a:lvl1pPr>
           </a:lstStyle>
           <a:p>
-            <a:fld id="{322C9020-58D6-4B4B-AE71-CBBD8D6FD410}" type="datetimeFigureOut">
-              <a:rPr lang="en-CH" smtClean="0"/>
-              <a:t>06.08.23</a:t>
+            <a:fld id="{2F3E8B1C-86EF-43CF-8304-249481088644}" type="datetimeFigureOut">
+              <a:rPr lang="en-US" smtClean="0"/>
+              <a:pPr/>
+              <a:t>9/3/23</a:t>
             </a:fld>
-            <a:endParaRPr lang="en-CH"/>
+            <a:endParaRPr lang="en-US" dirty="0"/>
           </a:p>
         </p:txBody>
       </p:sp>
@@ -2948,7 +2939,7 @@
           <p:cNvPr id="5" name="Footer Placeholder 4">
             <a:extLst>
               <a:ext uri="{FF2B5EF4-FFF2-40B4-BE49-F238E27FC236}">
-                <a16:creationId xmlns:a16="http://schemas.microsoft.com/office/drawing/2014/main" id="{9F10B890-5F67-33B6-3F06-5BCAC7208825}"/>
+                <a16:creationId xmlns:a16="http://schemas.microsoft.com/office/drawing/2014/main" id="{D19B6B78-577F-43F5-BAEE-BF72484C9850}"/>
               </a:ext>
             </a:extLst>
           </p:cNvPr>
@@ -2961,8 +2952,8 @@
         </p:nvSpPr>
         <p:spPr>
           <a:xfrm>
-            <a:off x="4038600" y="6356350"/>
-            <a:ext cx="4114800" cy="365125"/>
+            <a:off x="715383" y="6356350"/>
+            <a:ext cx="4539727" cy="365125"/>
           </a:xfrm>
           <a:prstGeom prst="rect">
             <a:avLst/>
@@ -2971,18 +2962,17 @@
         <p:txBody>
           <a:bodyPr vert="horz" lIns="91440" tIns="45720" rIns="91440" bIns="45720" rtlCol="0" anchor="ctr"/>
           <a:lstStyle>
-            <a:lvl1pPr algn="ctr">
-              <a:defRPr sz="1200">
+            <a:lvl1pPr algn="l">
+              <a:defRPr sz="1050">
                 <a:solidFill>
-                  <a:schemeClr val="tx1">
-                    <a:tint val="75000"/>
-                  </a:schemeClr>
+                  <a:schemeClr val="tx1"/>
                 </a:solidFill>
+                <a:latin typeface="+mj-lt"/>
               </a:defRPr>
             </a:lvl1pPr>
           </a:lstStyle>
           <a:p>
-            <a:endParaRPr lang="en-CH"/>
+            <a:endParaRPr lang="en-US" dirty="0"/>
           </a:p>
         </p:txBody>
       </p:sp>
@@ -2991,7 +2981,7 @@
           <p:cNvPr id="6" name="Slide Number Placeholder 5">
             <a:extLst>
               <a:ext uri="{FF2B5EF4-FFF2-40B4-BE49-F238E27FC236}">
-                <a16:creationId xmlns:a16="http://schemas.microsoft.com/office/drawing/2014/main" id="{45750A08-4A65-4B25-B7EF-9485EF230340}"/>
+                <a16:creationId xmlns:a16="http://schemas.microsoft.com/office/drawing/2014/main" id="{A8CC75B8-AF8F-4D8A-9B3D-D1951A64BADB}"/>
               </a:ext>
             </a:extLst>
           </p:cNvPr>
@@ -3004,8 +2994,8 @@
         </p:nvSpPr>
         <p:spPr>
           <a:xfrm>
-            <a:off x="8610600" y="6356350"/>
-            <a:ext cx="2743200" cy="365125"/>
+            <a:off x="10919012" y="6356350"/>
+            <a:ext cx="672354" cy="365125"/>
           </a:xfrm>
           <a:prstGeom prst="rect">
             <a:avLst/>
@@ -3015,56 +3005,141 @@
           <a:bodyPr vert="horz" lIns="91440" tIns="45720" rIns="91440" bIns="45720" rtlCol="0" anchor="ctr"/>
           <a:lstStyle>
             <a:lvl1pPr algn="r">
-              <a:defRPr sz="1200">
+              <a:defRPr sz="1800">
                 <a:solidFill>
-                  <a:schemeClr val="tx1">
-                    <a:tint val="75000"/>
-                  </a:schemeClr>
+                  <a:schemeClr val="tx1"/>
                 </a:solidFill>
               </a:defRPr>
             </a:lvl1pPr>
           </a:lstStyle>
           <a:p>
-            <a:fld id="{44A51453-4106-7949-847C-1FA663AA342B}" type="slidenum">
-              <a:rPr lang="en-CH" smtClean="0"/>
+            <a:fld id="{C3DB2ADC-AF19-4574-8C10-79B5B04FCA27}" type="slidenum">
+              <a:rPr lang="en-US" smtClean="0"/>
+              <a:pPr/>
               <a:t>‹#›</a:t>
             </a:fld>
-            <a:endParaRPr lang="en-CH"/>
-          </a:p>
-        </p:txBody>
-      </p:sp>
+            <a:endParaRPr lang="en-US" dirty="0"/>
+          </a:p>
+        </p:txBody>
+      </p:sp>
+      <p:cxnSp>
+        <p:nvCxnSpPr>
+          <p:cNvPr id="7" name="Straight Connector 6">
+            <a:extLst>
+              <a:ext uri="{FF2B5EF4-FFF2-40B4-BE49-F238E27FC236}">
+                <a16:creationId xmlns:a16="http://schemas.microsoft.com/office/drawing/2014/main" id="{F64F9B95-9045-48D2-B9F3-2927E98F54AA}"/>
+              </a:ext>
+            </a:extLst>
+          </p:cNvPr>
+          <p:cNvCxnSpPr>
+            <a:cxnSpLocks/>
+          </p:cNvCxnSpPr>
+          <p:nvPr/>
+        </p:nvCxnSpPr>
+        <p:spPr>
+          <a:xfrm>
+            <a:off x="800100" y="723900"/>
+            <a:ext cx="10591800" cy="0"/>
+          </a:xfrm>
+          <a:prstGeom prst="line">
+            <a:avLst/>
+          </a:prstGeom>
+          <a:ln w="44450">
+            <a:solidFill>
+              <a:schemeClr val="tx1"/>
+            </a:solidFill>
+          </a:ln>
+        </p:spPr>
+        <p:style>
+          <a:lnRef idx="1">
+            <a:schemeClr val="accent1"/>
+          </a:lnRef>
+          <a:fillRef idx="0">
+            <a:schemeClr val="accent1"/>
+          </a:fillRef>
+          <a:effectRef idx="0">
+            <a:schemeClr val="accent1"/>
+          </a:effectRef>
+          <a:fontRef idx="minor">
+            <a:schemeClr val="tx1"/>
+          </a:fontRef>
+        </p:style>
+      </p:cxnSp>
+      <p:cxnSp>
+        <p:nvCxnSpPr>
+          <p:cNvPr id="8" name="Straight Connector 7">
+            <a:extLst>
+              <a:ext uri="{FF2B5EF4-FFF2-40B4-BE49-F238E27FC236}">
+                <a16:creationId xmlns:a16="http://schemas.microsoft.com/office/drawing/2014/main" id="{085AA86F-6A4D-4BCB-A045-D992CDC2959B}"/>
+              </a:ext>
+            </a:extLst>
+          </p:cNvPr>
+          <p:cNvCxnSpPr>
+            <a:cxnSpLocks/>
+          </p:cNvCxnSpPr>
+          <p:nvPr/>
+        </p:nvCxnSpPr>
+        <p:spPr>
+          <a:xfrm>
+            <a:off x="800100" y="6142781"/>
+            <a:ext cx="10591800" cy="0"/>
+          </a:xfrm>
+          <a:prstGeom prst="line">
+            <a:avLst/>
+          </a:prstGeom>
+          <a:ln w="12700">
+            <a:solidFill>
+              <a:schemeClr val="tx1"/>
+            </a:solidFill>
+          </a:ln>
+        </p:spPr>
+        <p:style>
+          <a:lnRef idx="1">
+            <a:schemeClr val="accent1"/>
+          </a:lnRef>
+          <a:fillRef idx="0">
+            <a:schemeClr val="accent1"/>
+          </a:fillRef>
+          <a:effectRef idx="0">
+            <a:schemeClr val="accent1"/>
+          </a:effectRef>
+          <a:fontRef idx="minor">
+            <a:schemeClr val="tx1"/>
+          </a:fontRef>
+        </p:style>
+      </p:cxnSp>
     </p:spTree>
     <p:extLst>
       <p:ext uri="{BB962C8B-B14F-4D97-AF65-F5344CB8AC3E}">
-        <p14:creationId xmlns:p14="http://schemas.microsoft.com/office/powerpoint/2010/main" val="2628871594"/>
+        <p14:creationId xmlns:p14="http://schemas.microsoft.com/office/powerpoint/2010/main" val="3668477037"/>
       </p:ext>
     </p:extLst>
   </p:cSld>
   <p:clrMap bg1="lt1" tx1="dk1" bg2="lt2" tx2="dk2" accent1="accent1" accent2="accent2" accent3="accent3" accent4="accent4" accent5="accent5" accent6="accent6" hlink="hlink" folHlink="folHlink"/>
   <p:sldLayoutIdLst>
-    <p:sldLayoutId id="2147483649" r:id="rId1"/>
-    <p:sldLayoutId id="2147483650" r:id="rId2"/>
-    <p:sldLayoutId id="2147483651" r:id="rId3"/>
-    <p:sldLayoutId id="2147483652" r:id="rId4"/>
-    <p:sldLayoutId id="2147483653" r:id="rId5"/>
-    <p:sldLayoutId id="2147483654" r:id="rId6"/>
-    <p:sldLayoutId id="2147483655" r:id="rId7"/>
-    <p:sldLayoutId id="2147483656" r:id="rId8"/>
-    <p:sldLayoutId id="2147483657" r:id="rId9"/>
-    <p:sldLayoutId id="2147483658" r:id="rId10"/>
-    <p:sldLayoutId id="2147483659" r:id="rId11"/>
+    <p:sldLayoutId id="2147483721" r:id="rId1"/>
+    <p:sldLayoutId id="2147483722" r:id="rId2"/>
+    <p:sldLayoutId id="2147483723" r:id="rId3"/>
+    <p:sldLayoutId id="2147483724" r:id="rId4"/>
+    <p:sldLayoutId id="2147483714" r:id="rId5"/>
+    <p:sldLayoutId id="2147483715" r:id="rId6"/>
+    <p:sldLayoutId id="2147483716" r:id="rId7"/>
+    <p:sldLayoutId id="2147483717" r:id="rId8"/>
+    <p:sldLayoutId id="2147483718" r:id="rId9"/>
+    <p:sldLayoutId id="2147483719" r:id="rId10"/>
+    <p:sldLayoutId id="2147483720" r:id="rId11"/>
   </p:sldLayoutIdLst>
   <p:txStyles>
     <p:titleStyle>
       <a:lvl1pPr algn="l" defTabSz="914400" rtl="0" eaLnBrk="1" latinLnBrk="0" hangingPunct="1">
         <a:lnSpc>
-          <a:spcPct val="90000"/>
+          <a:spcPct val="100000"/>
         </a:lnSpc>
         <a:spcBef>
           <a:spcPct val="0"/>
         </a:spcBef>
         <a:buNone/>
-        <a:defRPr sz="4400" kern="1200">
+        <a:defRPr sz="4000" kern="1200" cap="all" spc="30" baseline="0">
           <a:solidFill>
             <a:schemeClr val="tx1"/>
           </a:solidFill>
@@ -3077,46 +3152,10 @@
     <p:bodyStyle>
       <a:lvl1pPr marL="228600" indent="-228600" algn="l" defTabSz="914400" rtl="0" eaLnBrk="1" latinLnBrk="0" hangingPunct="1">
         <a:lnSpc>
-          <a:spcPct val="90000"/>
+          <a:spcPct val="120000"/>
         </a:lnSpc>
         <a:spcBef>
           <a:spcPts val="1000"/>
-        </a:spcBef>
-        <a:buFont typeface="Arial" panose="020B0604020202020204" pitchFamily="34" charset="0"/>
-        <a:buChar char="•"/>
-        <a:defRPr sz="2800" kern="1200">
-          <a:solidFill>
-            <a:schemeClr val="tx1"/>
-          </a:solidFill>
-          <a:latin typeface="+mn-lt"/>
-          <a:ea typeface="+mn-ea"/>
-          <a:cs typeface="+mn-cs"/>
-        </a:defRPr>
-      </a:lvl1pPr>
-      <a:lvl2pPr marL="685800" indent="-228600" algn="l" defTabSz="914400" rtl="0" eaLnBrk="1" latinLnBrk="0" hangingPunct="1">
-        <a:lnSpc>
-          <a:spcPct val="90000"/>
-        </a:lnSpc>
-        <a:spcBef>
-          <a:spcPts val="500"/>
-        </a:spcBef>
-        <a:buFont typeface="Arial" panose="020B0604020202020204" pitchFamily="34" charset="0"/>
-        <a:buChar char="•"/>
-        <a:defRPr sz="2400" kern="1200">
-          <a:solidFill>
-            <a:schemeClr val="tx1"/>
-          </a:solidFill>
-          <a:latin typeface="+mn-lt"/>
-          <a:ea typeface="+mn-ea"/>
-          <a:cs typeface="+mn-cs"/>
-        </a:defRPr>
-      </a:lvl2pPr>
-      <a:lvl3pPr marL="1143000" indent="-228600" algn="l" defTabSz="914400" rtl="0" eaLnBrk="1" latinLnBrk="0" hangingPunct="1">
-        <a:lnSpc>
-          <a:spcPct val="90000"/>
-        </a:lnSpc>
-        <a:spcBef>
-          <a:spcPts val="500"/>
         </a:spcBef>
         <a:buFont typeface="Arial" panose="020B0604020202020204" pitchFamily="34" charset="0"/>
         <a:buChar char="•"/>
@@ -3128,10 +3167,10 @@
           <a:ea typeface="+mn-ea"/>
           <a:cs typeface="+mn-cs"/>
         </a:defRPr>
-      </a:lvl3pPr>
-      <a:lvl4pPr marL="1600200" indent="-228600" algn="l" defTabSz="914400" rtl="0" eaLnBrk="1" latinLnBrk="0" hangingPunct="1">
+      </a:lvl1pPr>
+      <a:lvl2pPr marL="685800" indent="-228600" algn="l" defTabSz="914400" rtl="0" eaLnBrk="1" latinLnBrk="0" hangingPunct="1">
         <a:lnSpc>
-          <a:spcPct val="90000"/>
+          <a:spcPct val="120000"/>
         </a:lnSpc>
         <a:spcBef>
           <a:spcPts val="500"/>
@@ -3146,17 +3185,53 @@
           <a:ea typeface="+mn-ea"/>
           <a:cs typeface="+mn-cs"/>
         </a:defRPr>
-      </a:lvl4pPr>
-      <a:lvl5pPr marL="2057400" indent="-228600" algn="l" defTabSz="914400" rtl="0" eaLnBrk="1" latinLnBrk="0" hangingPunct="1">
+      </a:lvl2pPr>
+      <a:lvl3pPr marL="1143000" indent="-228600" algn="l" defTabSz="914400" rtl="0" eaLnBrk="1" latinLnBrk="0" hangingPunct="1">
         <a:lnSpc>
-          <a:spcPct val="90000"/>
+          <a:spcPct val="120000"/>
         </a:lnSpc>
         <a:spcBef>
           <a:spcPts val="500"/>
         </a:spcBef>
         <a:buFont typeface="Arial" panose="020B0604020202020204" pitchFamily="34" charset="0"/>
         <a:buChar char="•"/>
-        <a:defRPr sz="1800" kern="1200">
+        <a:defRPr sz="1600" kern="1200">
+          <a:solidFill>
+            <a:schemeClr val="tx1"/>
+          </a:solidFill>
+          <a:latin typeface="+mn-lt"/>
+          <a:ea typeface="+mn-ea"/>
+          <a:cs typeface="+mn-cs"/>
+        </a:defRPr>
+      </a:lvl3pPr>
+      <a:lvl4pPr marL="1600200" indent="-228600" algn="l" defTabSz="914400" rtl="0" eaLnBrk="1" latinLnBrk="0" hangingPunct="1">
+        <a:lnSpc>
+          <a:spcPct val="120000"/>
+        </a:lnSpc>
+        <a:spcBef>
+          <a:spcPts val="500"/>
+        </a:spcBef>
+        <a:buFont typeface="Arial" panose="020B0604020202020204" pitchFamily="34" charset="0"/>
+        <a:buChar char="•"/>
+        <a:defRPr sz="1400" kern="1200">
+          <a:solidFill>
+            <a:schemeClr val="tx1"/>
+          </a:solidFill>
+          <a:latin typeface="+mn-lt"/>
+          <a:ea typeface="+mn-ea"/>
+          <a:cs typeface="+mn-cs"/>
+        </a:defRPr>
+      </a:lvl4pPr>
+      <a:lvl5pPr marL="2057400" indent="-228600" algn="l" defTabSz="914400" rtl="0" eaLnBrk="1" latinLnBrk="0" hangingPunct="1">
+        <a:lnSpc>
+          <a:spcPct val="120000"/>
+        </a:lnSpc>
+        <a:spcBef>
+          <a:spcPts val="500"/>
+        </a:spcBef>
+        <a:buFont typeface="Arial" panose="020B0604020202020204" pitchFamily="34" charset="0"/>
+        <a:buChar char="•"/>
+        <a:defRPr sz="1400" kern="1200">
           <a:solidFill>
             <a:schemeClr val="tx1"/>
           </a:solidFill>
@@ -3240,7 +3315,7 @@
     </p:bodyStyle>
     <p:otherStyle>
       <a:defPPr>
-        <a:defRPr lang="en-CH"/>
+        <a:defRPr lang="en-US"/>
       </a:defPPr>
       <a:lvl1pPr marL="0" algn="l" defTabSz="914400" rtl="0" eaLnBrk="1" latinLnBrk="0" hangingPunct="1">
         <a:defRPr sz="1800" kern="1200">
@@ -3340,6 +3415,14 @@
 <file path=ppt/slides/slide1.xml><?xml version="1.0" encoding="utf-8"?>
 <p:sld xmlns:a="http://schemas.openxmlformats.org/drawingml/2006/main" xmlns:r="http://schemas.openxmlformats.org/officeDocument/2006/relationships" xmlns:p="http://schemas.openxmlformats.org/presentationml/2006/main">
   <p:cSld>
+    <p:bg>
+      <p:bgPr>
+        <a:solidFill>
+          <a:schemeClr val="bg1"/>
+        </a:solidFill>
+        <a:effectLst/>
+      </p:bgPr>
+    </p:bg>
     <p:spTree>
       <p:nvGrpSpPr>
         <p:cNvPr id="1" name=""/>
@@ -3354,12 +3437,88 @@
           <a:chExt cx="0" cy="0"/>
         </a:xfrm>
       </p:grpSpPr>
+      <p:sp useBgFill="1">
+        <p:nvSpPr>
+          <p:cNvPr id="15" name="Rectangle 8">
+            <a:extLst>
+              <a:ext uri="{FF2B5EF4-FFF2-40B4-BE49-F238E27FC236}">
+                <a16:creationId xmlns:a16="http://schemas.microsoft.com/office/drawing/2014/main" id="{33E93247-6229-44AB-A550-739E971E690B}"/>
+              </a:ext>
+              <a:ext uri="{C183D7F6-B498-43B3-948B-1728B52AA6E4}">
+                <adec:decorative xmlns:adec="http://schemas.microsoft.com/office/drawing/2017/decorative" val="1"/>
+              </a:ext>
+            </a:extLst>
+          </p:cNvPr>
+          <p:cNvSpPr>
+            <a:spLocks noGrp="1" noRot="1" noChangeAspect="1" noMove="1" noResize="1" noEditPoints="1" noAdjustHandles="1" noChangeArrowheads="1" noChangeShapeType="1" noTextEdit="1"/>
+          </p:cNvSpPr>
+          <p:nvPr>
+            <p:extLst>
+              <p:ext uri="{386F3935-93C4-4BCD-93E2-E3B085C9AB24}">
+                <p16:designElem xmlns:p16="http://schemas.microsoft.com/office/powerpoint/2015/main" val="1"/>
+              </p:ext>
+            </p:extLst>
+          </p:nvPr>
+        </p:nvSpPr>
+        <p:spPr>
+          <a:xfrm>
+            <a:off x="0" y="0"/>
+            <a:ext cx="12192000" cy="6858000"/>
+          </a:xfrm>
+          <a:prstGeom prst="rect">
+            <a:avLst/>
+          </a:prstGeom>
+          <a:ln w="12700" cap="flat" cmpd="sng" algn="ctr">
+            <a:noFill/>
+            <a:prstDash val="solid"/>
+            <a:miter lim="800000"/>
+          </a:ln>
+          <a:effectLst/>
+          <a:extLst>
+            <a:ext uri="{91240B29-F687-4F45-9708-019B960494DF}">
+              <a14:hiddenLine xmlns:a14="http://schemas.microsoft.com/office/drawing/2010/main" w="12700" cap="flat" cmpd="sng" algn="ctr">
+                <a:solidFill>
+                  <a:schemeClr val="accent1">
+                    <a:shade val="50000"/>
+                  </a:schemeClr>
+                </a:solidFill>
+                <a:prstDash val="solid"/>
+                <a:miter lim="800000"/>
+              </a14:hiddenLine>
+            </a:ext>
+          </a:extLst>
+        </p:spPr>
+        <p:style>
+          <a:lnRef idx="2">
+            <a:schemeClr val="accent1">
+              <a:shade val="50000"/>
+            </a:schemeClr>
+          </a:lnRef>
+          <a:fillRef idx="1">
+            <a:schemeClr val="accent1"/>
+          </a:fillRef>
+          <a:effectRef idx="0">
+            <a:schemeClr val="accent1"/>
+          </a:effectRef>
+          <a:fontRef idx="minor">
+            <a:schemeClr val="lt1"/>
+          </a:fontRef>
+        </p:style>
+        <p:txBody>
+          <a:bodyPr rtlCol="0" anchor="ctr"/>
+          <a:lstStyle/>
+          <a:p>
+            <a:pPr algn="ctr"/>
+            <a:endParaRPr lang="en-US"/>
+          </a:p>
+        </p:txBody>
+      </p:sp>
       <p:sp>
         <p:nvSpPr>
           <p:cNvPr id="2" name="Title 1">
             <a:extLst>
               <a:ext uri="{FF2B5EF4-FFF2-40B4-BE49-F238E27FC236}">
-                <a16:creationId xmlns:a16="http://schemas.microsoft.com/office/drawing/2014/main" id="{83CED1CE-8896-375E-5C9B-01B55750126D}"/>
+                <a16:creationId xmlns:a16="http://schemas.microsoft.com/office/drawing/2014/main" id="{D8CF08B8-6140-9FDD-A44E-71D35461BE60}"/>
               </a:ext>
             </a:extLst>
           </p:cNvPr>
@@ -3370,11 +3529,31 @@
             <p:ph type="ctrTitle"/>
           </p:nvPr>
         </p:nvSpPr>
-        <p:spPr/>
-        <p:txBody>
-          <a:bodyPr/>
-          <a:lstStyle/>
-          <a:p>
+        <p:spPr>
+          <a:xfrm>
+            <a:off x="5604552" y="871758"/>
+            <a:ext cx="5825448" cy="3871143"/>
+          </a:xfrm>
+        </p:spPr>
+        <p:txBody>
+          <a:bodyPr>
+            <a:normAutofit/>
+          </a:bodyPr>
+          <a:lstStyle/>
+          <a:p>
+            <a:r>
+              <a:rPr lang="en-GB" b="0" i="0" dirty="0">
+                <a:effectLst/>
+                <a:latin typeface="AmazonEmberBold"/>
+              </a:rPr>
+              <a:t>AWS Artifact</a:t>
+            </a:r>
+            <a:br>
+              <a:rPr lang="en-GB" b="0" i="0" dirty="0">
+                <a:effectLst/>
+                <a:latin typeface="AmazonEmberBold"/>
+              </a:rPr>
+            </a:br>
             <a:endParaRPr lang="en-CH" dirty="0"/>
           </a:p>
         </p:txBody>
@@ -3384,7 +3563,7 @@
           <p:cNvPr id="3" name="Subtitle 2">
             <a:extLst>
               <a:ext uri="{FF2B5EF4-FFF2-40B4-BE49-F238E27FC236}">
-                <a16:creationId xmlns:a16="http://schemas.microsoft.com/office/drawing/2014/main" id="{46D92768-3C59-4B6D-C213-B3F3D36ED712}"/>
+                <a16:creationId xmlns:a16="http://schemas.microsoft.com/office/drawing/2014/main" id="{9998E89A-8C5A-F9C0-F261-3398C76B86A8}"/>
               </a:ext>
             </a:extLst>
           </p:cNvPr>
@@ -3395,19 +3574,166 @@
             <p:ph type="subTitle" idx="1"/>
           </p:nvPr>
         </p:nvSpPr>
-        <p:spPr/>
-        <p:txBody>
-          <a:bodyPr/>
-          <a:lstStyle/>
-          <a:p>
-            <a:endParaRPr lang="en-CH"/>
-          </a:p>
-        </p:txBody>
-      </p:sp>
+        <p:spPr>
+          <a:xfrm>
+            <a:off x="5619964" y="4785543"/>
+            <a:ext cx="5322013" cy="1005657"/>
+          </a:xfrm>
+        </p:spPr>
+        <p:txBody>
+          <a:bodyPr>
+            <a:normAutofit/>
+          </a:bodyPr>
+          <a:lstStyle/>
+          <a:p>
+            <a:r>
+              <a:rPr lang="en-GB" b="0" i="0" dirty="0">
+                <a:effectLst/>
+                <a:latin typeface="AmazonEmber"/>
+              </a:rPr>
+              <a:t>Access AWS and ISV security and compliance reports</a:t>
+            </a:r>
+            <a:endParaRPr lang="en-CH" dirty="0"/>
+          </a:p>
+        </p:txBody>
+      </p:sp>
+      <p:pic>
+        <p:nvPicPr>
+          <p:cNvPr id="16" name="Picture 3">
+            <a:extLst>
+              <a:ext uri="{FF2B5EF4-FFF2-40B4-BE49-F238E27FC236}">
+                <a16:creationId xmlns:a16="http://schemas.microsoft.com/office/drawing/2014/main" id="{57C72DD0-74FA-E68E-AFF0-E9276AEC319C}"/>
+              </a:ext>
+            </a:extLst>
+          </p:cNvPr>
+          <p:cNvPicPr>
+            <a:picLocks noChangeAspect="1"/>
+          </p:cNvPicPr>
+          <p:nvPr/>
+        </p:nvPicPr>
+        <p:blipFill rotWithShape="1">
+          <a:blip r:embed="rId2"/>
+          <a:srcRect l="25852" r="24193" b="1"/>
+          <a:stretch/>
+        </p:blipFill>
+        <p:spPr>
+          <a:xfrm>
+            <a:off x="1" y="10"/>
+            <a:ext cx="4876799" cy="6857989"/>
+          </a:xfrm>
+          <a:prstGeom prst="rect">
+            <a:avLst/>
+          </a:prstGeom>
+        </p:spPr>
+      </p:pic>
+      <p:cxnSp>
+        <p:nvCxnSpPr>
+          <p:cNvPr id="17" name="Straight Connector 10">
+            <a:extLst>
+              <a:ext uri="{FF2B5EF4-FFF2-40B4-BE49-F238E27FC236}">
+                <a16:creationId xmlns:a16="http://schemas.microsoft.com/office/drawing/2014/main" id="{EE2E603F-4A95-4FE8-BB06-211DFD75DBEF}"/>
+              </a:ext>
+              <a:ext uri="{C183D7F6-B498-43B3-948B-1728B52AA6E4}">
+                <adec:decorative xmlns:adec="http://schemas.microsoft.com/office/drawing/2017/decorative" val="1"/>
+              </a:ext>
+            </a:extLst>
+          </p:cNvPr>
+          <p:cNvCxnSpPr>
+            <a:cxnSpLocks noGrp="1" noRot="1" noChangeAspect="1" noMove="1" noResize="1" noEditPoints="1" noAdjustHandles="1" noChangeArrowheads="1" noChangeShapeType="1"/>
+          </p:cNvCxnSpPr>
+          <p:nvPr>
+            <p:extLst>
+              <p:ext uri="{386F3935-93C4-4BCD-93E2-E3B085C9AB24}">
+                <p16:designElem xmlns:p16="http://schemas.microsoft.com/office/powerpoint/2015/main" val="1"/>
+              </p:ext>
+            </p:extLst>
+          </p:nvPr>
+        </p:nvCxnSpPr>
+        <p:spPr>
+          <a:xfrm>
+            <a:off x="5723776" y="723900"/>
+            <a:ext cx="5706224" cy="0"/>
+          </a:xfrm>
+          <a:prstGeom prst="line">
+            <a:avLst/>
+          </a:prstGeom>
+          <a:ln w="44450">
+            <a:solidFill>
+              <a:schemeClr val="tx1"/>
+            </a:solidFill>
+          </a:ln>
+        </p:spPr>
+        <p:style>
+          <a:lnRef idx="1">
+            <a:schemeClr val="accent1"/>
+          </a:lnRef>
+          <a:fillRef idx="0">
+            <a:schemeClr val="accent1"/>
+          </a:fillRef>
+          <a:effectRef idx="0">
+            <a:schemeClr val="accent1"/>
+          </a:effectRef>
+          <a:fontRef idx="minor">
+            <a:schemeClr val="tx1"/>
+          </a:fontRef>
+        </p:style>
+      </p:cxnSp>
+      <p:cxnSp>
+        <p:nvCxnSpPr>
+          <p:cNvPr id="18" name="Straight Connector 12">
+            <a:extLst>
+              <a:ext uri="{FF2B5EF4-FFF2-40B4-BE49-F238E27FC236}">
+                <a16:creationId xmlns:a16="http://schemas.microsoft.com/office/drawing/2014/main" id="{2CF06E40-3ECB-4820-95B5-8A70B07D4B47}"/>
+              </a:ext>
+              <a:ext uri="{C183D7F6-B498-43B3-948B-1728B52AA6E4}">
+                <adec:decorative xmlns:adec="http://schemas.microsoft.com/office/drawing/2017/decorative" val="1"/>
+              </a:ext>
+            </a:extLst>
+          </p:cNvPr>
+          <p:cNvCxnSpPr>
+            <a:cxnSpLocks noGrp="1" noRot="1" noChangeAspect="1" noMove="1" noResize="1" noEditPoints="1" noAdjustHandles="1" noChangeArrowheads="1" noChangeShapeType="1"/>
+          </p:cNvCxnSpPr>
+          <p:nvPr>
+            <p:extLst>
+              <p:ext uri="{386F3935-93C4-4BCD-93E2-E3B085C9AB24}">
+                <p16:designElem xmlns:p16="http://schemas.microsoft.com/office/powerpoint/2015/main" val="1"/>
+              </p:ext>
+            </p:extLst>
+          </p:nvPr>
+        </p:nvCxnSpPr>
+        <p:spPr>
+          <a:xfrm>
+            <a:off x="5723776" y="6134100"/>
+            <a:ext cx="5668124" cy="0"/>
+          </a:xfrm>
+          <a:prstGeom prst="line">
+            <a:avLst/>
+          </a:prstGeom>
+          <a:ln w="12700">
+            <a:solidFill>
+              <a:schemeClr val="tx1"/>
+            </a:solidFill>
+          </a:ln>
+        </p:spPr>
+        <p:style>
+          <a:lnRef idx="1">
+            <a:schemeClr val="accent1"/>
+          </a:lnRef>
+          <a:fillRef idx="0">
+            <a:schemeClr val="accent1"/>
+          </a:fillRef>
+          <a:effectRef idx="0">
+            <a:schemeClr val="accent1"/>
+          </a:effectRef>
+          <a:fontRef idx="minor">
+            <a:schemeClr val="tx1"/>
+          </a:fontRef>
+        </p:style>
+      </p:cxnSp>
     </p:spTree>
     <p:extLst>
       <p:ext uri="{BB962C8B-B14F-4D97-AF65-F5344CB8AC3E}">
-        <p14:creationId xmlns:p14="http://schemas.microsoft.com/office/powerpoint/2010/main" val="2497055136"/>
+        <p14:creationId xmlns:p14="http://schemas.microsoft.com/office/powerpoint/2010/main" val="3353058256"/>
       </p:ext>
     </p:extLst>
   </p:cSld>
@@ -3417,9 +3743,17 @@
 </p:sld>
 </file>
 
-<file path=ppt/slides/slide10.xml><?xml version="1.0" encoding="utf-8"?>
+<file path=ppt/slides/slide2.xml><?xml version="1.0" encoding="utf-8"?>
 <p:sld xmlns:a="http://schemas.openxmlformats.org/drawingml/2006/main" xmlns:r="http://schemas.openxmlformats.org/officeDocument/2006/relationships" xmlns:p="http://schemas.openxmlformats.org/presentationml/2006/main">
   <p:cSld>
+    <p:bg>
+      <p:bgPr>
+        <a:solidFill>
+          <a:schemeClr val="bg1"/>
+        </a:solidFill>
+        <a:effectLst/>
+      </p:bgPr>
+    </p:bg>
     <p:spTree>
       <p:nvGrpSpPr>
         <p:cNvPr id="1" name=""/>
@@ -3434,12 +3768,192 @@
           <a:chExt cx="0" cy="0"/>
         </a:xfrm>
       </p:grpSpPr>
+      <p:cxnSp>
+        <p:nvCxnSpPr>
+          <p:cNvPr id="1031" name="Straight Connector 1030">
+            <a:extLst>
+              <a:ext uri="{FF2B5EF4-FFF2-40B4-BE49-F238E27FC236}">
+                <a16:creationId xmlns:a16="http://schemas.microsoft.com/office/drawing/2014/main" id="{F64F9B95-9045-48D2-B9F3-2927E98F54AA}"/>
+              </a:ext>
+              <a:ext uri="{C183D7F6-B498-43B3-948B-1728B52AA6E4}">
+                <adec:decorative xmlns:adec="http://schemas.microsoft.com/office/drawing/2017/decorative" val="1"/>
+              </a:ext>
+            </a:extLst>
+          </p:cNvPr>
+          <p:cNvCxnSpPr>
+            <a:cxnSpLocks noGrp="1" noRot="1" noChangeAspect="1" noMove="1" noResize="1" noEditPoints="1" noAdjustHandles="1" noChangeArrowheads="1" noChangeShapeType="1"/>
+          </p:cNvCxnSpPr>
+          <p:nvPr>
+            <p:extLst>
+              <p:ext uri="{386F3935-93C4-4BCD-93E2-E3B085C9AB24}">
+                <p16:designElem xmlns:p16="http://schemas.microsoft.com/office/powerpoint/2015/main" val="1"/>
+              </p:ext>
+            </p:extLst>
+          </p:nvPr>
+        </p:nvCxnSpPr>
+        <p:spPr>
+          <a:xfrm>
+            <a:off x="800100" y="723900"/>
+            <a:ext cx="10591800" cy="0"/>
+          </a:xfrm>
+          <a:prstGeom prst="line">
+            <a:avLst/>
+          </a:prstGeom>
+          <a:ln w="44450">
+            <a:solidFill>
+              <a:schemeClr val="tx1"/>
+            </a:solidFill>
+          </a:ln>
+        </p:spPr>
+        <p:style>
+          <a:lnRef idx="1">
+            <a:schemeClr val="accent1"/>
+          </a:lnRef>
+          <a:fillRef idx="0">
+            <a:schemeClr val="accent1"/>
+          </a:fillRef>
+          <a:effectRef idx="0">
+            <a:schemeClr val="accent1"/>
+          </a:effectRef>
+          <a:fontRef idx="minor">
+            <a:schemeClr val="tx1"/>
+          </a:fontRef>
+        </p:style>
+      </p:cxnSp>
+      <p:cxnSp>
+        <p:nvCxnSpPr>
+          <p:cNvPr id="1033" name="Straight Connector 1032">
+            <a:extLst>
+              <a:ext uri="{FF2B5EF4-FFF2-40B4-BE49-F238E27FC236}">
+                <a16:creationId xmlns:a16="http://schemas.microsoft.com/office/drawing/2014/main" id="{085AA86F-6A4D-4BCB-A045-D992CDC2959B}"/>
+              </a:ext>
+              <a:ext uri="{C183D7F6-B498-43B3-948B-1728B52AA6E4}">
+                <adec:decorative xmlns:adec="http://schemas.microsoft.com/office/drawing/2017/decorative" val="1"/>
+              </a:ext>
+            </a:extLst>
+          </p:cNvPr>
+          <p:cNvCxnSpPr>
+            <a:cxnSpLocks noGrp="1" noRot="1" noChangeAspect="1" noMove="1" noResize="1" noEditPoints="1" noAdjustHandles="1" noChangeArrowheads="1" noChangeShapeType="1"/>
+          </p:cNvCxnSpPr>
+          <p:nvPr>
+            <p:extLst>
+              <p:ext uri="{386F3935-93C4-4BCD-93E2-E3B085C9AB24}">
+                <p16:designElem xmlns:p16="http://schemas.microsoft.com/office/powerpoint/2015/main" val="1"/>
+              </p:ext>
+            </p:extLst>
+          </p:nvPr>
+        </p:nvCxnSpPr>
+        <p:spPr>
+          <a:xfrm>
+            <a:off x="800100" y="6142781"/>
+            <a:ext cx="10591800" cy="0"/>
+          </a:xfrm>
+          <a:prstGeom prst="line">
+            <a:avLst/>
+          </a:prstGeom>
+          <a:ln w="12700">
+            <a:solidFill>
+              <a:schemeClr val="tx1"/>
+            </a:solidFill>
+          </a:ln>
+        </p:spPr>
+        <p:style>
+          <a:lnRef idx="1">
+            <a:schemeClr val="accent1"/>
+          </a:lnRef>
+          <a:fillRef idx="0">
+            <a:schemeClr val="accent1"/>
+          </a:fillRef>
+          <a:effectRef idx="0">
+            <a:schemeClr val="accent1"/>
+          </a:effectRef>
+          <a:fontRef idx="minor">
+            <a:schemeClr val="tx1"/>
+          </a:fontRef>
+        </p:style>
+      </p:cxnSp>
+      <p:sp useBgFill="1">
+        <p:nvSpPr>
+          <p:cNvPr id="1035" name="Rectangle 1034">
+            <a:extLst>
+              <a:ext uri="{FF2B5EF4-FFF2-40B4-BE49-F238E27FC236}">
+                <a16:creationId xmlns:a16="http://schemas.microsoft.com/office/drawing/2014/main" id="{33E93247-6229-44AB-A550-739E971E690B}"/>
+              </a:ext>
+              <a:ext uri="{C183D7F6-B498-43B3-948B-1728B52AA6E4}">
+                <adec:decorative xmlns:adec="http://schemas.microsoft.com/office/drawing/2017/decorative" val="1"/>
+              </a:ext>
+            </a:extLst>
+          </p:cNvPr>
+          <p:cNvSpPr>
+            <a:spLocks noGrp="1" noRot="1" noChangeAspect="1" noMove="1" noResize="1" noEditPoints="1" noAdjustHandles="1" noChangeArrowheads="1" noChangeShapeType="1" noTextEdit="1"/>
+          </p:cNvSpPr>
+          <p:nvPr>
+            <p:extLst>
+              <p:ext uri="{386F3935-93C4-4BCD-93E2-E3B085C9AB24}">
+                <p16:designElem xmlns:p16="http://schemas.microsoft.com/office/powerpoint/2015/main" val="1"/>
+              </p:ext>
+            </p:extLst>
+          </p:nvPr>
+        </p:nvSpPr>
+        <p:spPr>
+          <a:xfrm>
+            <a:off x="0" y="0"/>
+            <a:ext cx="12192000" cy="6858000"/>
+          </a:xfrm>
+          <a:prstGeom prst="rect">
+            <a:avLst/>
+          </a:prstGeom>
+          <a:ln w="12700" cap="flat" cmpd="sng" algn="ctr">
+            <a:noFill/>
+            <a:prstDash val="solid"/>
+            <a:miter lim="800000"/>
+          </a:ln>
+          <a:effectLst/>
+          <a:extLst>
+            <a:ext uri="{91240B29-F687-4F45-9708-019B960494DF}">
+              <a14:hiddenLine xmlns:a14="http://schemas.microsoft.com/office/drawing/2010/main" w="12700" cap="flat" cmpd="sng" algn="ctr">
+                <a:solidFill>
+                  <a:schemeClr val="accent1">
+                    <a:shade val="50000"/>
+                  </a:schemeClr>
+                </a:solidFill>
+                <a:prstDash val="solid"/>
+                <a:miter lim="800000"/>
+              </a14:hiddenLine>
+            </a:ext>
+          </a:extLst>
+        </p:spPr>
+        <p:style>
+          <a:lnRef idx="2">
+            <a:schemeClr val="accent1">
+              <a:shade val="50000"/>
+            </a:schemeClr>
+          </a:lnRef>
+          <a:fillRef idx="1">
+            <a:schemeClr val="accent1"/>
+          </a:fillRef>
+          <a:effectRef idx="0">
+            <a:schemeClr val="accent1"/>
+          </a:effectRef>
+          <a:fontRef idx="minor">
+            <a:schemeClr val="lt1"/>
+          </a:fontRef>
+        </p:style>
+        <p:txBody>
+          <a:bodyPr rtlCol="0" anchor="ctr"/>
+          <a:lstStyle/>
+          <a:p>
+            <a:pPr algn="ctr"/>
+            <a:endParaRPr lang="en-US"/>
+          </a:p>
+        </p:txBody>
+      </p:sp>
       <p:sp>
         <p:nvSpPr>
           <p:cNvPr id="2" name="Title 1">
             <a:extLst>
               <a:ext uri="{FF2B5EF4-FFF2-40B4-BE49-F238E27FC236}">
-                <a16:creationId xmlns:a16="http://schemas.microsoft.com/office/drawing/2014/main" id="{F2194DBB-28AD-363D-3B1E-F77B61FCB94F}"/>
+                <a16:creationId xmlns:a16="http://schemas.microsoft.com/office/drawing/2014/main" id="{41C5D023-60FA-D7EE-2CB2-9823D622DCC9}"/>
               </a:ext>
             </a:extLst>
           </p:cNvPr>
@@ -3450,47 +3964,127 @@
             <p:ph type="title"/>
           </p:nvPr>
         </p:nvSpPr>
-        <p:spPr/>
-        <p:txBody>
-          <a:bodyPr/>
-          <a:lstStyle/>
-          <a:p>
-            <a:r>
-              <a:rPr lang="en-CH" dirty="0"/>
-              <a:t>Kinesis Firehose</a:t>
-            </a:r>
-          </a:p>
-        </p:txBody>
-      </p:sp>
-      <p:sp>
-        <p:nvSpPr>
-          <p:cNvPr id="3" name="Content Placeholder 2">
-            <a:extLst>
-              <a:ext uri="{FF2B5EF4-FFF2-40B4-BE49-F238E27FC236}">
-                <a16:creationId xmlns:a16="http://schemas.microsoft.com/office/drawing/2014/main" id="{5CDD2A10-A3D8-9AF2-08A9-B9B748817F9C}"/>
-              </a:ext>
-            </a:extLst>
-          </p:cNvPr>
-          <p:cNvSpPr>
-            <a:spLocks noGrp="1"/>
-          </p:cNvSpPr>
-          <p:nvPr>
-            <p:ph idx="1"/>
-          </p:nvPr>
-        </p:nvSpPr>
-        <p:spPr/>
-        <p:txBody>
-          <a:bodyPr/>
-          <a:lstStyle/>
-          <a:p>
-            <a:endParaRPr lang="en-CH"/>
-          </a:p>
-        </p:txBody>
-      </p:sp>
+        <p:spPr>
+          <a:xfrm>
+            <a:off x="695325" y="914557"/>
+            <a:ext cx="10872665" cy="705780"/>
+          </a:xfrm>
+        </p:spPr>
+        <p:txBody>
+          <a:bodyPr vert="horz" lIns="91440" tIns="45720" rIns="91440" bIns="45720" rtlCol="0" anchor="t">
+            <a:normAutofit/>
+          </a:bodyPr>
+          <a:lstStyle/>
+          <a:p>
+            <a:r>
+              <a:rPr lang="en-US"/>
+              <a:t>AWS Artifact</a:t>
+            </a:r>
+          </a:p>
+        </p:txBody>
+      </p:sp>
+      <p:cxnSp>
+        <p:nvCxnSpPr>
+          <p:cNvPr id="1037" name="Straight Connector 1036">
+            <a:extLst>
+              <a:ext uri="{FF2B5EF4-FFF2-40B4-BE49-F238E27FC236}">
+                <a16:creationId xmlns:a16="http://schemas.microsoft.com/office/drawing/2014/main" id="{EE2E603F-4A95-4FE8-BB06-211DFD75DBEF}"/>
+              </a:ext>
+              <a:ext uri="{C183D7F6-B498-43B3-948B-1728B52AA6E4}">
+                <adec:decorative xmlns:adec="http://schemas.microsoft.com/office/drawing/2017/decorative" val="1"/>
+              </a:ext>
+            </a:extLst>
+          </p:cNvPr>
+          <p:cNvCxnSpPr>
+            <a:cxnSpLocks noGrp="1" noRot="1" noChangeAspect="1" noMove="1" noResize="1" noEditPoints="1" noAdjustHandles="1" noChangeArrowheads="1" noChangeShapeType="1"/>
+          </p:cNvCxnSpPr>
+          <p:nvPr>
+            <p:extLst>
+              <p:ext uri="{386F3935-93C4-4BCD-93E2-E3B085C9AB24}">
+                <p16:designElem xmlns:p16="http://schemas.microsoft.com/office/powerpoint/2015/main" val="1"/>
+              </p:ext>
+            </p:extLst>
+          </p:nvPr>
+        </p:nvCxnSpPr>
+        <p:spPr>
+          <a:xfrm>
+            <a:off x="800100" y="723900"/>
+            <a:ext cx="1638300" cy="0"/>
+          </a:xfrm>
+          <a:prstGeom prst="line">
+            <a:avLst/>
+          </a:prstGeom>
+          <a:ln w="44450">
+            <a:solidFill>
+              <a:schemeClr val="tx1"/>
+            </a:solidFill>
+          </a:ln>
+        </p:spPr>
+        <p:style>
+          <a:lnRef idx="1">
+            <a:schemeClr val="accent1"/>
+          </a:lnRef>
+          <a:fillRef idx="0">
+            <a:schemeClr val="accent1"/>
+          </a:fillRef>
+          <a:effectRef idx="0">
+            <a:schemeClr val="accent1"/>
+          </a:effectRef>
+          <a:fontRef idx="minor">
+            <a:schemeClr val="tx1"/>
+          </a:fontRef>
+        </p:style>
+      </p:cxnSp>
+      <p:pic>
+        <p:nvPicPr>
+          <p:cNvPr id="1026" name="Picture 2" descr="Diagram that shows how AWS Artifact allows users to download AWS and third-party compliance reports and review agreements.">
+            <a:extLst>
+              <a:ext uri="{FF2B5EF4-FFF2-40B4-BE49-F238E27FC236}">
+                <a16:creationId xmlns:a16="http://schemas.microsoft.com/office/drawing/2014/main" id="{42335695-8C0B-9439-D187-DF5DE5E43D12}"/>
+              </a:ext>
+            </a:extLst>
+          </p:cNvPr>
+          <p:cNvPicPr>
+            <a:picLocks noChangeAspect="1" noChangeArrowheads="1"/>
+          </p:cNvPicPr>
+          <p:nvPr/>
+        </p:nvPicPr>
+        <p:blipFill>
+          <a:blip r:embed="rId2">
+            <a:extLst>
+              <a:ext uri="{28A0092B-C50C-407E-A947-70E740481C1C}">
+                <a14:useLocalDpi xmlns:a14="http://schemas.microsoft.com/office/drawing/2010/main" val="0"/>
+              </a:ext>
+            </a:extLst>
+          </a:blip>
+          <a:stretch>
+            <a:fillRect/>
+          </a:stretch>
+        </p:blipFill>
+        <p:spPr bwMode="auto">
+          <a:xfrm>
+            <a:off x="914189" y="2292953"/>
+            <a:ext cx="10363621" cy="3860450"/>
+          </a:xfrm>
+          <a:prstGeom prst="rect">
+            <a:avLst/>
+          </a:prstGeom>
+          <a:noFill/>
+          <a:extLst>
+            <a:ext uri="{909E8E84-426E-40DD-AFC4-6F175D3DCCD1}">
+              <a14:hiddenFill xmlns:a14="http://schemas.microsoft.com/office/drawing/2010/main">
+                <a:solidFill>
+                  <a:srgbClr val="FFFFFF"/>
+                </a:solidFill>
+              </a14:hiddenFill>
+            </a:ext>
+          </a:extLst>
+        </p:spPr>
+      </p:pic>
     </p:spTree>
     <p:extLst>
       <p:ext uri="{BB962C8B-B14F-4D97-AF65-F5344CB8AC3E}">
-        <p14:creationId xmlns:p14="http://schemas.microsoft.com/office/powerpoint/2010/main" val="1984078770"/>
+        <p14:creationId xmlns:p14="http://schemas.microsoft.com/office/powerpoint/2010/main" val="639035143"/>
       </p:ext>
     </p:extLst>
   </p:cSld>
@@ -3500,9 +4094,17 @@
 </p:sld>
 </file>
 
-<file path=ppt/slides/slide11.xml><?xml version="1.0" encoding="utf-8"?>
+<file path=ppt/slides/slide3.xml><?xml version="1.0" encoding="utf-8"?>
 <p:sld xmlns:a="http://schemas.openxmlformats.org/drawingml/2006/main" xmlns:r="http://schemas.openxmlformats.org/officeDocument/2006/relationships" xmlns:p="http://schemas.openxmlformats.org/presentationml/2006/main">
   <p:cSld>
+    <p:bg>
+      <p:bgPr>
+        <a:solidFill>
+          <a:schemeClr val="bg1"/>
+        </a:solidFill>
+        <a:effectLst/>
+      </p:bgPr>
+    </p:bg>
     <p:spTree>
       <p:nvGrpSpPr>
         <p:cNvPr id="1" name=""/>
@@ -3517,925 +4119,775 @@
           <a:chExt cx="0" cy="0"/>
         </a:xfrm>
       </p:grpSpPr>
-      <p:sp>
-        <p:nvSpPr>
-          <p:cNvPr id="2" name="Title 1">
-            <a:extLst>
-              <a:ext uri="{FF2B5EF4-FFF2-40B4-BE49-F238E27FC236}">
-                <a16:creationId xmlns:a16="http://schemas.microsoft.com/office/drawing/2014/main" id="{725C344F-3490-91C2-7A80-46C891CCD0DE}"/>
-              </a:ext>
-            </a:extLst>
-          </p:cNvPr>
-          <p:cNvSpPr>
-            <a:spLocks noGrp="1"/>
-          </p:cNvSpPr>
-          <p:nvPr>
-            <p:ph type="title"/>
-          </p:nvPr>
-        </p:nvSpPr>
-        <p:spPr/>
-        <p:txBody>
-          <a:bodyPr/>
-          <a:lstStyle/>
-          <a:p>
-            <a:r>
-              <a:rPr lang="en-CH" dirty="0"/>
-              <a:t>Kinesis Data Analytics</a:t>
-            </a:r>
-          </a:p>
-        </p:txBody>
-      </p:sp>
-      <p:sp>
-        <p:nvSpPr>
-          <p:cNvPr id="3" name="Content Placeholder 2">
-            <a:extLst>
-              <a:ext uri="{FF2B5EF4-FFF2-40B4-BE49-F238E27FC236}">
-                <a16:creationId xmlns:a16="http://schemas.microsoft.com/office/drawing/2014/main" id="{EE902A70-746D-B764-2A8D-09540D7486F1}"/>
-              </a:ext>
-            </a:extLst>
-          </p:cNvPr>
-          <p:cNvSpPr>
-            <a:spLocks noGrp="1"/>
-          </p:cNvSpPr>
-          <p:nvPr>
-            <p:ph idx="1"/>
-          </p:nvPr>
-        </p:nvSpPr>
-        <p:spPr/>
-        <p:txBody>
-          <a:bodyPr/>
-          <a:lstStyle/>
-          <a:p>
-            <a:endParaRPr lang="en-CH"/>
-          </a:p>
-        </p:txBody>
-      </p:sp>
-    </p:spTree>
-    <p:extLst>
-      <p:ext uri="{BB962C8B-B14F-4D97-AF65-F5344CB8AC3E}">
-        <p14:creationId xmlns:p14="http://schemas.microsoft.com/office/powerpoint/2010/main" val="3034653325"/>
-      </p:ext>
-    </p:extLst>
-  </p:cSld>
-  <p:clrMapOvr>
-    <a:masterClrMapping/>
-  </p:clrMapOvr>
-</p:sld>
-</file>
-
-<file path=ppt/slides/slide12.xml><?xml version="1.0" encoding="utf-8"?>
-<p:sld xmlns:a="http://schemas.openxmlformats.org/drawingml/2006/main" xmlns:r="http://schemas.openxmlformats.org/officeDocument/2006/relationships" xmlns:p="http://schemas.openxmlformats.org/presentationml/2006/main">
-  <p:cSld>
-    <p:spTree>
-      <p:nvGrpSpPr>
-        <p:cNvPr id="1" name=""/>
-        <p:cNvGrpSpPr/>
-        <p:nvPr/>
-      </p:nvGrpSpPr>
-      <p:grpSpPr>
-        <a:xfrm>
-          <a:off x="0" y="0"/>
-          <a:ext cx="0" cy="0"/>
-          <a:chOff x="0" y="0"/>
-          <a:chExt cx="0" cy="0"/>
-        </a:xfrm>
-      </p:grpSpPr>
-      <p:sp>
-        <p:nvSpPr>
-          <p:cNvPr id="2" name="Title 1">
-            <a:extLst>
-              <a:ext uri="{FF2B5EF4-FFF2-40B4-BE49-F238E27FC236}">
-                <a16:creationId xmlns:a16="http://schemas.microsoft.com/office/drawing/2014/main" id="{7F3F3517-A952-6112-2F01-2CA4858E08DE}"/>
-              </a:ext>
-            </a:extLst>
-          </p:cNvPr>
-          <p:cNvSpPr>
-            <a:spLocks noGrp="1"/>
-          </p:cNvSpPr>
-          <p:nvPr>
-            <p:ph type="title"/>
-          </p:nvPr>
-        </p:nvSpPr>
-        <p:spPr/>
-        <p:txBody>
-          <a:bodyPr/>
-          <a:lstStyle/>
-          <a:p>
-            <a:r>
-              <a:rPr lang="en-CH" dirty="0"/>
-              <a:t>MSK</a:t>
-            </a:r>
-          </a:p>
-        </p:txBody>
-      </p:sp>
-      <p:sp>
-        <p:nvSpPr>
-          <p:cNvPr id="3" name="Content Placeholder 2">
-            <a:extLst>
-              <a:ext uri="{FF2B5EF4-FFF2-40B4-BE49-F238E27FC236}">
-                <a16:creationId xmlns:a16="http://schemas.microsoft.com/office/drawing/2014/main" id="{C36E782D-017C-94D5-3F95-35230D049461}"/>
-              </a:ext>
-            </a:extLst>
-          </p:cNvPr>
-          <p:cNvSpPr>
-            <a:spLocks noGrp="1"/>
-          </p:cNvSpPr>
-          <p:nvPr>
-            <p:ph idx="1"/>
-          </p:nvPr>
-        </p:nvSpPr>
-        <p:spPr/>
-        <p:txBody>
-          <a:bodyPr/>
-          <a:lstStyle/>
-          <a:p>
-            <a:endParaRPr lang="en-CH"/>
-          </a:p>
-        </p:txBody>
-      </p:sp>
-    </p:spTree>
-    <p:extLst>
-      <p:ext uri="{BB962C8B-B14F-4D97-AF65-F5344CB8AC3E}">
-        <p14:creationId xmlns:p14="http://schemas.microsoft.com/office/powerpoint/2010/main" val="494807790"/>
-      </p:ext>
-    </p:extLst>
-  </p:cSld>
-  <p:clrMapOvr>
-    <a:masterClrMapping/>
-  </p:clrMapOvr>
-</p:sld>
-</file>
-
-<file path=ppt/slides/slide13.xml><?xml version="1.0" encoding="utf-8"?>
-<p:sld xmlns:a="http://schemas.openxmlformats.org/drawingml/2006/main" xmlns:r="http://schemas.openxmlformats.org/officeDocument/2006/relationships" xmlns:p="http://schemas.openxmlformats.org/presentationml/2006/main">
-  <p:cSld>
-    <p:spTree>
-      <p:nvGrpSpPr>
-        <p:cNvPr id="1" name=""/>
-        <p:cNvGrpSpPr/>
-        <p:nvPr/>
-      </p:nvGrpSpPr>
-      <p:grpSpPr>
-        <a:xfrm>
-          <a:off x="0" y="0"/>
-          <a:ext cx="0" cy="0"/>
-          <a:chOff x="0" y="0"/>
-          <a:chExt cx="0" cy="0"/>
-        </a:xfrm>
-      </p:grpSpPr>
-      <p:sp>
-        <p:nvSpPr>
-          <p:cNvPr id="2" name="Title 1">
-            <a:extLst>
-              <a:ext uri="{FF2B5EF4-FFF2-40B4-BE49-F238E27FC236}">
-                <a16:creationId xmlns:a16="http://schemas.microsoft.com/office/drawing/2014/main" id="{77E6B829-7C67-83B7-754A-38FC14AB3569}"/>
-              </a:ext>
-            </a:extLst>
-          </p:cNvPr>
-          <p:cNvSpPr>
-            <a:spLocks noGrp="1"/>
-          </p:cNvSpPr>
-          <p:nvPr>
-            <p:ph type="title"/>
-          </p:nvPr>
-        </p:nvSpPr>
-        <p:spPr/>
-        <p:txBody>
-          <a:bodyPr/>
-          <a:lstStyle/>
-          <a:p>
-            <a:r>
-              <a:rPr lang="en-CH"/>
-              <a:t>Exam takeaway</a:t>
-            </a:r>
-          </a:p>
-        </p:txBody>
-      </p:sp>
-      <p:sp>
-        <p:nvSpPr>
-          <p:cNvPr id="3" name="Content Placeholder 2">
-            <a:extLst>
-              <a:ext uri="{FF2B5EF4-FFF2-40B4-BE49-F238E27FC236}">
-                <a16:creationId xmlns:a16="http://schemas.microsoft.com/office/drawing/2014/main" id="{8B9F24D3-3DD6-754D-869A-9E5320D343E9}"/>
-              </a:ext>
-            </a:extLst>
-          </p:cNvPr>
-          <p:cNvSpPr>
-            <a:spLocks noGrp="1"/>
-          </p:cNvSpPr>
-          <p:nvPr>
-            <p:ph idx="1"/>
-          </p:nvPr>
-        </p:nvSpPr>
-        <p:spPr/>
-        <p:txBody>
-          <a:bodyPr/>
-          <a:lstStyle/>
-          <a:p>
-            <a:endParaRPr lang="en-CH"/>
-          </a:p>
-        </p:txBody>
-      </p:sp>
-    </p:spTree>
-    <p:extLst>
-      <p:ext uri="{BB962C8B-B14F-4D97-AF65-F5344CB8AC3E}">
-        <p14:creationId xmlns:p14="http://schemas.microsoft.com/office/powerpoint/2010/main" val="4245457912"/>
-      </p:ext>
-    </p:extLst>
-  </p:cSld>
-  <p:clrMapOvr>
-    <a:masterClrMapping/>
-  </p:clrMapOvr>
-</p:sld>
-</file>
-
-<file path=ppt/slides/slide2.xml><?xml version="1.0" encoding="utf-8"?>
-<p:sld xmlns:a="http://schemas.openxmlformats.org/drawingml/2006/main" xmlns:r="http://schemas.openxmlformats.org/officeDocument/2006/relationships" xmlns:p="http://schemas.openxmlformats.org/presentationml/2006/main">
-  <p:cSld>
-    <p:spTree>
-      <p:nvGrpSpPr>
-        <p:cNvPr id="1" name=""/>
-        <p:cNvGrpSpPr/>
-        <p:nvPr/>
-      </p:nvGrpSpPr>
-      <p:grpSpPr>
-        <a:xfrm>
-          <a:off x="0" y="0"/>
-          <a:ext cx="0" cy="0"/>
-          <a:chOff x="0" y="0"/>
-          <a:chExt cx="0" cy="0"/>
-        </a:xfrm>
-      </p:grpSpPr>
-      <p:sp>
-        <p:nvSpPr>
-          <p:cNvPr id="2" name="Title 1">
-            <a:extLst>
-              <a:ext uri="{FF2B5EF4-FFF2-40B4-BE49-F238E27FC236}">
-                <a16:creationId xmlns:a16="http://schemas.microsoft.com/office/drawing/2014/main" id="{C4EA2B5D-1489-0AC6-64AF-DC0F56E334AA}"/>
-              </a:ext>
-            </a:extLst>
-          </p:cNvPr>
-          <p:cNvSpPr>
-            <a:spLocks noGrp="1"/>
-          </p:cNvSpPr>
-          <p:nvPr>
-            <p:ph type="title"/>
-          </p:nvPr>
-        </p:nvSpPr>
-        <p:spPr/>
-        <p:txBody>
-          <a:bodyPr/>
-          <a:lstStyle/>
-          <a:p>
-            <a:r>
-              <a:rPr lang="en-CH" dirty="0"/>
-              <a:t>Athena</a:t>
-            </a:r>
-          </a:p>
-        </p:txBody>
-      </p:sp>
-      <p:sp>
-        <p:nvSpPr>
-          <p:cNvPr id="3" name="Content Placeholder 2">
-            <a:extLst>
-              <a:ext uri="{FF2B5EF4-FFF2-40B4-BE49-F238E27FC236}">
-                <a16:creationId xmlns:a16="http://schemas.microsoft.com/office/drawing/2014/main" id="{CE16C5C0-5344-C1CD-1224-83C8E34164AE}"/>
-              </a:ext>
-            </a:extLst>
-          </p:cNvPr>
-          <p:cNvSpPr>
-            <a:spLocks noGrp="1"/>
-          </p:cNvSpPr>
-          <p:nvPr>
-            <p:ph idx="1"/>
-          </p:nvPr>
-        </p:nvSpPr>
-        <p:spPr/>
-        <p:txBody>
-          <a:bodyPr/>
-          <a:lstStyle/>
-          <a:p>
-            <a:endParaRPr lang="en-CH"/>
-          </a:p>
-        </p:txBody>
-      </p:sp>
-    </p:spTree>
-    <p:extLst>
-      <p:ext uri="{BB962C8B-B14F-4D97-AF65-F5344CB8AC3E}">
-        <p14:creationId xmlns:p14="http://schemas.microsoft.com/office/powerpoint/2010/main" val="2536013262"/>
-      </p:ext>
-    </p:extLst>
-  </p:cSld>
-  <p:clrMapOvr>
-    <a:masterClrMapping/>
-  </p:clrMapOvr>
-</p:sld>
-</file>
-
-<file path=ppt/slides/slide3.xml><?xml version="1.0" encoding="utf-8"?>
-<p:sld xmlns:a="http://schemas.openxmlformats.org/drawingml/2006/main" xmlns:r="http://schemas.openxmlformats.org/officeDocument/2006/relationships" xmlns:p="http://schemas.openxmlformats.org/presentationml/2006/main">
-  <p:cSld>
-    <p:spTree>
-      <p:nvGrpSpPr>
-        <p:cNvPr id="1" name=""/>
-        <p:cNvGrpSpPr/>
-        <p:nvPr/>
-      </p:nvGrpSpPr>
-      <p:grpSpPr>
-        <a:xfrm>
-          <a:off x="0" y="0"/>
-          <a:ext cx="0" cy="0"/>
-          <a:chOff x="0" y="0"/>
-          <a:chExt cx="0" cy="0"/>
-        </a:xfrm>
-      </p:grpSpPr>
-      <p:sp>
-        <p:nvSpPr>
-          <p:cNvPr id="2" name="Title 1">
-            <a:extLst>
-              <a:ext uri="{FF2B5EF4-FFF2-40B4-BE49-F238E27FC236}">
-                <a16:creationId xmlns:a16="http://schemas.microsoft.com/office/drawing/2014/main" id="{C4EA2B5D-1489-0AC6-64AF-DC0F56E334AA}"/>
-              </a:ext>
-            </a:extLst>
-          </p:cNvPr>
-          <p:cNvSpPr>
-            <a:spLocks noGrp="1"/>
-          </p:cNvSpPr>
-          <p:nvPr>
-            <p:ph type="title"/>
-          </p:nvPr>
-        </p:nvSpPr>
-        <p:spPr/>
-        <p:txBody>
-          <a:bodyPr/>
-          <a:lstStyle/>
-          <a:p>
-            <a:r>
-              <a:rPr lang="en-CH" dirty="0"/>
-              <a:t>Redshift</a:t>
-            </a:r>
-          </a:p>
-        </p:txBody>
-      </p:sp>
-      <p:sp>
-        <p:nvSpPr>
-          <p:cNvPr id="3" name="Content Placeholder 2">
-            <a:extLst>
-              <a:ext uri="{FF2B5EF4-FFF2-40B4-BE49-F238E27FC236}">
-                <a16:creationId xmlns:a16="http://schemas.microsoft.com/office/drawing/2014/main" id="{CE16C5C0-5344-C1CD-1224-83C8E34164AE}"/>
-              </a:ext>
-            </a:extLst>
-          </p:cNvPr>
-          <p:cNvSpPr>
-            <a:spLocks noGrp="1"/>
-          </p:cNvSpPr>
-          <p:nvPr>
-            <p:ph idx="1"/>
-          </p:nvPr>
-        </p:nvSpPr>
-        <p:spPr/>
-        <p:txBody>
-          <a:bodyPr/>
-          <a:lstStyle/>
-          <a:p>
-            <a:endParaRPr lang="en-CH"/>
-          </a:p>
-        </p:txBody>
-      </p:sp>
-    </p:spTree>
-    <p:extLst>
-      <p:ext uri="{BB962C8B-B14F-4D97-AF65-F5344CB8AC3E}">
-        <p14:creationId xmlns:p14="http://schemas.microsoft.com/office/powerpoint/2010/main" val="4257193585"/>
-      </p:ext>
-    </p:extLst>
-  </p:cSld>
-  <p:clrMapOvr>
-    <a:masterClrMapping/>
-  </p:clrMapOvr>
-</p:sld>
-</file>
-
-<file path=ppt/slides/slide4.xml><?xml version="1.0" encoding="utf-8"?>
-<p:sld xmlns:a="http://schemas.openxmlformats.org/drawingml/2006/main" xmlns:r="http://schemas.openxmlformats.org/officeDocument/2006/relationships" xmlns:p="http://schemas.openxmlformats.org/presentationml/2006/main">
-  <p:cSld>
-    <p:spTree>
-      <p:nvGrpSpPr>
-        <p:cNvPr id="1" name=""/>
-        <p:cNvGrpSpPr/>
-        <p:nvPr/>
-      </p:nvGrpSpPr>
-      <p:grpSpPr>
-        <a:xfrm>
-          <a:off x="0" y="0"/>
-          <a:ext cx="0" cy="0"/>
-          <a:chOff x="0" y="0"/>
-          <a:chExt cx="0" cy="0"/>
-        </a:xfrm>
-      </p:grpSpPr>
-      <p:sp>
-        <p:nvSpPr>
-          <p:cNvPr id="2" name="Title 1">
-            <a:extLst>
-              <a:ext uri="{FF2B5EF4-FFF2-40B4-BE49-F238E27FC236}">
-                <a16:creationId xmlns:a16="http://schemas.microsoft.com/office/drawing/2014/main" id="{C4EA2B5D-1489-0AC6-64AF-DC0F56E334AA}"/>
-              </a:ext>
-            </a:extLst>
-          </p:cNvPr>
-          <p:cNvSpPr>
-            <a:spLocks noGrp="1"/>
-          </p:cNvSpPr>
-          <p:nvPr>
-            <p:ph type="title"/>
-          </p:nvPr>
-        </p:nvSpPr>
-        <p:spPr/>
-        <p:txBody>
-          <a:bodyPr/>
-          <a:lstStyle/>
-          <a:p>
-            <a:r>
-              <a:rPr lang="en-CH" dirty="0"/>
-              <a:t>OpenSearch</a:t>
-            </a:r>
-          </a:p>
-        </p:txBody>
-      </p:sp>
-      <p:sp>
-        <p:nvSpPr>
-          <p:cNvPr id="3" name="Content Placeholder 2">
-            <a:extLst>
-              <a:ext uri="{FF2B5EF4-FFF2-40B4-BE49-F238E27FC236}">
-                <a16:creationId xmlns:a16="http://schemas.microsoft.com/office/drawing/2014/main" id="{CE16C5C0-5344-C1CD-1224-83C8E34164AE}"/>
-              </a:ext>
-            </a:extLst>
-          </p:cNvPr>
-          <p:cNvSpPr>
-            <a:spLocks noGrp="1"/>
-          </p:cNvSpPr>
-          <p:nvPr>
-            <p:ph idx="1"/>
-          </p:nvPr>
-        </p:nvSpPr>
-        <p:spPr/>
-        <p:txBody>
-          <a:bodyPr/>
-          <a:lstStyle/>
-          <a:p>
-            <a:endParaRPr lang="en-CH"/>
-          </a:p>
-        </p:txBody>
-      </p:sp>
-    </p:spTree>
-    <p:extLst>
-      <p:ext uri="{BB962C8B-B14F-4D97-AF65-F5344CB8AC3E}">
-        <p14:creationId xmlns:p14="http://schemas.microsoft.com/office/powerpoint/2010/main" val="1157545913"/>
-      </p:ext>
-    </p:extLst>
-  </p:cSld>
-  <p:clrMapOvr>
-    <a:masterClrMapping/>
-  </p:clrMapOvr>
-</p:sld>
-</file>
-
-<file path=ppt/slides/slide5.xml><?xml version="1.0" encoding="utf-8"?>
-<p:sld xmlns:a="http://schemas.openxmlformats.org/drawingml/2006/main" xmlns:r="http://schemas.openxmlformats.org/officeDocument/2006/relationships" xmlns:p="http://schemas.openxmlformats.org/presentationml/2006/main">
-  <p:cSld>
-    <p:spTree>
-      <p:nvGrpSpPr>
-        <p:cNvPr id="1" name=""/>
-        <p:cNvGrpSpPr/>
-        <p:nvPr/>
-      </p:nvGrpSpPr>
-      <p:grpSpPr>
-        <a:xfrm>
-          <a:off x="0" y="0"/>
-          <a:ext cx="0" cy="0"/>
-          <a:chOff x="0" y="0"/>
-          <a:chExt cx="0" cy="0"/>
-        </a:xfrm>
-      </p:grpSpPr>
-      <p:sp>
-        <p:nvSpPr>
-          <p:cNvPr id="2" name="Title 1">
-            <a:extLst>
-              <a:ext uri="{FF2B5EF4-FFF2-40B4-BE49-F238E27FC236}">
-                <a16:creationId xmlns:a16="http://schemas.microsoft.com/office/drawing/2014/main" id="{C4EA2B5D-1489-0AC6-64AF-DC0F56E334AA}"/>
-              </a:ext>
-            </a:extLst>
-          </p:cNvPr>
-          <p:cNvSpPr>
-            <a:spLocks noGrp="1"/>
-          </p:cNvSpPr>
-          <p:nvPr>
-            <p:ph type="title"/>
-          </p:nvPr>
-        </p:nvSpPr>
-        <p:spPr/>
-        <p:txBody>
-          <a:bodyPr/>
-          <a:lstStyle/>
-          <a:p>
-            <a:r>
-              <a:rPr lang="en-CH" dirty="0"/>
-              <a:t>EMR</a:t>
-            </a:r>
-          </a:p>
-        </p:txBody>
-      </p:sp>
-      <p:sp>
-        <p:nvSpPr>
-          <p:cNvPr id="3" name="Content Placeholder 2">
-            <a:extLst>
-              <a:ext uri="{FF2B5EF4-FFF2-40B4-BE49-F238E27FC236}">
-                <a16:creationId xmlns:a16="http://schemas.microsoft.com/office/drawing/2014/main" id="{CE16C5C0-5344-C1CD-1224-83C8E34164AE}"/>
-              </a:ext>
-            </a:extLst>
-          </p:cNvPr>
-          <p:cNvSpPr>
-            <a:spLocks noGrp="1"/>
-          </p:cNvSpPr>
-          <p:nvPr>
-            <p:ph idx="1"/>
-          </p:nvPr>
-        </p:nvSpPr>
-        <p:spPr/>
-        <p:txBody>
-          <a:bodyPr/>
-          <a:lstStyle/>
-          <a:p>
-            <a:endParaRPr lang="en-CH"/>
-          </a:p>
-        </p:txBody>
-      </p:sp>
-    </p:spTree>
-    <p:extLst>
-      <p:ext uri="{BB962C8B-B14F-4D97-AF65-F5344CB8AC3E}">
-        <p14:creationId xmlns:p14="http://schemas.microsoft.com/office/powerpoint/2010/main" val="1993568414"/>
-      </p:ext>
-    </p:extLst>
-  </p:cSld>
-  <p:clrMapOvr>
-    <a:masterClrMapping/>
-  </p:clrMapOvr>
-</p:sld>
-</file>
-
-<file path=ppt/slides/slide6.xml><?xml version="1.0" encoding="utf-8"?>
-<p:sld xmlns:a="http://schemas.openxmlformats.org/drawingml/2006/main" xmlns:r="http://schemas.openxmlformats.org/officeDocument/2006/relationships" xmlns:p="http://schemas.openxmlformats.org/presentationml/2006/main">
-  <p:cSld>
-    <p:spTree>
-      <p:nvGrpSpPr>
-        <p:cNvPr id="1" name=""/>
-        <p:cNvGrpSpPr/>
-        <p:nvPr/>
-      </p:nvGrpSpPr>
-      <p:grpSpPr>
-        <a:xfrm>
-          <a:off x="0" y="0"/>
-          <a:ext cx="0" cy="0"/>
-          <a:chOff x="0" y="0"/>
-          <a:chExt cx="0" cy="0"/>
-        </a:xfrm>
-      </p:grpSpPr>
-      <p:sp>
-        <p:nvSpPr>
-          <p:cNvPr id="2" name="Title 1">
-            <a:extLst>
-              <a:ext uri="{FF2B5EF4-FFF2-40B4-BE49-F238E27FC236}">
-                <a16:creationId xmlns:a16="http://schemas.microsoft.com/office/drawing/2014/main" id="{C4EA2B5D-1489-0AC6-64AF-DC0F56E334AA}"/>
-              </a:ext>
-            </a:extLst>
-          </p:cNvPr>
-          <p:cNvSpPr>
-            <a:spLocks noGrp="1"/>
-          </p:cNvSpPr>
-          <p:nvPr>
-            <p:ph type="title"/>
-          </p:nvPr>
-        </p:nvSpPr>
-        <p:spPr/>
-        <p:txBody>
-          <a:bodyPr/>
-          <a:lstStyle/>
-          <a:p>
-            <a:r>
-              <a:rPr lang="en-CH" dirty="0"/>
-              <a:t>QuickSight</a:t>
-            </a:r>
-          </a:p>
-        </p:txBody>
-      </p:sp>
-      <p:sp>
-        <p:nvSpPr>
-          <p:cNvPr id="3" name="Content Placeholder 2">
-            <a:extLst>
-              <a:ext uri="{FF2B5EF4-FFF2-40B4-BE49-F238E27FC236}">
-                <a16:creationId xmlns:a16="http://schemas.microsoft.com/office/drawing/2014/main" id="{CE16C5C0-5344-C1CD-1224-83C8E34164AE}"/>
-              </a:ext>
-            </a:extLst>
-          </p:cNvPr>
-          <p:cNvSpPr>
-            <a:spLocks noGrp="1"/>
-          </p:cNvSpPr>
-          <p:nvPr>
-            <p:ph idx="1"/>
-          </p:nvPr>
-        </p:nvSpPr>
-        <p:spPr/>
-        <p:txBody>
-          <a:bodyPr/>
-          <a:lstStyle/>
-          <a:p>
-            <a:endParaRPr lang="en-CH"/>
-          </a:p>
-        </p:txBody>
-      </p:sp>
-    </p:spTree>
-    <p:extLst>
-      <p:ext uri="{BB962C8B-B14F-4D97-AF65-F5344CB8AC3E}">
-        <p14:creationId xmlns:p14="http://schemas.microsoft.com/office/powerpoint/2010/main" val="42543836"/>
-      </p:ext>
-    </p:extLst>
-  </p:cSld>
-  <p:clrMapOvr>
-    <a:masterClrMapping/>
-  </p:clrMapOvr>
-</p:sld>
-</file>
-
-<file path=ppt/slides/slide7.xml><?xml version="1.0" encoding="utf-8"?>
-<p:sld xmlns:a="http://schemas.openxmlformats.org/drawingml/2006/main" xmlns:r="http://schemas.openxmlformats.org/officeDocument/2006/relationships" xmlns:p="http://schemas.openxmlformats.org/presentationml/2006/main">
-  <p:cSld>
-    <p:spTree>
-      <p:nvGrpSpPr>
-        <p:cNvPr id="1" name=""/>
-        <p:cNvGrpSpPr/>
-        <p:nvPr/>
-      </p:nvGrpSpPr>
-      <p:grpSpPr>
-        <a:xfrm>
-          <a:off x="0" y="0"/>
-          <a:ext cx="0" cy="0"/>
-          <a:chOff x="0" y="0"/>
-          <a:chExt cx="0" cy="0"/>
-        </a:xfrm>
-      </p:grpSpPr>
-      <p:sp>
-        <p:nvSpPr>
-          <p:cNvPr id="2" name="Title 1">
-            <a:extLst>
-              <a:ext uri="{FF2B5EF4-FFF2-40B4-BE49-F238E27FC236}">
-                <a16:creationId xmlns:a16="http://schemas.microsoft.com/office/drawing/2014/main" id="{C4EA2B5D-1489-0AC6-64AF-DC0F56E334AA}"/>
-              </a:ext>
-            </a:extLst>
-          </p:cNvPr>
-          <p:cNvSpPr>
-            <a:spLocks noGrp="1"/>
-          </p:cNvSpPr>
-          <p:nvPr>
-            <p:ph type="title"/>
-          </p:nvPr>
-        </p:nvSpPr>
-        <p:spPr/>
-        <p:txBody>
-          <a:bodyPr/>
-          <a:lstStyle/>
-          <a:p>
-            <a:r>
-              <a:rPr lang="en-CH" dirty="0"/>
-              <a:t>Glue</a:t>
-            </a:r>
-          </a:p>
-        </p:txBody>
-      </p:sp>
-      <p:sp>
-        <p:nvSpPr>
-          <p:cNvPr id="3" name="Content Placeholder 2">
-            <a:extLst>
-              <a:ext uri="{FF2B5EF4-FFF2-40B4-BE49-F238E27FC236}">
-                <a16:creationId xmlns:a16="http://schemas.microsoft.com/office/drawing/2014/main" id="{CE16C5C0-5344-C1CD-1224-83C8E34164AE}"/>
-              </a:ext>
-            </a:extLst>
-          </p:cNvPr>
-          <p:cNvSpPr>
-            <a:spLocks noGrp="1"/>
-          </p:cNvSpPr>
-          <p:nvPr>
-            <p:ph idx="1"/>
-          </p:nvPr>
-        </p:nvSpPr>
-        <p:spPr/>
-        <p:txBody>
-          <a:bodyPr/>
-          <a:lstStyle/>
-          <a:p>
-            <a:endParaRPr lang="en-CH"/>
-          </a:p>
-        </p:txBody>
-      </p:sp>
-      <p:sp>
-        <p:nvSpPr>
-          <p:cNvPr id="4" name="TextBox 3">
-            <a:extLst>
-              <a:ext uri="{FF2B5EF4-FFF2-40B4-BE49-F238E27FC236}">
-                <a16:creationId xmlns:a16="http://schemas.microsoft.com/office/drawing/2014/main" id="{8660D3C4-D90D-F7AB-32A6-0A24D59732CD}"/>
-              </a:ext>
-            </a:extLst>
-          </p:cNvPr>
-          <p:cNvSpPr txBox="1"/>
-          <p:nvPr/>
+      <p:sp useBgFill="1">
+        <p:nvSpPr>
+          <p:cNvPr id="11" name="Rectangle 10">
+            <a:extLst>
+              <a:ext uri="{FF2B5EF4-FFF2-40B4-BE49-F238E27FC236}">
+                <a16:creationId xmlns:a16="http://schemas.microsoft.com/office/drawing/2014/main" id="{F68B2C62-7648-4430-90D5-AE0F252AF113}"/>
+              </a:ext>
+              <a:ext uri="{C183D7F6-B498-43B3-948B-1728B52AA6E4}">
+                <adec:decorative xmlns:adec="http://schemas.microsoft.com/office/drawing/2017/decorative" val="1"/>
+              </a:ext>
+            </a:extLst>
+          </p:cNvPr>
+          <p:cNvSpPr>
+            <a:spLocks noGrp="1" noRot="1" noChangeAspect="1" noMove="1" noResize="1" noEditPoints="1" noAdjustHandles="1" noChangeArrowheads="1" noChangeShapeType="1" noTextEdit="1"/>
+          </p:cNvSpPr>
+          <p:nvPr>
+            <p:extLst>
+              <p:ext uri="{386F3935-93C4-4BCD-93E2-E3B085C9AB24}">
+                <p16:designElem xmlns:p16="http://schemas.microsoft.com/office/powerpoint/2015/main" val="1"/>
+              </p:ext>
+            </p:extLst>
+          </p:nvPr>
         </p:nvSpPr>
         <p:spPr>
           <a:xfrm>
-            <a:off x="1587062" y="672662"/>
-            <a:ext cx="184731" cy="369332"/>
+            <a:off x="0" y="0"/>
+            <a:ext cx="12192000" cy="6858000"/>
           </a:xfrm>
           <a:prstGeom prst="rect">
             <a:avLst/>
           </a:prstGeom>
-          <a:noFill/>
+          <a:ln w="12700" cap="flat" cmpd="sng" algn="ctr">
+            <a:noFill/>
+            <a:prstDash val="solid"/>
+            <a:miter lim="800000"/>
+          </a:ln>
+          <a:effectLst/>
+          <a:extLst>
+            <a:ext uri="{91240B29-F687-4F45-9708-019B960494DF}">
+              <a14:hiddenLine xmlns:a14="http://schemas.microsoft.com/office/drawing/2010/main" w="12700" cap="flat" cmpd="sng" algn="ctr">
+                <a:solidFill>
+                  <a:schemeClr val="accent1">
+                    <a:shade val="50000"/>
+                  </a:schemeClr>
+                </a:solidFill>
+                <a:prstDash val="solid"/>
+                <a:miter lim="800000"/>
+              </a14:hiddenLine>
+            </a:ext>
+          </a:extLst>
         </p:spPr>
-        <p:txBody>
-          <a:bodyPr wrap="none" rtlCol="0">
-            <a:spAutoFit/>
+        <p:style>
+          <a:lnRef idx="2">
+            <a:schemeClr val="accent1">
+              <a:shade val="50000"/>
+            </a:schemeClr>
+          </a:lnRef>
+          <a:fillRef idx="1">
+            <a:schemeClr val="accent1"/>
+          </a:fillRef>
+          <a:effectRef idx="0">
+            <a:schemeClr val="accent1"/>
+          </a:effectRef>
+          <a:fontRef idx="minor">
+            <a:schemeClr val="lt1"/>
+          </a:fontRef>
+        </p:style>
+        <p:txBody>
+          <a:bodyPr rtlCol="0" anchor="ctr"/>
+          <a:lstStyle/>
+          <a:p>
+            <a:pPr algn="ctr"/>
+            <a:endParaRPr lang="en-US"/>
+          </a:p>
+        </p:txBody>
+      </p:sp>
+      <p:sp>
+        <p:nvSpPr>
+          <p:cNvPr id="2" name="Title 1">
+            <a:extLst>
+              <a:ext uri="{FF2B5EF4-FFF2-40B4-BE49-F238E27FC236}">
+                <a16:creationId xmlns:a16="http://schemas.microsoft.com/office/drawing/2014/main" id="{E89C4C65-2902-0C14-DD5A-377960752E2C}"/>
+              </a:ext>
+            </a:extLst>
+          </p:cNvPr>
+          <p:cNvSpPr>
+            <a:spLocks noGrp="1"/>
+          </p:cNvSpPr>
+          <p:nvPr>
+            <p:ph type="title"/>
+          </p:nvPr>
+        </p:nvSpPr>
+        <p:spPr>
+          <a:xfrm>
+            <a:off x="700087" y="909638"/>
+            <a:ext cx="10691813" cy="1155618"/>
+          </a:xfrm>
+        </p:spPr>
+        <p:txBody>
+          <a:bodyPr>
+            <a:normAutofit/>
           </a:bodyPr>
           <a:lstStyle/>
           <a:p>
+            <a:r>
+              <a:rPr lang="en-CH"/>
+              <a:t>AWS Artifact use cases</a:t>
+            </a:r>
             <a:endParaRPr lang="en-CH" dirty="0"/>
+          </a:p>
+        </p:txBody>
+      </p:sp>
+      <p:cxnSp>
+        <p:nvCxnSpPr>
+          <p:cNvPr id="13" name="Straight Connector 12">
+            <a:extLst>
+              <a:ext uri="{FF2B5EF4-FFF2-40B4-BE49-F238E27FC236}">
+                <a16:creationId xmlns:a16="http://schemas.microsoft.com/office/drawing/2014/main" id="{AAD0195E-7F27-4D06-9427-0C121D721A14}"/>
+              </a:ext>
+              <a:ext uri="{C183D7F6-B498-43B3-948B-1728B52AA6E4}">
+                <adec:decorative xmlns:adec="http://schemas.microsoft.com/office/drawing/2017/decorative" val="1"/>
+              </a:ext>
+            </a:extLst>
+          </p:cNvPr>
+          <p:cNvCxnSpPr>
+            <a:cxnSpLocks noGrp="1" noRot="1" noChangeAspect="1" noMove="1" noResize="1" noEditPoints="1" noAdjustHandles="1" noChangeArrowheads="1" noChangeShapeType="1"/>
+          </p:cNvCxnSpPr>
+          <p:nvPr>
+            <p:extLst>
+              <p:ext uri="{386F3935-93C4-4BCD-93E2-E3B085C9AB24}">
+                <p16:designElem xmlns:p16="http://schemas.microsoft.com/office/powerpoint/2015/main" val="1"/>
+              </p:ext>
+            </p:extLst>
+          </p:nvPr>
+        </p:nvCxnSpPr>
+        <p:spPr>
+          <a:xfrm>
+            <a:off x="800100" y="723900"/>
+            <a:ext cx="10591800" cy="0"/>
+          </a:xfrm>
+          <a:prstGeom prst="line">
+            <a:avLst/>
+          </a:prstGeom>
+          <a:ln w="44450">
+            <a:solidFill>
+              <a:schemeClr val="tx1"/>
+            </a:solidFill>
+          </a:ln>
+        </p:spPr>
+        <p:style>
+          <a:lnRef idx="1">
+            <a:schemeClr val="accent1"/>
+          </a:lnRef>
+          <a:fillRef idx="0">
+            <a:schemeClr val="accent1"/>
+          </a:fillRef>
+          <a:effectRef idx="0">
+            <a:schemeClr val="accent1"/>
+          </a:effectRef>
+          <a:fontRef idx="minor">
+            <a:schemeClr val="tx1"/>
+          </a:fontRef>
+        </p:style>
+      </p:cxnSp>
+      <p:cxnSp>
+        <p:nvCxnSpPr>
+          <p:cNvPr id="15" name="Straight Connector 14">
+            <a:extLst>
+              <a:ext uri="{FF2B5EF4-FFF2-40B4-BE49-F238E27FC236}">
+                <a16:creationId xmlns:a16="http://schemas.microsoft.com/office/drawing/2014/main" id="{9D74C2FC-3228-4FC1-B97B-87AD35508D91}"/>
+              </a:ext>
+              <a:ext uri="{C183D7F6-B498-43B3-948B-1728B52AA6E4}">
+                <adec:decorative xmlns:adec="http://schemas.microsoft.com/office/drawing/2017/decorative" val="1"/>
+              </a:ext>
+            </a:extLst>
+          </p:cNvPr>
+          <p:cNvCxnSpPr>
+            <a:cxnSpLocks noGrp="1" noRot="1" noChangeAspect="1" noMove="1" noResize="1" noEditPoints="1" noAdjustHandles="1" noChangeArrowheads="1" noChangeShapeType="1"/>
+          </p:cNvCxnSpPr>
+          <p:nvPr>
+            <p:extLst>
+              <p:ext uri="{386F3935-93C4-4BCD-93E2-E3B085C9AB24}">
+                <p16:designElem xmlns:p16="http://schemas.microsoft.com/office/powerpoint/2015/main" val="1"/>
+              </p:ext>
+            </p:extLst>
+          </p:nvPr>
+        </p:nvCxnSpPr>
+        <p:spPr>
+          <a:xfrm>
+            <a:off x="800100" y="6142781"/>
+            <a:ext cx="10591800" cy="0"/>
+          </a:xfrm>
+          <a:prstGeom prst="line">
+            <a:avLst/>
+          </a:prstGeom>
+          <a:ln w="12700">
+            <a:solidFill>
+              <a:schemeClr val="tx1"/>
+            </a:solidFill>
+          </a:ln>
+        </p:spPr>
+        <p:style>
+          <a:lnRef idx="1">
+            <a:schemeClr val="accent1"/>
+          </a:lnRef>
+          <a:fillRef idx="0">
+            <a:schemeClr val="accent1"/>
+          </a:fillRef>
+          <a:effectRef idx="0">
+            <a:schemeClr val="accent1"/>
+          </a:effectRef>
+          <a:fontRef idx="minor">
+            <a:schemeClr val="tx1"/>
+          </a:fontRef>
+        </p:style>
+      </p:cxnSp>
+      <p:sp>
+        <p:nvSpPr>
+          <p:cNvPr id="3" name="Content Placeholder 2">
+            <a:extLst>
+              <a:ext uri="{FF2B5EF4-FFF2-40B4-BE49-F238E27FC236}">
+                <a16:creationId xmlns:a16="http://schemas.microsoft.com/office/drawing/2014/main" id="{D9935CC8-AD0A-3BC3-4498-185F12D3EFC2}"/>
+              </a:ext>
+            </a:extLst>
+          </p:cNvPr>
+          <p:cNvSpPr>
+            <a:spLocks noGrp="1"/>
+          </p:cNvSpPr>
+          <p:nvPr>
+            <p:ph idx="1"/>
+          </p:nvPr>
+        </p:nvSpPr>
+        <p:spPr>
+          <a:xfrm>
+            <a:off x="700087" y="2278724"/>
+            <a:ext cx="3418274" cy="3488935"/>
+          </a:xfrm>
+        </p:spPr>
+        <p:txBody>
+          <a:bodyPr/>
+          <a:lstStyle/>
+          <a:p>
+            <a:pPr marL="0" indent="0" defTabSz="868680">
+              <a:spcBef>
+                <a:spcPts val="950"/>
+              </a:spcBef>
+              <a:buNone/>
+            </a:pPr>
+            <a:r>
+              <a:rPr lang="en-GB" sz="1900" b="1" kern="1200" dirty="0">
+                <a:solidFill>
+                  <a:srgbClr val="232F3E"/>
+                </a:solidFill>
+                <a:latin typeface="AmazonEmberBold"/>
+                <a:ea typeface="+mn-ea"/>
+                <a:cs typeface="+mn-cs"/>
+              </a:rPr>
+              <a:t>Understand AWS security and compliance posture</a:t>
+            </a:r>
+          </a:p>
+          <a:p>
+            <a:pPr marL="217170" indent="-217170" defTabSz="868680">
+              <a:spcBef>
+                <a:spcPts val="950"/>
+              </a:spcBef>
+            </a:pPr>
+            <a:r>
+              <a:rPr lang="en-GB" sz="1900" kern="1200" dirty="0">
+                <a:solidFill>
+                  <a:srgbClr val="333333"/>
+                </a:solidFill>
+                <a:latin typeface="AmazonEmber"/>
+                <a:ea typeface="+mn-ea"/>
+                <a:cs typeface="+mn-cs"/>
+              </a:rPr>
+              <a:t>Find auditor-issued reports, certifications, accreditations, and other third-party attestations of AWS in a comprehensive resource.</a:t>
+            </a:r>
+            <a:br>
+              <a:rPr lang="en-GB" sz="1900" kern="1200" dirty="0">
+                <a:solidFill>
+                  <a:schemeClr val="tx1"/>
+                </a:solidFill>
+                <a:latin typeface="+mn-lt"/>
+                <a:ea typeface="+mn-ea"/>
+                <a:cs typeface="+mn-cs"/>
+              </a:rPr>
+            </a:br>
+            <a:endParaRPr lang="en-CH" dirty="0"/>
+          </a:p>
+        </p:txBody>
+      </p:sp>
+      <p:sp>
+        <p:nvSpPr>
+          <p:cNvPr id="4" name="Content Placeholder 2">
+            <a:extLst>
+              <a:ext uri="{FF2B5EF4-FFF2-40B4-BE49-F238E27FC236}">
+                <a16:creationId xmlns:a16="http://schemas.microsoft.com/office/drawing/2014/main" id="{8859CC51-42E8-5425-9E93-0A43DD743450}"/>
+              </a:ext>
+            </a:extLst>
+          </p:cNvPr>
+          <p:cNvSpPr txBox="1">
+            <a:spLocks/>
+          </p:cNvSpPr>
+          <p:nvPr/>
+        </p:nvSpPr>
+        <p:spPr>
+          <a:xfrm>
+            <a:off x="4469783" y="2278724"/>
+            <a:ext cx="2983527" cy="3488935"/>
+          </a:xfrm>
+          <a:prstGeom prst="rect">
+            <a:avLst/>
+          </a:prstGeom>
+        </p:spPr>
+        <p:txBody>
+          <a:bodyPr vert="horz" lIns="91440" tIns="45720" rIns="91440" bIns="45720" rtlCol="0">
+            <a:normAutofit/>
+          </a:bodyPr>
+          <a:lstStyle>
+            <a:lvl1pPr marL="228600" indent="-228600" algn="l" defTabSz="914400" rtl="0" eaLnBrk="1" latinLnBrk="0" hangingPunct="1">
+              <a:lnSpc>
+                <a:spcPct val="120000"/>
+              </a:lnSpc>
+              <a:spcBef>
+                <a:spcPts val="1000"/>
+              </a:spcBef>
+              <a:buFont typeface="Arial" panose="020B0604020202020204" pitchFamily="34" charset="0"/>
+              <a:buChar char="•"/>
+              <a:defRPr sz="2000" kern="1200">
+                <a:solidFill>
+                  <a:schemeClr val="tx1"/>
+                </a:solidFill>
+                <a:latin typeface="+mn-lt"/>
+                <a:ea typeface="+mn-ea"/>
+                <a:cs typeface="+mn-cs"/>
+              </a:defRPr>
+            </a:lvl1pPr>
+            <a:lvl2pPr marL="685800" indent="-228600" algn="l" defTabSz="914400" rtl="0" eaLnBrk="1" latinLnBrk="0" hangingPunct="1">
+              <a:lnSpc>
+                <a:spcPct val="120000"/>
+              </a:lnSpc>
+              <a:spcBef>
+                <a:spcPts val="500"/>
+              </a:spcBef>
+              <a:buFont typeface="Arial" panose="020B0604020202020204" pitchFamily="34" charset="0"/>
+              <a:buChar char="•"/>
+              <a:defRPr sz="1800" kern="1200">
+                <a:solidFill>
+                  <a:schemeClr val="tx1"/>
+                </a:solidFill>
+                <a:latin typeface="+mn-lt"/>
+                <a:ea typeface="+mn-ea"/>
+                <a:cs typeface="+mn-cs"/>
+              </a:defRPr>
+            </a:lvl2pPr>
+            <a:lvl3pPr marL="1143000" indent="-228600" algn="l" defTabSz="914400" rtl="0" eaLnBrk="1" latinLnBrk="0" hangingPunct="1">
+              <a:lnSpc>
+                <a:spcPct val="120000"/>
+              </a:lnSpc>
+              <a:spcBef>
+                <a:spcPts val="500"/>
+              </a:spcBef>
+              <a:buFont typeface="Arial" panose="020B0604020202020204" pitchFamily="34" charset="0"/>
+              <a:buChar char="•"/>
+              <a:defRPr sz="1600" kern="1200">
+                <a:solidFill>
+                  <a:schemeClr val="tx1"/>
+                </a:solidFill>
+                <a:latin typeface="+mn-lt"/>
+                <a:ea typeface="+mn-ea"/>
+                <a:cs typeface="+mn-cs"/>
+              </a:defRPr>
+            </a:lvl3pPr>
+            <a:lvl4pPr marL="1600200" indent="-228600" algn="l" defTabSz="914400" rtl="0" eaLnBrk="1" latinLnBrk="0" hangingPunct="1">
+              <a:lnSpc>
+                <a:spcPct val="120000"/>
+              </a:lnSpc>
+              <a:spcBef>
+                <a:spcPts val="500"/>
+              </a:spcBef>
+              <a:buFont typeface="Arial" panose="020B0604020202020204" pitchFamily="34" charset="0"/>
+              <a:buChar char="•"/>
+              <a:defRPr sz="1400" kern="1200">
+                <a:solidFill>
+                  <a:schemeClr val="tx1"/>
+                </a:solidFill>
+                <a:latin typeface="+mn-lt"/>
+                <a:ea typeface="+mn-ea"/>
+                <a:cs typeface="+mn-cs"/>
+              </a:defRPr>
+            </a:lvl4pPr>
+            <a:lvl5pPr marL="2057400" indent="-228600" algn="l" defTabSz="914400" rtl="0" eaLnBrk="1" latinLnBrk="0" hangingPunct="1">
+              <a:lnSpc>
+                <a:spcPct val="120000"/>
+              </a:lnSpc>
+              <a:spcBef>
+                <a:spcPts val="500"/>
+              </a:spcBef>
+              <a:buFont typeface="Arial" panose="020B0604020202020204" pitchFamily="34" charset="0"/>
+              <a:buChar char="•"/>
+              <a:defRPr sz="1400" kern="1200">
+                <a:solidFill>
+                  <a:schemeClr val="tx1"/>
+                </a:solidFill>
+                <a:latin typeface="+mn-lt"/>
+                <a:ea typeface="+mn-ea"/>
+                <a:cs typeface="+mn-cs"/>
+              </a:defRPr>
+            </a:lvl5pPr>
+            <a:lvl6pPr marL="2514600" indent="-228600" algn="l" defTabSz="914400" rtl="0" eaLnBrk="1" latinLnBrk="0" hangingPunct="1">
+              <a:lnSpc>
+                <a:spcPct val="90000"/>
+              </a:lnSpc>
+              <a:spcBef>
+                <a:spcPts val="500"/>
+              </a:spcBef>
+              <a:buFont typeface="Arial" panose="020B0604020202020204" pitchFamily="34" charset="0"/>
+              <a:buChar char="•"/>
+              <a:defRPr sz="1800" kern="1200">
+                <a:solidFill>
+                  <a:schemeClr val="tx1"/>
+                </a:solidFill>
+                <a:latin typeface="+mn-lt"/>
+                <a:ea typeface="+mn-ea"/>
+                <a:cs typeface="+mn-cs"/>
+              </a:defRPr>
+            </a:lvl6pPr>
+            <a:lvl7pPr marL="2971800" indent="-228600" algn="l" defTabSz="914400" rtl="0" eaLnBrk="1" latinLnBrk="0" hangingPunct="1">
+              <a:lnSpc>
+                <a:spcPct val="90000"/>
+              </a:lnSpc>
+              <a:spcBef>
+                <a:spcPts val="500"/>
+              </a:spcBef>
+              <a:buFont typeface="Arial" panose="020B0604020202020204" pitchFamily="34" charset="0"/>
+              <a:buChar char="•"/>
+              <a:defRPr sz="1800" kern="1200">
+                <a:solidFill>
+                  <a:schemeClr val="tx1"/>
+                </a:solidFill>
+                <a:latin typeface="+mn-lt"/>
+                <a:ea typeface="+mn-ea"/>
+                <a:cs typeface="+mn-cs"/>
+              </a:defRPr>
+            </a:lvl7pPr>
+            <a:lvl8pPr marL="3429000" indent="-228600" algn="l" defTabSz="914400" rtl="0" eaLnBrk="1" latinLnBrk="0" hangingPunct="1">
+              <a:lnSpc>
+                <a:spcPct val="90000"/>
+              </a:lnSpc>
+              <a:spcBef>
+                <a:spcPts val="500"/>
+              </a:spcBef>
+              <a:buFont typeface="Arial" panose="020B0604020202020204" pitchFamily="34" charset="0"/>
+              <a:buChar char="•"/>
+              <a:defRPr sz="1800" kern="1200">
+                <a:solidFill>
+                  <a:schemeClr val="tx1"/>
+                </a:solidFill>
+                <a:latin typeface="+mn-lt"/>
+                <a:ea typeface="+mn-ea"/>
+                <a:cs typeface="+mn-cs"/>
+              </a:defRPr>
+            </a:lvl8pPr>
+            <a:lvl9pPr marL="3886200" indent="-228600" algn="l" defTabSz="914400" rtl="0" eaLnBrk="1" latinLnBrk="0" hangingPunct="1">
+              <a:lnSpc>
+                <a:spcPct val="90000"/>
+              </a:lnSpc>
+              <a:spcBef>
+                <a:spcPts val="500"/>
+              </a:spcBef>
+              <a:buFont typeface="Arial" panose="020B0604020202020204" pitchFamily="34" charset="0"/>
+              <a:buChar char="•"/>
+              <a:defRPr sz="1800" kern="1200">
+                <a:solidFill>
+                  <a:schemeClr val="tx1"/>
+                </a:solidFill>
+                <a:latin typeface="+mn-lt"/>
+                <a:ea typeface="+mn-ea"/>
+                <a:cs typeface="+mn-cs"/>
+              </a:defRPr>
+            </a:lvl9pPr>
+          </a:lstStyle>
+          <a:p>
+            <a:pPr marL="0" indent="0" defTabSz="868680">
+              <a:spcBef>
+                <a:spcPts val="950"/>
+              </a:spcBef>
+              <a:buNone/>
+            </a:pPr>
+            <a:r>
+              <a:rPr lang="en-GB" sz="1900" b="1" kern="1200" dirty="0">
+                <a:solidFill>
+                  <a:srgbClr val="232F3E"/>
+                </a:solidFill>
+                <a:latin typeface="AmazonEmberBold"/>
+                <a:ea typeface="+mn-ea"/>
+                <a:cs typeface="+mn-cs"/>
+              </a:rPr>
+              <a:t>Manage select online agreements at scale</a:t>
+            </a:r>
+          </a:p>
+          <a:p>
+            <a:pPr marL="217170" indent="-217170" defTabSz="868680">
+              <a:spcBef>
+                <a:spcPts val="950"/>
+              </a:spcBef>
+            </a:pPr>
+            <a:r>
+              <a:rPr lang="en-GB" sz="1900" kern="1200" dirty="0">
+                <a:solidFill>
+                  <a:srgbClr val="333333"/>
+                </a:solidFill>
+                <a:latin typeface="AmazonEmber"/>
+                <a:ea typeface="+mn-ea"/>
+                <a:cs typeface="+mn-cs"/>
+              </a:rPr>
+              <a:t>Review, accept, and manage your agreements with AWS and apply them to current and future accounts within your organization.</a:t>
+            </a:r>
+            <a:endParaRPr lang="en-GB" b="0" i="0" dirty="0">
+              <a:solidFill>
+                <a:srgbClr val="333333"/>
+              </a:solidFill>
+              <a:effectLst/>
+              <a:latin typeface="AmazonEmber"/>
+            </a:endParaRPr>
+          </a:p>
+        </p:txBody>
+      </p:sp>
+      <p:sp>
+        <p:nvSpPr>
+          <p:cNvPr id="5" name="Content Placeholder 2">
+            <a:extLst>
+              <a:ext uri="{FF2B5EF4-FFF2-40B4-BE49-F238E27FC236}">
+                <a16:creationId xmlns:a16="http://schemas.microsoft.com/office/drawing/2014/main" id="{67FFD8AF-F8D1-B248-C0E1-47A39A0DBC7D}"/>
+              </a:ext>
+            </a:extLst>
+          </p:cNvPr>
+          <p:cNvSpPr txBox="1">
+            <a:spLocks/>
+          </p:cNvSpPr>
+          <p:nvPr/>
+        </p:nvSpPr>
+        <p:spPr>
+          <a:xfrm>
+            <a:off x="7804732" y="2278724"/>
+            <a:ext cx="3418274" cy="3488935"/>
+          </a:xfrm>
+          <a:prstGeom prst="rect">
+            <a:avLst/>
+          </a:prstGeom>
+        </p:spPr>
+        <p:txBody>
+          <a:bodyPr vert="horz" lIns="91440" tIns="45720" rIns="91440" bIns="45720" rtlCol="0">
+            <a:normAutofit/>
+          </a:bodyPr>
+          <a:lstStyle>
+            <a:lvl1pPr marL="228600" indent="-228600" algn="l" defTabSz="914400" rtl="0" eaLnBrk="1" latinLnBrk="0" hangingPunct="1">
+              <a:lnSpc>
+                <a:spcPct val="120000"/>
+              </a:lnSpc>
+              <a:spcBef>
+                <a:spcPts val="1000"/>
+              </a:spcBef>
+              <a:buFont typeface="Arial" panose="020B0604020202020204" pitchFamily="34" charset="0"/>
+              <a:buChar char="•"/>
+              <a:defRPr sz="2000" kern="1200">
+                <a:solidFill>
+                  <a:schemeClr val="tx1"/>
+                </a:solidFill>
+                <a:latin typeface="+mn-lt"/>
+                <a:ea typeface="+mn-ea"/>
+                <a:cs typeface="+mn-cs"/>
+              </a:defRPr>
+            </a:lvl1pPr>
+            <a:lvl2pPr marL="685800" indent="-228600" algn="l" defTabSz="914400" rtl="0" eaLnBrk="1" latinLnBrk="0" hangingPunct="1">
+              <a:lnSpc>
+                <a:spcPct val="120000"/>
+              </a:lnSpc>
+              <a:spcBef>
+                <a:spcPts val="500"/>
+              </a:spcBef>
+              <a:buFont typeface="Arial" panose="020B0604020202020204" pitchFamily="34" charset="0"/>
+              <a:buChar char="•"/>
+              <a:defRPr sz="1800" kern="1200">
+                <a:solidFill>
+                  <a:schemeClr val="tx1"/>
+                </a:solidFill>
+                <a:latin typeface="+mn-lt"/>
+                <a:ea typeface="+mn-ea"/>
+                <a:cs typeface="+mn-cs"/>
+              </a:defRPr>
+            </a:lvl2pPr>
+            <a:lvl3pPr marL="1143000" indent="-228600" algn="l" defTabSz="914400" rtl="0" eaLnBrk="1" latinLnBrk="0" hangingPunct="1">
+              <a:lnSpc>
+                <a:spcPct val="120000"/>
+              </a:lnSpc>
+              <a:spcBef>
+                <a:spcPts val="500"/>
+              </a:spcBef>
+              <a:buFont typeface="Arial" panose="020B0604020202020204" pitchFamily="34" charset="0"/>
+              <a:buChar char="•"/>
+              <a:defRPr sz="1600" kern="1200">
+                <a:solidFill>
+                  <a:schemeClr val="tx1"/>
+                </a:solidFill>
+                <a:latin typeface="+mn-lt"/>
+                <a:ea typeface="+mn-ea"/>
+                <a:cs typeface="+mn-cs"/>
+              </a:defRPr>
+            </a:lvl3pPr>
+            <a:lvl4pPr marL="1600200" indent="-228600" algn="l" defTabSz="914400" rtl="0" eaLnBrk="1" latinLnBrk="0" hangingPunct="1">
+              <a:lnSpc>
+                <a:spcPct val="120000"/>
+              </a:lnSpc>
+              <a:spcBef>
+                <a:spcPts val="500"/>
+              </a:spcBef>
+              <a:buFont typeface="Arial" panose="020B0604020202020204" pitchFamily="34" charset="0"/>
+              <a:buChar char="•"/>
+              <a:defRPr sz="1400" kern="1200">
+                <a:solidFill>
+                  <a:schemeClr val="tx1"/>
+                </a:solidFill>
+                <a:latin typeface="+mn-lt"/>
+                <a:ea typeface="+mn-ea"/>
+                <a:cs typeface="+mn-cs"/>
+              </a:defRPr>
+            </a:lvl4pPr>
+            <a:lvl5pPr marL="2057400" indent="-228600" algn="l" defTabSz="914400" rtl="0" eaLnBrk="1" latinLnBrk="0" hangingPunct="1">
+              <a:lnSpc>
+                <a:spcPct val="120000"/>
+              </a:lnSpc>
+              <a:spcBef>
+                <a:spcPts val="500"/>
+              </a:spcBef>
+              <a:buFont typeface="Arial" panose="020B0604020202020204" pitchFamily="34" charset="0"/>
+              <a:buChar char="•"/>
+              <a:defRPr sz="1400" kern="1200">
+                <a:solidFill>
+                  <a:schemeClr val="tx1"/>
+                </a:solidFill>
+                <a:latin typeface="+mn-lt"/>
+                <a:ea typeface="+mn-ea"/>
+                <a:cs typeface="+mn-cs"/>
+              </a:defRPr>
+            </a:lvl5pPr>
+            <a:lvl6pPr marL="2514600" indent="-228600" algn="l" defTabSz="914400" rtl="0" eaLnBrk="1" latinLnBrk="0" hangingPunct="1">
+              <a:lnSpc>
+                <a:spcPct val="90000"/>
+              </a:lnSpc>
+              <a:spcBef>
+                <a:spcPts val="500"/>
+              </a:spcBef>
+              <a:buFont typeface="Arial" panose="020B0604020202020204" pitchFamily="34" charset="0"/>
+              <a:buChar char="•"/>
+              <a:defRPr sz="1800" kern="1200">
+                <a:solidFill>
+                  <a:schemeClr val="tx1"/>
+                </a:solidFill>
+                <a:latin typeface="+mn-lt"/>
+                <a:ea typeface="+mn-ea"/>
+                <a:cs typeface="+mn-cs"/>
+              </a:defRPr>
+            </a:lvl6pPr>
+            <a:lvl7pPr marL="2971800" indent="-228600" algn="l" defTabSz="914400" rtl="0" eaLnBrk="1" latinLnBrk="0" hangingPunct="1">
+              <a:lnSpc>
+                <a:spcPct val="90000"/>
+              </a:lnSpc>
+              <a:spcBef>
+                <a:spcPts val="500"/>
+              </a:spcBef>
+              <a:buFont typeface="Arial" panose="020B0604020202020204" pitchFamily="34" charset="0"/>
+              <a:buChar char="•"/>
+              <a:defRPr sz="1800" kern="1200">
+                <a:solidFill>
+                  <a:schemeClr val="tx1"/>
+                </a:solidFill>
+                <a:latin typeface="+mn-lt"/>
+                <a:ea typeface="+mn-ea"/>
+                <a:cs typeface="+mn-cs"/>
+              </a:defRPr>
+            </a:lvl7pPr>
+            <a:lvl8pPr marL="3429000" indent="-228600" algn="l" defTabSz="914400" rtl="0" eaLnBrk="1" latinLnBrk="0" hangingPunct="1">
+              <a:lnSpc>
+                <a:spcPct val="90000"/>
+              </a:lnSpc>
+              <a:spcBef>
+                <a:spcPts val="500"/>
+              </a:spcBef>
+              <a:buFont typeface="Arial" panose="020B0604020202020204" pitchFamily="34" charset="0"/>
+              <a:buChar char="•"/>
+              <a:defRPr sz="1800" kern="1200">
+                <a:solidFill>
+                  <a:schemeClr val="tx1"/>
+                </a:solidFill>
+                <a:latin typeface="+mn-lt"/>
+                <a:ea typeface="+mn-ea"/>
+                <a:cs typeface="+mn-cs"/>
+              </a:defRPr>
+            </a:lvl8pPr>
+            <a:lvl9pPr marL="3886200" indent="-228600" algn="l" defTabSz="914400" rtl="0" eaLnBrk="1" latinLnBrk="0" hangingPunct="1">
+              <a:lnSpc>
+                <a:spcPct val="90000"/>
+              </a:lnSpc>
+              <a:spcBef>
+                <a:spcPts val="500"/>
+              </a:spcBef>
+              <a:buFont typeface="Arial" panose="020B0604020202020204" pitchFamily="34" charset="0"/>
+              <a:buChar char="•"/>
+              <a:defRPr sz="1800" kern="1200">
+                <a:solidFill>
+                  <a:schemeClr val="tx1"/>
+                </a:solidFill>
+                <a:latin typeface="+mn-lt"/>
+                <a:ea typeface="+mn-ea"/>
+                <a:cs typeface="+mn-cs"/>
+              </a:defRPr>
+            </a:lvl9pPr>
+          </a:lstStyle>
+          <a:p>
+            <a:pPr marL="0" indent="0" defTabSz="868680">
+              <a:spcBef>
+                <a:spcPts val="950"/>
+              </a:spcBef>
+              <a:buNone/>
+            </a:pPr>
+            <a:r>
+              <a:rPr lang="en-GB" sz="1900" b="1" kern="1200" dirty="0">
+                <a:solidFill>
+                  <a:srgbClr val="232F3E"/>
+                </a:solidFill>
+                <a:latin typeface="AmazonEmberBold"/>
+                <a:ea typeface="+mn-ea"/>
+                <a:cs typeface="+mn-cs"/>
+              </a:rPr>
+              <a:t>Assess third-party security and compliance</a:t>
+            </a:r>
+          </a:p>
+          <a:p>
+            <a:pPr marL="217170" indent="-217170" defTabSz="868680">
+              <a:spcBef>
+                <a:spcPts val="950"/>
+              </a:spcBef>
+            </a:pPr>
+            <a:r>
+              <a:rPr lang="en-GB" sz="1900" kern="1200" dirty="0">
+                <a:solidFill>
+                  <a:srgbClr val="333333"/>
+                </a:solidFill>
+                <a:latin typeface="AmazonEmber"/>
+                <a:ea typeface="+mn-ea"/>
+                <a:cs typeface="+mn-cs"/>
+              </a:rPr>
+              <a:t>Perform due-diligence of ISVs that sell products on AWS Marketplace, with on-demand access to their security and compliance reports.</a:t>
+            </a:r>
+            <a:endParaRPr lang="en-GB" b="0" i="0" dirty="0">
+              <a:solidFill>
+                <a:srgbClr val="333333"/>
+              </a:solidFill>
+              <a:effectLst/>
+              <a:latin typeface="AmazonEmber"/>
+            </a:endParaRPr>
           </a:p>
         </p:txBody>
       </p:sp>
     </p:spTree>
     <p:extLst>
       <p:ext uri="{BB962C8B-B14F-4D97-AF65-F5344CB8AC3E}">
-        <p14:creationId xmlns:p14="http://schemas.microsoft.com/office/powerpoint/2010/main" val="3128129906"/>
-      </p:ext>
-    </p:extLst>
-  </p:cSld>
-  <p:clrMapOvr>
-    <a:masterClrMapping/>
-  </p:clrMapOvr>
-</p:sld>
-</file>
-
-<file path=ppt/slides/slide8.xml><?xml version="1.0" encoding="utf-8"?>
-<p:sld xmlns:a="http://schemas.openxmlformats.org/drawingml/2006/main" xmlns:r="http://schemas.openxmlformats.org/officeDocument/2006/relationships" xmlns:p="http://schemas.openxmlformats.org/presentationml/2006/main">
-  <p:cSld>
-    <p:spTree>
-      <p:nvGrpSpPr>
-        <p:cNvPr id="1" name=""/>
-        <p:cNvGrpSpPr/>
-        <p:nvPr/>
-      </p:nvGrpSpPr>
-      <p:grpSpPr>
-        <a:xfrm>
-          <a:off x="0" y="0"/>
-          <a:ext cx="0" cy="0"/>
-          <a:chOff x="0" y="0"/>
-          <a:chExt cx="0" cy="0"/>
-        </a:xfrm>
-      </p:grpSpPr>
-      <p:sp>
-        <p:nvSpPr>
-          <p:cNvPr id="2" name="Title 1">
-            <a:extLst>
-              <a:ext uri="{FF2B5EF4-FFF2-40B4-BE49-F238E27FC236}">
-                <a16:creationId xmlns:a16="http://schemas.microsoft.com/office/drawing/2014/main" id="{547A97B4-F0EE-61EE-AD14-56DBC803A6E3}"/>
-              </a:ext>
-            </a:extLst>
-          </p:cNvPr>
-          <p:cNvSpPr>
-            <a:spLocks noGrp="1"/>
-          </p:cNvSpPr>
-          <p:nvPr>
-            <p:ph type="title"/>
-          </p:nvPr>
-        </p:nvSpPr>
-        <p:spPr/>
-        <p:txBody>
-          <a:bodyPr/>
-          <a:lstStyle/>
-          <a:p>
-            <a:r>
-              <a:rPr lang="en-CH" dirty="0"/>
-              <a:t>Lake Formation</a:t>
-            </a:r>
-          </a:p>
-        </p:txBody>
-      </p:sp>
-      <p:sp>
-        <p:nvSpPr>
-          <p:cNvPr id="3" name="Content Placeholder 2">
-            <a:extLst>
-              <a:ext uri="{FF2B5EF4-FFF2-40B4-BE49-F238E27FC236}">
-                <a16:creationId xmlns:a16="http://schemas.microsoft.com/office/drawing/2014/main" id="{7E49B8C0-969B-FB68-5586-44EF49BC70F5}"/>
-              </a:ext>
-            </a:extLst>
-          </p:cNvPr>
-          <p:cNvSpPr>
-            <a:spLocks noGrp="1"/>
-          </p:cNvSpPr>
-          <p:nvPr>
-            <p:ph idx="1"/>
-          </p:nvPr>
-        </p:nvSpPr>
-        <p:spPr/>
-        <p:txBody>
-          <a:bodyPr/>
-          <a:lstStyle/>
-          <a:p>
-            <a:endParaRPr lang="en-CH"/>
-          </a:p>
-        </p:txBody>
-      </p:sp>
-    </p:spTree>
-    <p:extLst>
-      <p:ext uri="{BB962C8B-B14F-4D97-AF65-F5344CB8AC3E}">
-        <p14:creationId xmlns:p14="http://schemas.microsoft.com/office/powerpoint/2010/main" val="67802516"/>
-      </p:ext>
-    </p:extLst>
-  </p:cSld>
-  <p:clrMapOvr>
-    <a:masterClrMapping/>
-  </p:clrMapOvr>
-</p:sld>
-</file>
-
-<file path=ppt/slides/slide9.xml><?xml version="1.0" encoding="utf-8"?>
-<p:sld xmlns:a="http://schemas.openxmlformats.org/drawingml/2006/main" xmlns:r="http://schemas.openxmlformats.org/officeDocument/2006/relationships" xmlns:p="http://schemas.openxmlformats.org/presentationml/2006/main">
-  <p:cSld>
-    <p:spTree>
-      <p:nvGrpSpPr>
-        <p:cNvPr id="1" name=""/>
-        <p:cNvGrpSpPr/>
-        <p:nvPr/>
-      </p:nvGrpSpPr>
-      <p:grpSpPr>
-        <a:xfrm>
-          <a:off x="0" y="0"/>
-          <a:ext cx="0" cy="0"/>
-          <a:chOff x="0" y="0"/>
-          <a:chExt cx="0" cy="0"/>
-        </a:xfrm>
-      </p:grpSpPr>
-      <p:sp>
-        <p:nvSpPr>
-          <p:cNvPr id="2" name="Title 1">
-            <a:extLst>
-              <a:ext uri="{FF2B5EF4-FFF2-40B4-BE49-F238E27FC236}">
-                <a16:creationId xmlns:a16="http://schemas.microsoft.com/office/drawing/2014/main" id="{46612323-E612-9DFD-B45B-D11282EB5928}"/>
-              </a:ext>
-            </a:extLst>
-          </p:cNvPr>
-          <p:cNvSpPr>
-            <a:spLocks noGrp="1"/>
-          </p:cNvSpPr>
-          <p:nvPr>
-            <p:ph type="title"/>
-          </p:nvPr>
-        </p:nvSpPr>
-        <p:spPr/>
-        <p:txBody>
-          <a:bodyPr/>
-          <a:lstStyle/>
-          <a:p>
-            <a:r>
-              <a:rPr lang="en-CH" dirty="0"/>
-              <a:t>Kinesis Data Stream</a:t>
-            </a:r>
-          </a:p>
-        </p:txBody>
-      </p:sp>
-      <p:sp>
-        <p:nvSpPr>
-          <p:cNvPr id="3" name="Content Placeholder 2">
-            <a:extLst>
-              <a:ext uri="{FF2B5EF4-FFF2-40B4-BE49-F238E27FC236}">
-                <a16:creationId xmlns:a16="http://schemas.microsoft.com/office/drawing/2014/main" id="{19BA2360-2459-C71E-B26B-DC8E5F8CD253}"/>
-              </a:ext>
-            </a:extLst>
-          </p:cNvPr>
-          <p:cNvSpPr>
-            <a:spLocks noGrp="1"/>
-          </p:cNvSpPr>
-          <p:nvPr>
-            <p:ph idx="1"/>
-          </p:nvPr>
-        </p:nvSpPr>
-        <p:spPr/>
-        <p:txBody>
-          <a:bodyPr/>
-          <a:lstStyle/>
-          <a:p>
-            <a:endParaRPr lang="en-CH"/>
-          </a:p>
-        </p:txBody>
-      </p:sp>
-    </p:spTree>
-    <p:extLst>
-      <p:ext uri="{BB962C8B-B14F-4D97-AF65-F5344CB8AC3E}">
-        <p14:creationId xmlns:p14="http://schemas.microsoft.com/office/powerpoint/2010/main" val="634902388"/>
+        <p14:creationId xmlns:p14="http://schemas.microsoft.com/office/powerpoint/2010/main" val="969563315"/>
       </p:ext>
     </p:extLst>
   </p:cSld>
@@ -4446,150 +4898,56 @@
 </file>
 
 <file path=ppt/theme/theme1.xml><?xml version="1.0" encoding="utf-8"?>
-<a:theme xmlns:a="http://schemas.openxmlformats.org/drawingml/2006/main" name="Office Theme">
+<a:theme xmlns:a="http://schemas.openxmlformats.org/drawingml/2006/main" name="ChronicleVTI">
   <a:themeElements>
-    <a:clrScheme name="Office">
+    <a:clrScheme name="AnalogousFromDarkSeedLeftStep">
       <a:dk1>
-        <a:sysClr val="windowText" lastClr="000000"/>
+        <a:srgbClr val="000000"/>
       </a:dk1>
       <a:lt1>
-        <a:sysClr val="window" lastClr="FFFFFF"/>
+        <a:srgbClr val="FFFFFF"/>
       </a:lt1>
       <a:dk2>
-        <a:srgbClr val="44546A"/>
+        <a:srgbClr val="213B36"/>
       </a:dk2>
       <a:lt2>
-        <a:srgbClr val="E7E6E6"/>
+        <a:srgbClr val="E8E6E2"/>
       </a:lt2>
       <a:accent1>
-        <a:srgbClr val="4472C4"/>
+        <a:srgbClr val="4D74C3"/>
       </a:accent1>
       <a:accent2>
-        <a:srgbClr val="ED7D31"/>
+        <a:srgbClr val="3B94B1"/>
       </a:accent2>
       <a:accent3>
-        <a:srgbClr val="A5A5A5"/>
+        <a:srgbClr val="46B4A1"/>
       </a:accent3>
       <a:accent4>
-        <a:srgbClr val="FFC000"/>
+        <a:srgbClr val="3BB16C"/>
       </a:accent4>
       <a:accent5>
-        <a:srgbClr val="5B9BD5"/>
+        <a:srgbClr val="49B848"/>
       </a:accent5>
       <a:accent6>
-        <a:srgbClr val="70AD47"/>
+        <a:srgbClr val="6CB13B"/>
       </a:accent6>
       <a:hlink>
-        <a:srgbClr val="0563C1"/>
+        <a:srgbClr val="319542"/>
       </a:hlink>
       <a:folHlink>
-        <a:srgbClr val="954F72"/>
+        <a:srgbClr val="7F7F7F"/>
       </a:folHlink>
     </a:clrScheme>
-    <a:fontScheme name="Office">
+    <a:fontScheme name="Univers Calisto">
       <a:majorFont>
-        <a:latin typeface="Calibri Light" panose="020F0302020204030204"/>
+        <a:latin typeface="Univers Condensed"/>
         <a:ea typeface=""/>
         <a:cs typeface=""/>
-        <a:font script="Jpan" typeface="游ゴシック Light"/>
-        <a:font script="Hang" typeface="맑은 고딕"/>
-        <a:font script="Hans" typeface="等线 Light"/>
-        <a:font script="Hant" typeface="新細明體"/>
-        <a:font script="Arab" typeface="Times New Roman"/>
-        <a:font script="Hebr" typeface="Times New Roman"/>
-        <a:font script="Thai" typeface="Angsana New"/>
-        <a:font script="Ethi" typeface="Nyala"/>
-        <a:font script="Beng" typeface="Vrinda"/>
-        <a:font script="Gujr" typeface="Shruti"/>
-        <a:font script="Khmr" typeface="MoolBoran"/>
-        <a:font script="Knda" typeface="Tunga"/>
-        <a:font script="Guru" typeface="Raavi"/>
-        <a:font script="Cans" typeface="Euphemia"/>
-        <a:font script="Cher" typeface="Plantagenet Cherokee"/>
-        <a:font script="Yiii" typeface="Microsoft Yi Baiti"/>
-        <a:font script="Tibt" typeface="Microsoft Himalaya"/>
-        <a:font script="Thaa" typeface="MV Boli"/>
-        <a:font script="Deva" typeface="Mangal"/>
-        <a:font script="Telu" typeface="Gautami"/>
-        <a:font script="Taml" typeface="Latha"/>
-        <a:font script="Syrc" typeface="Estrangelo Edessa"/>
-        <a:font script="Orya" typeface="Kalinga"/>
-        <a:font script="Mlym" typeface="Kartika"/>
-        <a:font script="Laoo" typeface="DokChampa"/>
-        <a:font script="Sinh" typeface="Iskoola Pota"/>
-        <a:font script="Mong" typeface="Mongolian Baiti"/>
-        <a:font script="Viet" typeface="Times New Roman"/>
-        <a:font script="Uigh" typeface="Microsoft Uighur"/>
-        <a:font script="Geor" typeface="Sylfaen"/>
-        <a:font script="Armn" typeface="Arial"/>
-        <a:font script="Bugi" typeface="Leelawadee UI"/>
-        <a:font script="Bopo" typeface="Microsoft JhengHei"/>
-        <a:font script="Java" typeface="Javanese Text"/>
-        <a:font script="Lisu" typeface="Segoe UI"/>
-        <a:font script="Mymr" typeface="Myanmar Text"/>
-        <a:font script="Nkoo" typeface="Ebrima"/>
-        <a:font script="Olck" typeface="Nirmala UI"/>
-        <a:font script="Osma" typeface="Ebrima"/>
-        <a:font script="Phag" typeface="Phagspa"/>
-        <a:font script="Syrn" typeface="Estrangelo Edessa"/>
-        <a:font script="Syrj" typeface="Estrangelo Edessa"/>
-        <a:font script="Syre" typeface="Estrangelo Edessa"/>
-        <a:font script="Sora" typeface="Nirmala UI"/>
-        <a:font script="Tale" typeface="Microsoft Tai Le"/>
-        <a:font script="Talu" typeface="Microsoft New Tai Lue"/>
-        <a:font script="Tfng" typeface="Ebrima"/>
       </a:majorFont>
       <a:minorFont>
-        <a:latin typeface="Calibri" panose="020F0502020204030204"/>
+        <a:latin typeface="Calisto MT"/>
         <a:ea typeface=""/>
         <a:cs typeface=""/>
-        <a:font script="Jpan" typeface="游ゴシック"/>
-        <a:font script="Hang" typeface="맑은 고딕"/>
-        <a:font script="Hans" typeface="等线"/>
-        <a:font script="Hant" typeface="新細明體"/>
-        <a:font script="Arab" typeface="Arial"/>
-        <a:font script="Hebr" typeface="Arial"/>
-        <a:font script="Thai" typeface="Cordia New"/>
-        <a:font script="Ethi" typeface="Nyala"/>
-        <a:font script="Beng" typeface="Vrinda"/>
-        <a:font script="Gujr" typeface="Shruti"/>
-        <a:font script="Khmr" typeface="DaunPenh"/>
-        <a:font script="Knda" typeface="Tunga"/>
-        <a:font script="Guru" typeface="Raavi"/>
-        <a:font script="Cans" typeface="Euphemia"/>
-        <a:font script="Cher" typeface="Plantagenet Cherokee"/>
-        <a:font script="Yiii" typeface="Microsoft Yi Baiti"/>
-        <a:font script="Tibt" typeface="Microsoft Himalaya"/>
-        <a:font script="Thaa" typeface="MV Boli"/>
-        <a:font script="Deva" typeface="Mangal"/>
-        <a:font script="Telu" typeface="Gautami"/>
-        <a:font script="Taml" typeface="Latha"/>
-        <a:font script="Syrc" typeface="Estrangelo Edessa"/>
-        <a:font script="Orya" typeface="Kalinga"/>
-        <a:font script="Mlym" typeface="Kartika"/>
-        <a:font script="Laoo" typeface="DokChampa"/>
-        <a:font script="Sinh" typeface="Iskoola Pota"/>
-        <a:font script="Mong" typeface="Mongolian Baiti"/>
-        <a:font script="Viet" typeface="Arial"/>
-        <a:font script="Uigh" typeface="Microsoft Uighur"/>
-        <a:font script="Geor" typeface="Sylfaen"/>
-        <a:font script="Armn" typeface="Arial"/>
-        <a:font script="Bugi" typeface="Leelawadee UI"/>
-        <a:font script="Bopo" typeface="Microsoft JhengHei"/>
-        <a:font script="Java" typeface="Javanese Text"/>
-        <a:font script="Lisu" typeface="Segoe UI"/>
-        <a:font script="Mymr" typeface="Myanmar Text"/>
-        <a:font script="Nkoo" typeface="Ebrima"/>
-        <a:font script="Olck" typeface="Nirmala UI"/>
-        <a:font script="Osma" typeface="Ebrima"/>
-        <a:font script="Phag" typeface="Phagspa"/>
-        <a:font script="Syrn" typeface="Estrangelo Edessa"/>
-        <a:font script="Syrj" typeface="Estrangelo Edessa"/>
-        <a:font script="Syre" typeface="Estrangelo Edessa"/>
-        <a:font script="Sora" typeface="Nirmala UI"/>
-        <a:font script="Tale" typeface="Microsoft Tai Le"/>
-        <a:font script="Talu" typeface="Microsoft New Tai Lue"/>
-        <a:font script="Tfng" typeface="Ebrima"/>
       </a:minorFont>
     </a:fontScheme>
     <a:fmtScheme name="Office">
@@ -4734,7 +5092,7 @@
   <a:extraClrSchemeLst/>
   <a:extLst>
     <a:ext uri="{05A4C25C-085E-4340-85A3-A5531E510DB2}">
-      <thm15:themeFamily xmlns:thm15="http://schemas.microsoft.com/office/thememl/2012/main" name="Office Theme" id="{62F939B6-93AF-4DB8-9C6B-D6C7DFDC589F}" vid="{4A3C46E8-61CC-4603-A589-7422A47A8E4A}"/>
+      <thm15:themeFamily xmlns:thm15="http://schemas.microsoft.com/office/thememl/2012/main" name="ChronicleVTI" id="{508E4D90-5116-4BF0-876B-3F422DD1F65F}" vid="{AA21DC3D-92A8-43A4-8358-ED428371CD55}"/>
     </a:ext>
   </a:extLst>
 </a:theme>
